--- a/report/utilization/python_forecast_slides.pptx
+++ b/report/utilization/python_forecast_slides.pptx
@@ -132,7 +132,7 @@
 <file path=ppt/revisionInfo.xml><?xml version="1.0" encoding="utf-8"?>
 <p1510:revInfo xmlns:a="http://schemas.openxmlformats.org/drawingml/2006/main" xmlns:r="http://schemas.openxmlformats.org/officeDocument/2006/relationships" xmlns:p1510="http://schemas.microsoft.com/office/powerpoint/2015/10/main">
   <p1510:revLst>
-    <p1510:client id="{F17E4096-D753-4494-8D76-1AB568C2CF63}" v="529" dt="2019-07-31T14:39:36.752"/>
+    <p1510:client id="{F17E4096-D753-4494-8D76-1AB568C2CF63}" v="662" dt="2019-07-31T15:05:14.634"/>
   </p1510:revLst>
 </p1510:revInfo>
 </file>
@@ -142,18 +142,18 @@
   <pc:docChgLst>
     <pc:chgData name="Brian Gulbis" userId="8ed87ac563b1c39d" providerId="LiveId" clId="{F17E4096-D753-4494-8D76-1AB568C2CF63}"/>
     <pc:docChg chg="modSld">
-      <pc:chgData name="Brian Gulbis" userId="8ed87ac563b1c39d" providerId="LiveId" clId="{F17E4096-D753-4494-8D76-1AB568C2CF63}" dt="2019-07-31T14:39:27.402" v="684" actId="692"/>
+      <pc:chgData name="Brian Gulbis" userId="8ed87ac563b1c39d" providerId="LiveId" clId="{F17E4096-D753-4494-8D76-1AB568C2CF63}" dt="2019-07-31T15:05:14.634" v="817" actId="692"/>
       <pc:docMkLst>
         <pc:docMk/>
       </pc:docMkLst>
       <pc:sldChg chg="modSp mod">
-        <pc:chgData name="Brian Gulbis" userId="8ed87ac563b1c39d" providerId="LiveId" clId="{F17E4096-D753-4494-8D76-1AB568C2CF63}" dt="2019-07-31T14:09:59.151" v="143" actId="692"/>
+        <pc:chgData name="Brian Gulbis" userId="8ed87ac563b1c39d" providerId="LiveId" clId="{F17E4096-D753-4494-8D76-1AB568C2CF63}" dt="2019-07-31T14:54:19.474" v="690" actId="692"/>
         <pc:sldMkLst>
           <pc:docMk/>
           <pc:sldMk cId="0" sldId="257"/>
         </pc:sldMkLst>
         <pc:graphicFrameChg chg="mod">
-          <ac:chgData name="Brian Gulbis" userId="8ed87ac563b1c39d" providerId="LiveId" clId="{F17E4096-D753-4494-8D76-1AB568C2CF63}" dt="2019-07-31T14:09:59.151" v="143" actId="692"/>
+          <ac:chgData name="Brian Gulbis" userId="8ed87ac563b1c39d" providerId="LiveId" clId="{F17E4096-D753-4494-8D76-1AB568C2CF63}" dt="2019-07-31T14:54:19.474" v="690" actId="692"/>
           <ac:graphicFrameMkLst>
             <pc:docMk/>
             <pc:sldMk cId="0" sldId="257"/>
@@ -177,13 +177,13 @@
         </pc:graphicFrameChg>
       </pc:sldChg>
       <pc:sldChg chg="modSp mod">
-        <pc:chgData name="Brian Gulbis" userId="8ed87ac563b1c39d" providerId="LiveId" clId="{F17E4096-D753-4494-8D76-1AB568C2CF63}" dt="2019-07-31T14:11:22.295" v="165" actId="692"/>
+        <pc:chgData name="Brian Gulbis" userId="8ed87ac563b1c39d" providerId="LiveId" clId="{F17E4096-D753-4494-8D76-1AB568C2CF63}" dt="2019-07-31T14:55:31.871" v="715" actId="692"/>
         <pc:sldMkLst>
           <pc:docMk/>
           <pc:sldMk cId="0" sldId="259"/>
         </pc:sldMkLst>
         <pc:graphicFrameChg chg="mod">
-          <ac:chgData name="Brian Gulbis" userId="8ed87ac563b1c39d" providerId="LiveId" clId="{F17E4096-D753-4494-8D76-1AB568C2CF63}" dt="2019-07-31T14:11:22.295" v="165" actId="692"/>
+          <ac:chgData name="Brian Gulbis" userId="8ed87ac563b1c39d" providerId="LiveId" clId="{F17E4096-D753-4494-8D76-1AB568C2CF63}" dt="2019-07-31T14:55:31.871" v="715" actId="692"/>
           <ac:graphicFrameMkLst>
             <pc:docMk/>
             <pc:sldMk cId="0" sldId="259"/>
@@ -192,13 +192,13 @@
         </pc:graphicFrameChg>
       </pc:sldChg>
       <pc:sldChg chg="modSp mod">
-        <pc:chgData name="Brian Gulbis" userId="8ed87ac563b1c39d" providerId="LiveId" clId="{F17E4096-D753-4494-8D76-1AB568C2CF63}" dt="2019-07-31T14:11:55.073" v="196" actId="20577"/>
+        <pc:chgData name="Brian Gulbis" userId="8ed87ac563b1c39d" providerId="LiveId" clId="{F17E4096-D753-4494-8D76-1AB568C2CF63}" dt="2019-07-31T15:01:53.791" v="801" actId="692"/>
         <pc:sldMkLst>
           <pc:docMk/>
           <pc:sldMk cId="0" sldId="260"/>
         </pc:sldMkLst>
         <pc:graphicFrameChg chg="mod">
-          <ac:chgData name="Brian Gulbis" userId="8ed87ac563b1c39d" providerId="LiveId" clId="{F17E4096-D753-4494-8D76-1AB568C2CF63}" dt="2019-07-31T14:11:55.073" v="196" actId="20577"/>
+          <ac:chgData name="Brian Gulbis" userId="8ed87ac563b1c39d" providerId="LiveId" clId="{F17E4096-D753-4494-8D76-1AB568C2CF63}" dt="2019-07-31T15:01:53.791" v="801" actId="692"/>
           <ac:graphicFrameMkLst>
             <pc:docMk/>
             <pc:sldMk cId="0" sldId="260"/>
@@ -207,13 +207,13 @@
         </pc:graphicFrameChg>
       </pc:sldChg>
       <pc:sldChg chg="modSp mod">
-        <pc:chgData name="Brian Gulbis" userId="8ed87ac563b1c39d" providerId="LiveId" clId="{F17E4096-D753-4494-8D76-1AB568C2CF63}" dt="2019-07-31T14:13:46.968" v="233" actId="27918"/>
+        <pc:chgData name="Brian Gulbis" userId="8ed87ac563b1c39d" providerId="LiveId" clId="{F17E4096-D753-4494-8D76-1AB568C2CF63}" dt="2019-07-31T15:03:40.984" v="803" actId="692"/>
         <pc:sldMkLst>
           <pc:docMk/>
           <pc:sldMk cId="0" sldId="261"/>
         </pc:sldMkLst>
         <pc:graphicFrameChg chg="mod">
-          <ac:chgData name="Brian Gulbis" userId="8ed87ac563b1c39d" providerId="LiveId" clId="{F17E4096-D753-4494-8D76-1AB568C2CF63}" dt="2019-07-31T14:13:13.238" v="232" actId="692"/>
+          <ac:chgData name="Brian Gulbis" userId="8ed87ac563b1c39d" providerId="LiveId" clId="{F17E4096-D753-4494-8D76-1AB568C2CF63}" dt="2019-07-31T15:03:40.984" v="803" actId="692"/>
           <ac:graphicFrameMkLst>
             <pc:docMk/>
             <pc:sldMk cId="0" sldId="261"/>
@@ -222,13 +222,13 @@
         </pc:graphicFrameChg>
       </pc:sldChg>
       <pc:sldChg chg="modSp mod">
-        <pc:chgData name="Brian Gulbis" userId="8ed87ac563b1c39d" providerId="LiveId" clId="{F17E4096-D753-4494-8D76-1AB568C2CF63}" dt="2019-07-31T14:14:27.814" v="268" actId="20577"/>
+        <pc:chgData name="Brian Gulbis" userId="8ed87ac563b1c39d" providerId="LiveId" clId="{F17E4096-D753-4494-8D76-1AB568C2CF63}" dt="2019-07-31T15:03:54.518" v="805" actId="692"/>
         <pc:sldMkLst>
           <pc:docMk/>
           <pc:sldMk cId="0" sldId="262"/>
         </pc:sldMkLst>
         <pc:graphicFrameChg chg="mod">
-          <ac:chgData name="Brian Gulbis" userId="8ed87ac563b1c39d" providerId="LiveId" clId="{F17E4096-D753-4494-8D76-1AB568C2CF63}" dt="2019-07-31T14:14:27.814" v="268" actId="20577"/>
+          <ac:chgData name="Brian Gulbis" userId="8ed87ac563b1c39d" providerId="LiveId" clId="{F17E4096-D753-4494-8D76-1AB568C2CF63}" dt="2019-07-31T15:03:54.518" v="805" actId="692"/>
           <ac:graphicFrameMkLst>
             <pc:docMk/>
             <pc:sldMk cId="0" sldId="262"/>
@@ -237,13 +237,13 @@
         </pc:graphicFrameChg>
       </pc:sldChg>
       <pc:sldChg chg="modSp mod">
-        <pc:chgData name="Brian Gulbis" userId="8ed87ac563b1c39d" providerId="LiveId" clId="{F17E4096-D753-4494-8D76-1AB568C2CF63}" dt="2019-07-31T14:15:05.842" v="299" actId="20577"/>
+        <pc:chgData name="Brian Gulbis" userId="8ed87ac563b1c39d" providerId="LiveId" clId="{F17E4096-D753-4494-8D76-1AB568C2CF63}" dt="2019-07-31T15:04:06.550" v="807" actId="692"/>
         <pc:sldMkLst>
           <pc:docMk/>
           <pc:sldMk cId="0" sldId="263"/>
         </pc:sldMkLst>
         <pc:graphicFrameChg chg="mod">
-          <ac:chgData name="Brian Gulbis" userId="8ed87ac563b1c39d" providerId="LiveId" clId="{F17E4096-D753-4494-8D76-1AB568C2CF63}" dt="2019-07-31T14:15:05.842" v="299" actId="20577"/>
+          <ac:chgData name="Brian Gulbis" userId="8ed87ac563b1c39d" providerId="LiveId" clId="{F17E4096-D753-4494-8D76-1AB568C2CF63}" dt="2019-07-31T15:04:06.550" v="807" actId="692"/>
           <ac:graphicFrameMkLst>
             <pc:docMk/>
             <pc:sldMk cId="0" sldId="263"/>
@@ -252,13 +252,13 @@
         </pc:graphicFrameChg>
       </pc:sldChg>
       <pc:sldChg chg="modSp mod">
-        <pc:chgData name="Brian Gulbis" userId="8ed87ac563b1c39d" providerId="LiveId" clId="{F17E4096-D753-4494-8D76-1AB568C2CF63}" dt="2019-07-31T14:15:33.999" v="332" actId="20577"/>
+        <pc:chgData name="Brian Gulbis" userId="8ed87ac563b1c39d" providerId="LiveId" clId="{F17E4096-D753-4494-8D76-1AB568C2CF63}" dt="2019-07-31T15:04:20.510" v="809" actId="692"/>
         <pc:sldMkLst>
           <pc:docMk/>
           <pc:sldMk cId="0" sldId="264"/>
         </pc:sldMkLst>
         <pc:graphicFrameChg chg="mod">
-          <ac:chgData name="Brian Gulbis" userId="8ed87ac563b1c39d" providerId="LiveId" clId="{F17E4096-D753-4494-8D76-1AB568C2CF63}" dt="2019-07-31T14:15:33.999" v="332" actId="20577"/>
+          <ac:chgData name="Brian Gulbis" userId="8ed87ac563b1c39d" providerId="LiveId" clId="{F17E4096-D753-4494-8D76-1AB568C2CF63}" dt="2019-07-31T15:04:20.510" v="809" actId="692"/>
           <ac:graphicFrameMkLst>
             <pc:docMk/>
             <pc:sldMk cId="0" sldId="264"/>
@@ -267,13 +267,13 @@
         </pc:graphicFrameChg>
       </pc:sldChg>
       <pc:sldChg chg="modSp mod">
-        <pc:chgData name="Brian Gulbis" userId="8ed87ac563b1c39d" providerId="LiveId" clId="{F17E4096-D753-4494-8D76-1AB568C2CF63}" dt="2019-07-31T14:17:00.599" v="370" actId="692"/>
+        <pc:chgData name="Brian Gulbis" userId="8ed87ac563b1c39d" providerId="LiveId" clId="{F17E4096-D753-4494-8D76-1AB568C2CF63}" dt="2019-07-31T14:56:59.691" v="736" actId="692"/>
         <pc:sldMkLst>
           <pc:docMk/>
           <pc:sldMk cId="0" sldId="265"/>
         </pc:sldMkLst>
         <pc:graphicFrameChg chg="mod">
-          <ac:chgData name="Brian Gulbis" userId="8ed87ac563b1c39d" providerId="LiveId" clId="{F17E4096-D753-4494-8D76-1AB568C2CF63}" dt="2019-07-31T14:17:00.599" v="370" actId="692"/>
+          <ac:chgData name="Brian Gulbis" userId="8ed87ac563b1c39d" providerId="LiveId" clId="{F17E4096-D753-4494-8D76-1AB568C2CF63}" dt="2019-07-31T14:56:59.691" v="736" actId="692"/>
           <ac:graphicFrameMkLst>
             <pc:docMk/>
             <pc:sldMk cId="0" sldId="265"/>
@@ -282,13 +282,13 @@
         </pc:graphicFrameChg>
       </pc:sldChg>
       <pc:sldChg chg="modSp mod">
-        <pc:chgData name="Brian Gulbis" userId="8ed87ac563b1c39d" providerId="LiveId" clId="{F17E4096-D753-4494-8D76-1AB568C2CF63}" dt="2019-07-31T14:18:54.651" v="406" actId="692"/>
+        <pc:chgData name="Brian Gulbis" userId="8ed87ac563b1c39d" providerId="LiveId" clId="{F17E4096-D753-4494-8D76-1AB568C2CF63}" dt="2019-07-31T15:04:36.201" v="811" actId="692"/>
         <pc:sldMkLst>
           <pc:docMk/>
           <pc:sldMk cId="0" sldId="266"/>
         </pc:sldMkLst>
         <pc:graphicFrameChg chg="mod">
-          <ac:chgData name="Brian Gulbis" userId="8ed87ac563b1c39d" providerId="LiveId" clId="{F17E4096-D753-4494-8D76-1AB568C2CF63}" dt="2019-07-31T14:18:54.651" v="406" actId="692"/>
+          <ac:chgData name="Brian Gulbis" userId="8ed87ac563b1c39d" providerId="LiveId" clId="{F17E4096-D753-4494-8D76-1AB568C2CF63}" dt="2019-07-31T15:04:36.201" v="811" actId="692"/>
           <ac:graphicFrameMkLst>
             <pc:docMk/>
             <pc:sldMk cId="0" sldId="266"/>
@@ -297,13 +297,13 @@
         </pc:graphicFrameChg>
       </pc:sldChg>
       <pc:sldChg chg="modSp mod">
-        <pc:chgData name="Brian Gulbis" userId="8ed87ac563b1c39d" providerId="LiveId" clId="{F17E4096-D753-4494-8D76-1AB568C2CF63}" dt="2019-07-31T14:20:38.080" v="464" actId="692"/>
+        <pc:chgData name="Brian Gulbis" userId="8ed87ac563b1c39d" providerId="LiveId" clId="{F17E4096-D753-4494-8D76-1AB568C2CF63}" dt="2019-07-31T15:01:21.228" v="799" actId="692"/>
         <pc:sldMkLst>
           <pc:docMk/>
           <pc:sldMk cId="0" sldId="267"/>
         </pc:sldMkLst>
         <pc:graphicFrameChg chg="mod">
-          <ac:chgData name="Brian Gulbis" userId="8ed87ac563b1c39d" providerId="LiveId" clId="{F17E4096-D753-4494-8D76-1AB568C2CF63}" dt="2019-07-31T14:20:38.080" v="464" actId="692"/>
+          <ac:chgData name="Brian Gulbis" userId="8ed87ac563b1c39d" providerId="LiveId" clId="{F17E4096-D753-4494-8D76-1AB568C2CF63}" dt="2019-07-31T15:01:21.228" v="799" actId="692"/>
           <ac:graphicFrameMkLst>
             <pc:docMk/>
             <pc:sldMk cId="0" sldId="267"/>
@@ -312,13 +312,13 @@
         </pc:graphicFrameChg>
       </pc:sldChg>
       <pc:sldChg chg="modSp mod">
-        <pc:chgData name="Brian Gulbis" userId="8ed87ac563b1c39d" providerId="LiveId" clId="{F17E4096-D753-4494-8D76-1AB568C2CF63}" dt="2019-07-31T14:32:29.941" v="495" actId="20577"/>
+        <pc:chgData name="Brian Gulbis" userId="8ed87ac563b1c39d" providerId="LiveId" clId="{F17E4096-D753-4494-8D76-1AB568C2CF63}" dt="2019-07-31T15:04:49.321" v="813" actId="692"/>
         <pc:sldMkLst>
           <pc:docMk/>
           <pc:sldMk cId="0" sldId="268"/>
         </pc:sldMkLst>
         <pc:graphicFrameChg chg="mod">
-          <ac:chgData name="Brian Gulbis" userId="8ed87ac563b1c39d" providerId="LiveId" clId="{F17E4096-D753-4494-8D76-1AB568C2CF63}" dt="2019-07-31T14:32:29.941" v="495" actId="20577"/>
+          <ac:chgData name="Brian Gulbis" userId="8ed87ac563b1c39d" providerId="LiveId" clId="{F17E4096-D753-4494-8D76-1AB568C2CF63}" dt="2019-07-31T15:04:49.321" v="813" actId="692"/>
           <ac:graphicFrameMkLst>
             <pc:docMk/>
             <pc:sldMk cId="0" sldId="268"/>
@@ -327,13 +327,13 @@
         </pc:graphicFrameChg>
       </pc:sldChg>
       <pc:sldChg chg="modSp mod">
-        <pc:chgData name="Brian Gulbis" userId="8ed87ac563b1c39d" providerId="LiveId" clId="{F17E4096-D753-4494-8D76-1AB568C2CF63}" dt="2019-07-31T14:33:44.334" v="537" actId="692"/>
+        <pc:chgData name="Brian Gulbis" userId="8ed87ac563b1c39d" providerId="LiveId" clId="{F17E4096-D753-4494-8D76-1AB568C2CF63}" dt="2019-07-31T14:58:18.917" v="767" actId="692"/>
         <pc:sldMkLst>
           <pc:docMk/>
           <pc:sldMk cId="0" sldId="269"/>
         </pc:sldMkLst>
         <pc:graphicFrameChg chg="mod">
-          <ac:chgData name="Brian Gulbis" userId="8ed87ac563b1c39d" providerId="LiveId" clId="{F17E4096-D753-4494-8D76-1AB568C2CF63}" dt="2019-07-31T14:33:44.334" v="537" actId="692"/>
+          <ac:chgData name="Brian Gulbis" userId="8ed87ac563b1c39d" providerId="LiveId" clId="{F17E4096-D753-4494-8D76-1AB568C2CF63}" dt="2019-07-31T14:58:18.917" v="767" actId="692"/>
           <ac:graphicFrameMkLst>
             <pc:docMk/>
             <pc:sldMk cId="0" sldId="269"/>
@@ -342,13 +342,13 @@
         </pc:graphicFrameChg>
       </pc:sldChg>
       <pc:sldChg chg="modSp mod">
-        <pc:chgData name="Brian Gulbis" userId="8ed87ac563b1c39d" providerId="LiveId" clId="{F17E4096-D753-4494-8D76-1AB568C2CF63}" dt="2019-07-31T14:35:50.510" v="580" actId="692"/>
+        <pc:chgData name="Brian Gulbis" userId="8ed87ac563b1c39d" providerId="LiveId" clId="{F17E4096-D753-4494-8D76-1AB568C2CF63}" dt="2019-07-31T14:58:57.142" v="785" actId="692"/>
         <pc:sldMkLst>
           <pc:docMk/>
           <pc:sldMk cId="0" sldId="270"/>
         </pc:sldMkLst>
         <pc:graphicFrameChg chg="mod">
-          <ac:chgData name="Brian Gulbis" userId="8ed87ac563b1c39d" providerId="LiveId" clId="{F17E4096-D753-4494-8D76-1AB568C2CF63}" dt="2019-07-31T14:35:50.510" v="580" actId="692"/>
+          <ac:chgData name="Brian Gulbis" userId="8ed87ac563b1c39d" providerId="LiveId" clId="{F17E4096-D753-4494-8D76-1AB568C2CF63}" dt="2019-07-31T14:58:57.142" v="785" actId="692"/>
           <ac:graphicFrameMkLst>
             <pc:docMk/>
             <pc:sldMk cId="0" sldId="270"/>
@@ -357,13 +357,13 @@
         </pc:graphicFrameChg>
       </pc:sldChg>
       <pc:sldChg chg="modSp mod">
-        <pc:chgData name="Brian Gulbis" userId="8ed87ac563b1c39d" providerId="LiveId" clId="{F17E4096-D753-4494-8D76-1AB568C2CF63}" dt="2019-07-31T14:36:39.515" v="611" actId="20577"/>
+        <pc:chgData name="Brian Gulbis" userId="8ed87ac563b1c39d" providerId="LiveId" clId="{F17E4096-D753-4494-8D76-1AB568C2CF63}" dt="2019-07-31T15:05:03.197" v="815" actId="692"/>
         <pc:sldMkLst>
           <pc:docMk/>
           <pc:sldMk cId="0" sldId="271"/>
         </pc:sldMkLst>
         <pc:graphicFrameChg chg="mod">
-          <ac:chgData name="Brian Gulbis" userId="8ed87ac563b1c39d" providerId="LiveId" clId="{F17E4096-D753-4494-8D76-1AB568C2CF63}" dt="2019-07-31T14:36:39.515" v="611" actId="20577"/>
+          <ac:chgData name="Brian Gulbis" userId="8ed87ac563b1c39d" providerId="LiveId" clId="{F17E4096-D753-4494-8D76-1AB568C2CF63}" dt="2019-07-31T15:05:03.197" v="815" actId="692"/>
           <ac:graphicFrameMkLst>
             <pc:docMk/>
             <pc:sldMk cId="0" sldId="271"/>
@@ -372,13 +372,13 @@
         </pc:graphicFrameChg>
       </pc:sldChg>
       <pc:sldChg chg="modSp mod">
-        <pc:chgData name="Brian Gulbis" userId="8ed87ac563b1c39d" providerId="LiveId" clId="{F17E4096-D753-4494-8D76-1AB568C2CF63}" dt="2019-07-31T14:37:17.885" v="642" actId="20577"/>
+        <pc:chgData name="Brian Gulbis" userId="8ed87ac563b1c39d" providerId="LiveId" clId="{F17E4096-D753-4494-8D76-1AB568C2CF63}" dt="2019-07-31T15:05:14.634" v="817" actId="692"/>
         <pc:sldMkLst>
           <pc:docMk/>
           <pc:sldMk cId="0" sldId="272"/>
         </pc:sldMkLst>
         <pc:graphicFrameChg chg="mod">
-          <ac:chgData name="Brian Gulbis" userId="8ed87ac563b1c39d" providerId="LiveId" clId="{F17E4096-D753-4494-8D76-1AB568C2CF63}" dt="2019-07-31T14:37:17.885" v="642" actId="20577"/>
+          <ac:chgData name="Brian Gulbis" userId="8ed87ac563b1c39d" providerId="LiveId" clId="{F17E4096-D753-4494-8D76-1AB568C2CF63}" dt="2019-07-31T15:05:14.634" v="817" actId="692"/>
           <ac:graphicFrameMkLst>
             <pc:docMk/>
             <pc:sldMk cId="0" sldId="272"/>
@@ -387,13 +387,13 @@
         </pc:graphicFrameChg>
       </pc:sldChg>
       <pc:sldChg chg="modSp mod">
-        <pc:chgData name="Brian Gulbis" userId="8ed87ac563b1c39d" providerId="LiveId" clId="{F17E4096-D753-4494-8D76-1AB568C2CF63}" dt="2019-07-31T14:39:27.402" v="684" actId="692"/>
+        <pc:chgData name="Brian Gulbis" userId="8ed87ac563b1c39d" providerId="LiveId" clId="{F17E4096-D753-4494-8D76-1AB568C2CF63}" dt="2019-07-31T14:59:27.149" v="797" actId="692"/>
         <pc:sldMkLst>
           <pc:docMk/>
           <pc:sldMk cId="0" sldId="273"/>
         </pc:sldMkLst>
         <pc:graphicFrameChg chg="mod">
-          <ac:chgData name="Brian Gulbis" userId="8ed87ac563b1c39d" providerId="LiveId" clId="{F17E4096-D753-4494-8D76-1AB568C2CF63}" dt="2019-07-31T14:39:27.402" v="684" actId="692"/>
+          <ac:chgData name="Brian Gulbis" userId="8ed87ac563b1c39d" providerId="LiveId" clId="{F17E4096-D753-4494-8D76-1AB568C2CF63}" dt="2019-07-31T14:59:27.149" v="797" actId="692"/>
           <ac:graphicFrameMkLst>
             <pc:docMk/>
             <pc:sldMk cId="0" sldId="273"/>
@@ -1264,6 +1264,12 @@
             <c:marker>
               <c:symbol val="circle"/>
               <c:size val="6"/>
+              <c:spPr>
+                <a:solidFill>
+                  <a:sysClr val="window" lastClr="FFFFFF"/>
+                </a:solidFill>
+                <a:ln w="19050"/>
+              </c:spPr>
             </c:marker>
             <c:bubble3D val="0"/>
             <c:extLst>
@@ -3463,6 +3469,16 @@
             <c:marker>
               <c:symbol val="circle"/>
               <c:size val="6"/>
+              <c:spPr>
+                <a:solidFill>
+                  <a:sysClr val="window" lastClr="FFFFFF"/>
+                </a:solidFill>
+                <a:ln w="19050">
+                  <a:solidFill>
+                    <a:srgbClr val="4472C4"/>
+                  </a:solidFill>
+                </a:ln>
+              </c:spPr>
             </c:marker>
             <c:bubble3D val="0"/>
             <c:extLst>
@@ -4184,17 +4200,17 @@
               <c:size val="4"/>
               <c:spPr>
                 <a:solidFill>
-                  <a:schemeClr val="accent1">
-                    <a:lumMod val="40000"/>
-                    <a:lumOff val="60000"/>
-                  </a:schemeClr>
+                  <a:srgbClr val="4472C4">
+                    <a:lumMod val="60000"/>
+                    <a:lumOff val="40000"/>
+                  </a:srgbClr>
                 </a:solidFill>
                 <a:ln w="19050">
                   <a:solidFill>
-                    <a:schemeClr val="accent1">
-                      <a:lumMod val="40000"/>
-                      <a:lumOff val="60000"/>
-                    </a:schemeClr>
+                    <a:srgbClr val="4472C4">
+                      <a:lumMod val="60000"/>
+                      <a:lumOff val="40000"/>
+                    </a:srgbClr>
                   </a:solidFill>
                 </a:ln>
                 <a:effectLst/>
@@ -5646,6 +5662,16 @@
             <c:marker>
               <c:symbol val="circle"/>
               <c:size val="6"/>
+              <c:spPr>
+                <a:solidFill>
+                  <a:sysClr val="window" lastClr="FFFFFF"/>
+                </a:solidFill>
+                <a:ln w="19050">
+                  <a:solidFill>
+                    <a:srgbClr val="4472C4"/>
+                  </a:solidFill>
+                </a:ln>
+              </c:spPr>
             </c:marker>
             <c:bubble3D val="0"/>
             <c:extLst>
@@ -6353,6 +6379,22 @@
             <c:marker>
               <c:symbol val="circle"/>
               <c:size val="4"/>
+              <c:spPr>
+                <a:solidFill>
+                  <a:srgbClr val="4472C4">
+                    <a:lumMod val="60000"/>
+                    <a:lumOff val="40000"/>
+                  </a:srgbClr>
+                </a:solidFill>
+                <a:ln w="19050">
+                  <a:solidFill>
+                    <a:srgbClr val="4472C4">
+                      <a:lumMod val="60000"/>
+                      <a:lumOff val="40000"/>
+                    </a:srgbClr>
+                  </a:solidFill>
+                </a:ln>
+              </c:spPr>
             </c:marker>
             <c:bubble3D val="0"/>
             <c:extLst>
@@ -8548,17 +8590,17 @@
               <c:size val="4"/>
               <c:spPr>
                 <a:solidFill>
-                  <a:schemeClr val="accent1">
-                    <a:lumMod val="40000"/>
-                    <a:lumOff val="60000"/>
-                  </a:schemeClr>
+                  <a:srgbClr val="4472C4">
+                    <a:lumMod val="60000"/>
+                    <a:lumOff val="40000"/>
+                  </a:srgbClr>
                 </a:solidFill>
                 <a:ln w="19050">
                   <a:solidFill>
-                    <a:schemeClr val="accent1">
-                      <a:lumMod val="40000"/>
-                      <a:lumOff val="60000"/>
-                    </a:schemeClr>
+                    <a:srgbClr val="4472C4">
+                      <a:lumMod val="60000"/>
+                      <a:lumOff val="40000"/>
+                    </a:srgbClr>
                   </a:solidFill>
                 </a:ln>
                 <a:effectLst/>
@@ -9806,6 +9848,16 @@
             <c:marker>
               <c:symbol val="circle"/>
               <c:size val="6"/>
+              <c:spPr>
+                <a:solidFill>
+                  <a:sysClr val="window" lastClr="FFFFFF"/>
+                </a:solidFill>
+                <a:ln w="19050">
+                  <a:solidFill>
+                    <a:srgbClr val="4472C4"/>
+                  </a:solidFill>
+                </a:ln>
+              </c:spPr>
             </c:marker>
             <c:bubble3D val="0"/>
             <c:extLst>
@@ -10309,6 +10361,22 @@
             <c:marker>
               <c:symbol val="circle"/>
               <c:size val="4"/>
+              <c:spPr>
+                <a:solidFill>
+                  <a:srgbClr val="4472C4">
+                    <a:lumMod val="60000"/>
+                    <a:lumOff val="40000"/>
+                  </a:srgbClr>
+                </a:solidFill>
+                <a:ln w="19050">
+                  <a:solidFill>
+                    <a:srgbClr val="4472C4">
+                      <a:lumMod val="60000"/>
+                      <a:lumOff val="40000"/>
+                    </a:srgbClr>
+                  </a:solidFill>
+                </a:ln>
+              </c:spPr>
             </c:marker>
             <c:bubble3D val="0"/>
             <c:extLst>
@@ -11519,6 +11587,16 @@
             <c:marker>
               <c:symbol val="circle"/>
               <c:size val="6"/>
+              <c:spPr>
+                <a:solidFill>
+                  <a:sysClr val="window" lastClr="FFFFFF"/>
+                </a:solidFill>
+                <a:ln w="19050">
+                  <a:solidFill>
+                    <a:srgbClr val="4472C4"/>
+                  </a:solidFill>
+                </a:ln>
+              </c:spPr>
             </c:marker>
             <c:bubble3D val="0"/>
             <c:extLst>
@@ -11532,6 +11610,16 @@
             <c:marker>
               <c:symbol val="circle"/>
               <c:size val="6"/>
+              <c:spPr>
+                <a:solidFill>
+                  <a:sysClr val="window" lastClr="FFFFFF"/>
+                </a:solidFill>
+                <a:ln w="19050">
+                  <a:solidFill>
+                    <a:srgbClr val="4472C4"/>
+                  </a:solidFill>
+                </a:ln>
+              </c:spPr>
             </c:marker>
             <c:bubble3D val="0"/>
             <c:extLst>
@@ -12083,6 +12171,22 @@
             <c:marker>
               <c:symbol val="circle"/>
               <c:size val="4"/>
+              <c:spPr>
+                <a:solidFill>
+                  <a:srgbClr val="4472C4">
+                    <a:lumMod val="60000"/>
+                    <a:lumOff val="40000"/>
+                  </a:srgbClr>
+                </a:solidFill>
+                <a:ln w="19050">
+                  <a:solidFill>
+                    <a:srgbClr val="4472C4">
+                      <a:lumMod val="60000"/>
+                      <a:lumOff val="40000"/>
+                    </a:srgbClr>
+                  </a:solidFill>
+                </a:ln>
+              </c:spPr>
             </c:marker>
             <c:bubble3D val="0"/>
             <c:extLst>
@@ -14186,17 +14290,17 @@
               <c:size val="4"/>
               <c:spPr>
                 <a:solidFill>
-                  <a:schemeClr val="accent1">
-                    <a:lumMod val="40000"/>
-                    <a:lumOff val="60000"/>
-                  </a:schemeClr>
+                  <a:srgbClr val="4472C4">
+                    <a:lumMod val="60000"/>
+                    <a:lumOff val="40000"/>
+                  </a:srgbClr>
                 </a:solidFill>
                 <a:ln w="19050">
                   <a:solidFill>
-                    <a:schemeClr val="accent1">
-                      <a:lumMod val="40000"/>
-                      <a:lumOff val="60000"/>
-                    </a:schemeClr>
+                    <a:srgbClr val="4472C4">
+                      <a:lumMod val="60000"/>
+                      <a:lumOff val="40000"/>
+                    </a:srgbClr>
                   </a:solidFill>
                 </a:ln>
                 <a:effectLst/>
@@ -16352,17 +16456,17 @@
               <c:size val="4"/>
               <c:spPr>
                 <a:solidFill>
-                  <a:schemeClr val="accent1">
-                    <a:lumMod val="40000"/>
-                    <a:lumOff val="60000"/>
-                  </a:schemeClr>
+                  <a:srgbClr val="4472C4">
+                    <a:lumMod val="60000"/>
+                    <a:lumOff val="40000"/>
+                  </a:srgbClr>
                 </a:solidFill>
                 <a:ln w="19050">
                   <a:solidFill>
-                    <a:schemeClr val="accent1">
-                      <a:lumMod val="40000"/>
-                      <a:lumOff val="60000"/>
-                    </a:schemeClr>
+                    <a:srgbClr val="4472C4">
+                      <a:lumMod val="60000"/>
+                      <a:lumOff val="40000"/>
+                    </a:srgbClr>
                   </a:solidFill>
                 </a:ln>
                 <a:effectLst/>
@@ -17328,6 +17432,16 @@
             <c:marker>
               <c:symbol val="circle"/>
               <c:size val="6"/>
+              <c:spPr>
+                <a:solidFill>
+                  <a:sysClr val="window" lastClr="FFFFFF"/>
+                </a:solidFill>
+                <a:ln w="19050">
+                  <a:solidFill>
+                    <a:srgbClr val="4472C4"/>
+                  </a:solidFill>
+                </a:ln>
+              </c:spPr>
             </c:marker>
             <c:bubble3D val="0"/>
             <c:extLst>
@@ -17585,6 +17699,22 @@
             <c:marker>
               <c:symbol val="circle"/>
               <c:size val="4"/>
+              <c:spPr>
+                <a:solidFill>
+                  <a:srgbClr val="4472C4">
+                    <a:lumMod val="60000"/>
+                    <a:lumOff val="40000"/>
+                  </a:srgbClr>
+                </a:solidFill>
+                <a:ln w="19050">
+                  <a:solidFill>
+                    <a:srgbClr val="4472C4">
+                      <a:lumMod val="60000"/>
+                      <a:lumOff val="40000"/>
+                    </a:srgbClr>
+                  </a:solidFill>
+                </a:ln>
+              </c:spPr>
             </c:marker>
             <c:bubble3D val="0"/>
             <c:extLst>
@@ -20700,6 +20830,16 @@
             <c:marker>
               <c:symbol val="circle"/>
               <c:size val="6"/>
+              <c:spPr>
+                <a:solidFill>
+                  <a:sysClr val="window" lastClr="FFFFFF"/>
+                </a:solidFill>
+                <a:ln w="19050">
+                  <a:solidFill>
+                    <a:srgbClr val="4472C4"/>
+                  </a:solidFill>
+                </a:ln>
+              </c:spPr>
             </c:marker>
             <c:bubble3D val="0"/>
             <c:extLst>
@@ -20713,6 +20853,16 @@
             <c:marker>
               <c:symbol val="circle"/>
               <c:size val="6"/>
+              <c:spPr>
+                <a:solidFill>
+                  <a:sysClr val="window" lastClr="FFFFFF"/>
+                </a:solidFill>
+                <a:ln w="19050">
+                  <a:solidFill>
+                    <a:srgbClr val="4472C4"/>
+                  </a:solidFill>
+                </a:ln>
+              </c:spPr>
             </c:marker>
             <c:bubble3D val="0"/>
             <c:extLst>
@@ -20726,6 +20876,16 @@
             <c:marker>
               <c:symbol val="circle"/>
               <c:size val="6"/>
+              <c:spPr>
+                <a:solidFill>
+                  <a:sysClr val="window" lastClr="FFFFFF"/>
+                </a:solidFill>
+                <a:ln w="19050">
+                  <a:solidFill>
+                    <a:srgbClr val="4472C4"/>
+                  </a:solidFill>
+                </a:ln>
+              </c:spPr>
             </c:marker>
             <c:bubble3D val="0"/>
             <c:extLst>
@@ -21157,6 +21317,22 @@
             <c:marker>
               <c:symbol val="circle"/>
               <c:size val="4"/>
+              <c:spPr>
+                <a:solidFill>
+                  <a:srgbClr val="4472C4">
+                    <a:lumMod val="60000"/>
+                    <a:lumOff val="40000"/>
+                  </a:srgbClr>
+                </a:solidFill>
+                <a:ln w="19050">
+                  <a:solidFill>
+                    <a:srgbClr val="4472C4">
+                      <a:lumMod val="60000"/>
+                      <a:lumOff val="40000"/>
+                    </a:srgbClr>
+                  </a:solidFill>
+                </a:ln>
+              </c:spPr>
             </c:marker>
             <c:bubble3D val="0"/>
             <c:extLst>
@@ -23191,17 +23367,17 @@
               <c:size val="4"/>
               <c:spPr>
                 <a:solidFill>
-                  <a:schemeClr val="accent1">
-                    <a:lumMod val="40000"/>
-                    <a:lumOff val="60000"/>
-                  </a:schemeClr>
+                  <a:srgbClr val="4472C4">
+                    <a:lumMod val="60000"/>
+                    <a:lumOff val="40000"/>
+                  </a:srgbClr>
                 </a:solidFill>
                 <a:ln w="19050">
                   <a:solidFill>
-                    <a:schemeClr val="accent1">
-                      <a:lumMod val="40000"/>
-                      <a:lumOff val="60000"/>
-                    </a:schemeClr>
+                    <a:srgbClr val="4472C4">
+                      <a:lumMod val="60000"/>
+                      <a:lumOff val="40000"/>
+                    </a:srgbClr>
                   </a:solidFill>
                 </a:ln>
                 <a:effectLst/>
@@ -24665,6 +24841,16 @@
             <c:marker>
               <c:symbol val="circle"/>
               <c:size val="6"/>
+              <c:spPr>
+                <a:solidFill>
+                  <a:sysClr val="window" lastClr="FFFFFF"/>
+                </a:solidFill>
+                <a:ln w="19050">
+                  <a:solidFill>
+                    <a:srgbClr val="4472C4"/>
+                  </a:solidFill>
+                </a:ln>
+              </c:spPr>
             </c:marker>
             <c:bubble3D val="0"/>
             <c:extLst>
@@ -25388,17 +25574,17 @@
               <c:size val="4"/>
               <c:spPr>
                 <a:solidFill>
-                  <a:schemeClr val="accent1">
-                    <a:lumMod val="40000"/>
-                    <a:lumOff val="60000"/>
-                  </a:schemeClr>
+                  <a:srgbClr val="4472C4">
+                    <a:lumMod val="60000"/>
+                    <a:lumOff val="40000"/>
+                  </a:srgbClr>
                 </a:solidFill>
                 <a:ln w="19050">
                   <a:solidFill>
-                    <a:schemeClr val="accent1">
-                      <a:lumMod val="40000"/>
-                      <a:lumOff val="60000"/>
-                    </a:schemeClr>
+                    <a:srgbClr val="4472C4">
+                      <a:lumMod val="60000"/>
+                      <a:lumOff val="40000"/>
+                    </a:srgbClr>
                   </a:solidFill>
                 </a:ln>
                 <a:effectLst/>
@@ -27554,17 +27740,17 @@
               <c:size val="4"/>
               <c:spPr>
                 <a:solidFill>
-                  <a:schemeClr val="accent1">
-                    <a:lumMod val="40000"/>
-                    <a:lumOff val="60000"/>
-                  </a:schemeClr>
+                  <a:srgbClr val="4472C4">
+                    <a:lumMod val="60000"/>
+                    <a:lumOff val="40000"/>
+                  </a:srgbClr>
                 </a:solidFill>
                 <a:ln w="19050">
                   <a:solidFill>
-                    <a:schemeClr val="accent1">
-                      <a:lumMod val="40000"/>
-                      <a:lumOff val="60000"/>
-                    </a:schemeClr>
+                    <a:srgbClr val="4472C4">
+                      <a:lumMod val="60000"/>
+                      <a:lumOff val="40000"/>
+                    </a:srgbClr>
                   </a:solidFill>
                 </a:ln>
                 <a:effectLst/>
@@ -29720,17 +29906,17 @@
               <c:size val="4"/>
               <c:spPr>
                 <a:solidFill>
-                  <a:schemeClr val="accent1">
-                    <a:lumMod val="40000"/>
-                    <a:lumOff val="60000"/>
-                  </a:schemeClr>
+                  <a:srgbClr val="4472C4">
+                    <a:lumMod val="60000"/>
+                    <a:lumOff val="40000"/>
+                  </a:srgbClr>
                 </a:solidFill>
                 <a:ln w="19050">
                   <a:solidFill>
-                    <a:schemeClr val="accent1">
-                      <a:lumMod val="40000"/>
-                      <a:lumOff val="60000"/>
-                    </a:schemeClr>
+                    <a:srgbClr val="4472C4">
+                      <a:lumMod val="60000"/>
+                      <a:lumOff val="40000"/>
+                    </a:srgbClr>
                   </a:solidFill>
                 </a:ln>
                 <a:effectLst/>
@@ -31886,17 +32072,17 @@
               <c:size val="4"/>
               <c:spPr>
                 <a:solidFill>
-                  <a:schemeClr val="accent1">
-                    <a:lumMod val="40000"/>
-                    <a:lumOff val="60000"/>
-                  </a:schemeClr>
+                  <a:srgbClr val="4472C4">
+                    <a:lumMod val="60000"/>
+                    <a:lumOff val="40000"/>
+                  </a:srgbClr>
                 </a:solidFill>
                 <a:ln w="19050">
                   <a:solidFill>
-                    <a:schemeClr val="accent1">
-                      <a:lumMod val="40000"/>
-                      <a:lumOff val="60000"/>
-                    </a:schemeClr>
+                    <a:srgbClr val="4472C4">
+                      <a:lumMod val="60000"/>
+                      <a:lumOff val="40000"/>
+                    </a:srgbClr>
                   </a:solidFill>
                 </a:ln>
                 <a:effectLst/>
@@ -33354,6 +33540,16 @@
             <c:marker>
               <c:symbol val="circle"/>
               <c:size val="6"/>
+              <c:spPr>
+                <a:solidFill>
+                  <a:sysClr val="window" lastClr="FFFFFF"/>
+                </a:solidFill>
+                <a:ln w="19050">
+                  <a:solidFill>
+                    <a:srgbClr val="4472C4"/>
+                  </a:solidFill>
+                </a:ln>
+              </c:spPr>
             </c:marker>
             <c:bubble3D val="0"/>
             <c:extLst>
@@ -33364,7 +33560,6 @@
           </c:dPt>
           <c:dPt>
             <c:idx val="83"/>
-            <c:marker/>
             <c:bubble3D val="0"/>
             <c:extLst>
               <c:ext xmlns:c16="http://schemas.microsoft.com/office/drawing/2014/chart" uri="{C3380CC4-5D6E-409C-BE32-E72D297353CC}">
@@ -34053,6 +34248,22 @@
             <c:marker>
               <c:symbol val="circle"/>
               <c:size val="4"/>
+              <c:spPr>
+                <a:solidFill>
+                  <a:srgbClr val="4472C4">
+                    <a:lumMod val="60000"/>
+                    <a:lumOff val="40000"/>
+                  </a:srgbClr>
+                </a:solidFill>
+                <a:ln w="19050">
+                  <a:solidFill>
+                    <a:srgbClr val="4472C4">
+                      <a:lumMod val="60000"/>
+                      <a:lumOff val="40000"/>
+                    </a:srgbClr>
+                  </a:solidFill>
+                </a:ln>
+              </c:spPr>
             </c:marker>
             <c:bubble3D val="0"/>
             <c:extLst>
@@ -37645,7 +37856,7 @@
           <p:nvPr>
             <p:extLst>
               <p:ext uri="{D42A27DB-BD31-4B8C-83A1-F6EECF244321}">
-                <p14:modId xmlns:p14="http://schemas.microsoft.com/office/powerpoint/2010/main" val="1932352165"/>
+                <p14:modId xmlns:p14="http://schemas.microsoft.com/office/powerpoint/2010/main" val="658767495"/>
               </p:ext>
             </p:extLst>
           </p:nvPr>
@@ -37694,7 +37905,7 @@
           <p:nvPr>
             <p:extLst>
               <p:ext uri="{D42A27DB-BD31-4B8C-83A1-F6EECF244321}">
-                <p14:modId xmlns:p14="http://schemas.microsoft.com/office/powerpoint/2010/main" val="2489961394"/>
+                <p14:modId xmlns:p14="http://schemas.microsoft.com/office/powerpoint/2010/main" val="1975439916"/>
               </p:ext>
             </p:extLst>
           </p:nvPr>
@@ -37743,7 +37954,7 @@
           <p:nvPr>
             <p:extLst>
               <p:ext uri="{D42A27DB-BD31-4B8C-83A1-F6EECF244321}">
-                <p14:modId xmlns:p14="http://schemas.microsoft.com/office/powerpoint/2010/main" val="2723231430"/>
+                <p14:modId xmlns:p14="http://schemas.microsoft.com/office/powerpoint/2010/main" val="2506017137"/>
               </p:ext>
             </p:extLst>
           </p:nvPr>
@@ -37792,7 +38003,7 @@
           <p:nvPr>
             <p:extLst>
               <p:ext uri="{D42A27DB-BD31-4B8C-83A1-F6EECF244321}">
-                <p14:modId xmlns:p14="http://schemas.microsoft.com/office/powerpoint/2010/main" val="4255707822"/>
+                <p14:modId xmlns:p14="http://schemas.microsoft.com/office/powerpoint/2010/main" val="266434395"/>
               </p:ext>
             </p:extLst>
           </p:nvPr>
@@ -37841,7 +38052,7 @@
           <p:nvPr>
             <p:extLst>
               <p:ext uri="{D42A27DB-BD31-4B8C-83A1-F6EECF244321}">
-                <p14:modId xmlns:p14="http://schemas.microsoft.com/office/powerpoint/2010/main" val="3817281039"/>
+                <p14:modId xmlns:p14="http://schemas.microsoft.com/office/powerpoint/2010/main" val="2368709138"/>
               </p:ext>
             </p:extLst>
           </p:nvPr>
@@ -37890,7 +38101,7 @@
           <p:nvPr>
             <p:extLst>
               <p:ext uri="{D42A27DB-BD31-4B8C-83A1-F6EECF244321}">
-                <p14:modId xmlns:p14="http://schemas.microsoft.com/office/powerpoint/2010/main" val="4057358743"/>
+                <p14:modId xmlns:p14="http://schemas.microsoft.com/office/powerpoint/2010/main" val="2696769538"/>
               </p:ext>
             </p:extLst>
           </p:nvPr>
@@ -37939,7 +38150,7 @@
           <p:nvPr>
             <p:extLst>
               <p:ext uri="{D42A27DB-BD31-4B8C-83A1-F6EECF244321}">
-                <p14:modId xmlns:p14="http://schemas.microsoft.com/office/powerpoint/2010/main" val="308715105"/>
+                <p14:modId xmlns:p14="http://schemas.microsoft.com/office/powerpoint/2010/main" val="535809807"/>
               </p:ext>
             </p:extLst>
           </p:nvPr>
@@ -37988,7 +38199,7 @@
           <p:nvPr>
             <p:extLst>
               <p:ext uri="{D42A27DB-BD31-4B8C-83A1-F6EECF244321}">
-                <p14:modId xmlns:p14="http://schemas.microsoft.com/office/powerpoint/2010/main" val="2930875930"/>
+                <p14:modId xmlns:p14="http://schemas.microsoft.com/office/powerpoint/2010/main" val="1458604639"/>
               </p:ext>
             </p:extLst>
           </p:nvPr>
@@ -38037,7 +38248,7 @@
           <p:nvPr>
             <p:extLst>
               <p:ext uri="{D42A27DB-BD31-4B8C-83A1-F6EECF244321}">
-                <p14:modId xmlns:p14="http://schemas.microsoft.com/office/powerpoint/2010/main" val="3757853820"/>
+                <p14:modId xmlns:p14="http://schemas.microsoft.com/office/powerpoint/2010/main" val="4048023841"/>
               </p:ext>
             </p:extLst>
           </p:nvPr>
@@ -38086,7 +38297,7 @@
           <p:nvPr>
             <p:extLst>
               <p:ext uri="{D42A27DB-BD31-4B8C-83A1-F6EECF244321}">
-                <p14:modId xmlns:p14="http://schemas.microsoft.com/office/powerpoint/2010/main" val="797874149"/>
+                <p14:modId xmlns:p14="http://schemas.microsoft.com/office/powerpoint/2010/main" val="2848386438"/>
               </p:ext>
             </p:extLst>
           </p:nvPr>
@@ -38184,7 +38395,7 @@
           <p:nvPr>
             <p:extLst>
               <p:ext uri="{D42A27DB-BD31-4B8C-83A1-F6EECF244321}">
-                <p14:modId xmlns:p14="http://schemas.microsoft.com/office/powerpoint/2010/main" val="1583498331"/>
+                <p14:modId xmlns:p14="http://schemas.microsoft.com/office/powerpoint/2010/main" val="1285312487"/>
               </p:ext>
             </p:extLst>
           </p:nvPr>
@@ -38233,7 +38444,7 @@
           <p:nvPr>
             <p:extLst>
               <p:ext uri="{D42A27DB-BD31-4B8C-83A1-F6EECF244321}">
-                <p14:modId xmlns:p14="http://schemas.microsoft.com/office/powerpoint/2010/main" val="4130705126"/>
+                <p14:modId xmlns:p14="http://schemas.microsoft.com/office/powerpoint/2010/main" val="1228293311"/>
               </p:ext>
             </p:extLst>
           </p:nvPr>
@@ -38282,7 +38493,7 @@
           <p:nvPr>
             <p:extLst>
               <p:ext uri="{D42A27DB-BD31-4B8C-83A1-F6EECF244321}">
-                <p14:modId xmlns:p14="http://schemas.microsoft.com/office/powerpoint/2010/main" val="1320645278"/>
+                <p14:modId xmlns:p14="http://schemas.microsoft.com/office/powerpoint/2010/main" val="4055114152"/>
               </p:ext>
             </p:extLst>
           </p:nvPr>
@@ -38331,7 +38542,7 @@
           <p:nvPr>
             <p:extLst>
               <p:ext uri="{D42A27DB-BD31-4B8C-83A1-F6EECF244321}">
-                <p14:modId xmlns:p14="http://schemas.microsoft.com/office/powerpoint/2010/main" val="1380017332"/>
+                <p14:modId xmlns:p14="http://schemas.microsoft.com/office/powerpoint/2010/main" val="108262652"/>
               </p:ext>
             </p:extLst>
           </p:nvPr>
@@ -38380,7 +38591,7 @@
           <p:nvPr>
             <p:extLst>
               <p:ext uri="{D42A27DB-BD31-4B8C-83A1-F6EECF244321}">
-                <p14:modId xmlns:p14="http://schemas.microsoft.com/office/powerpoint/2010/main" val="2709832129"/>
+                <p14:modId xmlns:p14="http://schemas.microsoft.com/office/powerpoint/2010/main" val="2361081536"/>
               </p:ext>
             </p:extLst>
           </p:nvPr>
@@ -38429,7 +38640,7 @@
           <p:nvPr>
             <p:extLst>
               <p:ext uri="{D42A27DB-BD31-4B8C-83A1-F6EECF244321}">
-                <p14:modId xmlns:p14="http://schemas.microsoft.com/office/powerpoint/2010/main" val="926160251"/>
+                <p14:modId xmlns:p14="http://schemas.microsoft.com/office/powerpoint/2010/main" val="1852008962"/>
               </p:ext>
             </p:extLst>
           </p:nvPr>

--- a/report/utilization/python_forecast_slides.pptx
+++ b/report/utilization/python_forecast_slides.pptx
@@ -239,10 +239,10 @@
           </c:marker>
           <c:cat>
             <c:numRef>
-              <c:f>Sheet1!$A$2:$A$97</c:f>
+              <c:f>Sheet1!$A$2:$A$98</c:f>
               <c:numCache>
                 <c:formatCode>yyyy\-mm\-dd</c:formatCode>
-                <c:ptCount val="96"/>
+                <c:ptCount val="97"/>
                 <c:pt idx="0">
                   <c:v>41091.0</c:v>
                 </c:pt>
@@ -530,16 +530,19 @@
                 </c:pt>
                 <c:pt idx="95">
                   <c:v>43983.0</c:v>
+                </c:pt>
+                <c:pt idx="96">
+                  <c:v>44013.0</c:v>
                 </c:pt>
               </c:numCache>
             </c:numRef>
           </c:cat>
           <c:val>
             <c:numRef>
-              <c:f>Sheet1!$B$2:$B$97</c:f>
+              <c:f>Sheet1!$B$2:$B$98</c:f>
               <c:numCache>
                 <c:formatCode>General</c:formatCode>
-                <c:ptCount val="96"/>
+                <c:ptCount val="97"/>
                 <c:pt idx="0">
                   <c:v>833.0</c:v>
                 </c:pt>
@@ -791,6 +794,9 @@
                 </c:pt>
                 <c:pt idx="83">
                   <c:v>1537.0</c:v>
+                </c:pt>
+                <c:pt idx="84">
+                  <c:v>1772.0</c:v>
                 </c:pt>
               </c:numCache>
             </c:numRef>
@@ -816,10 +822,10 @@
           </c:marker>
           <c:cat>
             <c:numRef>
-              <c:f>Sheet1!$A$2:$A$97</c:f>
+              <c:f>Sheet1!$A$2:$A$98</c:f>
               <c:numCache>
                 <c:formatCode>yyyy\-mm\-dd</c:formatCode>
-                <c:ptCount val="96"/>
+                <c:ptCount val="97"/>
                 <c:pt idx="0">
                   <c:v>41091.0</c:v>
                 </c:pt>
@@ -1107,51 +1113,54 @@
                 </c:pt>
                 <c:pt idx="95">
                   <c:v>43983.0</c:v>
+                </c:pt>
+                <c:pt idx="96">
+                  <c:v>44013.0</c:v>
                 </c:pt>
               </c:numCache>
             </c:numRef>
           </c:cat>
           <c:val>
             <c:numRef>
-              <c:f>Sheet1!$C$2:$C$97</c:f>
+              <c:f>Sheet1!$C$2:$C$98</c:f>
               <c:numCache>
                 <c:formatCode>General</c:formatCode>
-                <c:ptCount val="96"/>
-                <c:pt idx="84">
-                  <c:v>1544.2528784683932</c:v>
-                </c:pt>
+                <c:ptCount val="97"/>
                 <c:pt idx="85">
-                  <c:v>1544.2528784683932</c:v>
+                  <c:v>1744.1220104736233</c:v>
                 </c:pt>
                 <c:pt idx="86">
-                  <c:v>1544.2528784683932</c:v>
+                  <c:v>1750.8499072177517</c:v>
                 </c:pt>
                 <c:pt idx="87">
-                  <c:v>1544.2528784683932</c:v>
+                  <c:v>1749.7281026794403</c:v>
                 </c:pt>
                 <c:pt idx="88">
-                  <c:v>1544.2528784683932</c:v>
+                  <c:v>1749.9149377360393</c:v>
                 </c:pt>
                 <c:pt idx="89">
-                  <c:v>1544.2528784683932</c:v>
+                  <c:v>1749.883814677471</c:v>
                 </c:pt>
                 <c:pt idx="90">
-                  <c:v>1544.2528784683932</c:v>
+                  <c:v>1749.8889990045277</c:v>
                 </c:pt>
                 <c:pt idx="91">
-                  <c:v>1544.2528784683932</c:v>
+                  <c:v>1749.8881354200882</c:v>
                 </c:pt>
                 <c:pt idx="92">
-                  <c:v>1544.2528784683932</c:v>
+                  <c:v>1749.8882792723987</c:v>
                 </c:pt>
                 <c:pt idx="93">
-                  <c:v>1544.2528784683932</c:v>
+                  <c:v>1749.8882553100746</c:v>
                 </c:pt>
                 <c:pt idx="94">
-                  <c:v>1544.2528784683932</c:v>
+                  <c:v>1749.888259301619</c:v>
                 </c:pt>
                 <c:pt idx="95">
-                  <c:v>1544.2528784683932</c:v>
+                  <c:v>1749.888258636725</c:v>
+                </c:pt>
+                <c:pt idx="96">
+                  <c:v>1749.88825874748</c:v>
                 </c:pt>
               </c:numCache>
             </c:numRef>
@@ -1177,10 +1186,10 @@
           </c:marker>
           <c:cat>
             <c:numRef>
-              <c:f>Sheet1!$A$2:$A$97</c:f>
+              <c:f>Sheet1!$A$2:$A$98</c:f>
               <c:numCache>
                 <c:formatCode>yyyy\-mm\-dd</c:formatCode>
-                <c:ptCount val="96"/>
+                <c:ptCount val="97"/>
                 <c:pt idx="0">
                   <c:v>41091.0</c:v>
                 </c:pt>
@@ -1468,51 +1477,54 @@
                 </c:pt>
                 <c:pt idx="95">
                   <c:v>43983.0</c:v>
+                </c:pt>
+                <c:pt idx="96">
+                  <c:v>44013.0</c:v>
                 </c:pt>
               </c:numCache>
             </c:numRef>
           </c:cat>
           <c:val>
             <c:numRef>
-              <c:f>Sheet1!$D$2:$D$97</c:f>
+              <c:f>Sheet1!$D$2:$D$98</c:f>
               <c:numCache>
                 <c:formatCode>General</c:formatCode>
-                <c:ptCount val="96"/>
-                <c:pt idx="84">
-                  <c:v>1931.3789990669068</c:v>
-                </c:pt>
+                <c:ptCount val="97"/>
                 <c:pt idx="85">
-                  <c:v>2101.1059961788646</c:v>
+                  <c:v>2099.679120687573</c:v>
                 </c:pt>
                 <c:pt idx="86">
-                  <c:v>2233.7229352976174</c:v>
+                  <c:v>2227.19946562106</c:v>
                 </c:pt>
                 <c:pt idx="87">
-                  <c:v>2347.0791999315484</c:v>
+                  <c:v>2332.0975925613952</c:v>
                 </c:pt>
                 <c:pt idx="88">
-                  <c:v>2448.097260253922</c:v>
+                  <c:v>2424.7103219548576</c:v>
                 </c:pt>
                 <c:pt idx="89">
-                  <c:v>2540.33149406132</c:v>
+                  <c:v>2508.8451707863946</c:v>
                 </c:pt>
                 <c:pt idx="90">
-                  <c:v>2625.8956992454523</c:v>
+                  <c:v>2586.912269686765</c:v>
                 </c:pt>
                 <c:pt idx="91">
-                  <c:v>2706.168601539334</c:v>
+                  <c:v>2660.300330327699</c:v>
                 </c:pt>
                 <c:pt idx="92">
-                  <c:v>2782.108858836519</c:v>
+                  <c:v>2729.9534786232994</c:v>
                 </c:pt>
                 <c:pt idx="93">
-                  <c:v>2854.4151681269336</c:v>
+                  <c:v>2796.5339853136315</c:v>
                 </c:pt>
                 <c:pt idx="94">
-                  <c:v>2923.615508614325</c:v>
+                  <c:v>2860.5304399572556</c:v>
                 </c:pt>
                 <c:pt idx="95">
-                  <c:v>2990.1204626946796</c:v>
+                  <c:v>2922.3149074327657</c:v>
+                </c:pt>
+                <c:pt idx="96">
+                  <c:v>2982.1785522830596</c:v>
                 </c:pt>
               </c:numCache>
             </c:numRef>
@@ -1538,10 +1550,10 @@
           </c:marker>
           <c:cat>
             <c:numRef>
-              <c:f>Sheet1!$A$2:$A$97</c:f>
+              <c:f>Sheet1!$A$2:$A$98</c:f>
               <c:numCache>
                 <c:formatCode>yyyy\-mm\-dd</c:formatCode>
-                <c:ptCount val="96"/>
+                <c:ptCount val="97"/>
                 <c:pt idx="0">
                   <c:v>41091.0</c:v>
                 </c:pt>
@@ -1829,51 +1841,54 @@
                 </c:pt>
                 <c:pt idx="95">
                   <c:v>43983.0</c:v>
+                </c:pt>
+                <c:pt idx="96">
+                  <c:v>44013.0</c:v>
                 </c:pt>
               </c:numCache>
             </c:numRef>
           </c:cat>
           <c:val>
             <c:numRef>
-              <c:f>Sheet1!$E$2:$E$97</c:f>
+              <c:f>Sheet1!$E$2:$E$98</c:f>
               <c:numCache>
                 <c:formatCode>General</c:formatCode>
-                <c:ptCount val="96"/>
-                <c:pt idx="84">
-                  <c:v>1166.5447840935099</c:v>
-                </c:pt>
+                <c:ptCount val="97"/>
                 <c:pt idx="85">
-                  <c:v>1020.9012516600161</c:v>
+                  <c:v>1405.495174105796</c:v>
                 </c:pt>
                 <c:pt idx="86">
-                  <c:v>912.5332911312095</c:v>
+                  <c:v>1320.8455502330492</c:v>
                 </c:pt>
                 <c:pt idx="87">
-                  <c:v>823.5977788483623</c:v>
+                  <c:v>1245.078062400522</c:v>
                 </c:pt>
                 <c:pt idx="88">
-                  <c:v>747.1789809462462</c:v>
+                  <c:v>1183.8805934265138</c:v>
                 </c:pt>
                 <c:pt idx="89">
-                  <c:v>679.7297892492774</c:v>
+                  <c:v>1130.7727629645813</c:v>
                 </c:pt>
                 <c:pt idx="90">
-                  <c:v>619.1442751582539</c:v>
+                  <c:v>1083.7907395180296</c:v>
                 </c:pt>
                 <c:pt idx="91">
-                  <c:v>564.052259856445</c:v>
+                  <c:v>1041.4712921790867</c:v>
                 </c:pt>
                 <c:pt idx="92">
-                  <c:v>513.5044022070347</c:v>
+                  <c:v>1002.8827251724003</c:v>
                 </c:pt>
                 <c:pt idx="93">
-                  <c:v>466.81220174894435</c:v>
+                  <c:v>967.3606815330556</c:v>
                 </c:pt>
                 <c:pt idx="94">
-                  <c:v>423.4588877374504</c:v>
+                  <c:v>934.4169089273068</c:v>
                 </c:pt>
                 <c:pt idx="95">
-                  <c:v>383.0462585266143</c:v>
+                  <c:v>903.6792750515364</c:v>
+                </c:pt>
+                <c:pt idx="96">
+                  <c:v>874.8566154366416</c:v>
                 </c:pt>
               </c:numCache>
             </c:numRef>
@@ -1998,10 +2013,10 @@
           </c:marker>
           <c:cat>
             <c:numRef>
-              <c:f>Sheet1!$A$2:$A$97</c:f>
+              <c:f>Sheet1!$A$2:$A$98</c:f>
               <c:numCache>
                 <c:formatCode>yyyy\-mm\-dd</c:formatCode>
-                <c:ptCount val="96"/>
+                <c:ptCount val="97"/>
                 <c:pt idx="0">
                   <c:v>41091.0</c:v>
                 </c:pt>
@@ -2289,16 +2304,19 @@
                 </c:pt>
                 <c:pt idx="95">
                   <c:v>43983.0</c:v>
+                </c:pt>
+                <c:pt idx="96">
+                  <c:v>44013.0</c:v>
                 </c:pt>
               </c:numCache>
             </c:numRef>
           </c:cat>
           <c:val>
             <c:numRef>
-              <c:f>Sheet1!$B$2:$B$97</c:f>
+              <c:f>Sheet1!$B$2:$B$98</c:f>
               <c:numCache>
                 <c:formatCode>General</c:formatCode>
-                <c:ptCount val="96"/>
+                <c:ptCount val="97"/>
                 <c:pt idx="0">
                   <c:v>59.0</c:v>
                 </c:pt>
@@ -2550,6 +2568,9 @@
                 </c:pt>
                 <c:pt idx="83">
                   <c:v>47.0</c:v>
+                </c:pt>
+                <c:pt idx="84">
+                  <c:v>27.0</c:v>
                 </c:pt>
               </c:numCache>
             </c:numRef>
@@ -2575,10 +2596,10 @@
           </c:marker>
           <c:cat>
             <c:numRef>
-              <c:f>Sheet1!$A$2:$A$97</c:f>
+              <c:f>Sheet1!$A$2:$A$98</c:f>
               <c:numCache>
                 <c:formatCode>yyyy\-mm\-dd</c:formatCode>
-                <c:ptCount val="96"/>
+                <c:ptCount val="97"/>
                 <c:pt idx="0">
                   <c:v>41091.0</c:v>
                 </c:pt>
@@ -2866,51 +2887,54 @@
                 </c:pt>
                 <c:pt idx="95">
                   <c:v>43983.0</c:v>
+                </c:pt>
+                <c:pt idx="96">
+                  <c:v>44013.0</c:v>
                 </c:pt>
               </c:numCache>
             </c:numRef>
           </c:cat>
           <c:val>
             <c:numRef>
-              <c:f>Sheet1!$C$2:$C$97</c:f>
+              <c:f>Sheet1!$C$2:$C$98</c:f>
               <c:numCache>
                 <c:formatCode>General</c:formatCode>
-                <c:ptCount val="96"/>
-                <c:pt idx="84">
-                  <c:v>61.8710551456696</c:v>
-                </c:pt>
+                <c:ptCount val="97"/>
                 <c:pt idx="85">
-                  <c:v>60.17564510757002</c:v>
+                  <c:v>46.201611168271654</c:v>
                 </c:pt>
                 <c:pt idx="86">
-                  <c:v>53.23249620093689</c:v>
+                  <c:v>46.201611168271654</c:v>
                 </c:pt>
                 <c:pt idx="87">
-                  <c:v>54.72251502277398</c:v>
+                  <c:v>46.201611168271654</c:v>
                 </c:pt>
                 <c:pt idx="88">
-                  <c:v>55.60566834176152</c:v>
+                  <c:v>46.201611168271654</c:v>
                 </c:pt>
                 <c:pt idx="89">
-                  <c:v>56.12469378359964</c:v>
+                  <c:v>46.201611168271654</c:v>
                 </c:pt>
                 <c:pt idx="90">
-                  <c:v>56.42822250643458</c:v>
+                  <c:v>46.201611168271654</c:v>
                 </c:pt>
                 <c:pt idx="91">
-                  <c:v>56.60522041840076</c:v>
+                  <c:v>46.201611168271654</c:v>
                 </c:pt>
                 <c:pt idx="92">
-                  <c:v>56.70826258230688</c:v>
+                  <c:v>46.201611168271654</c:v>
                 </c:pt>
                 <c:pt idx="93">
-                  <c:v>56.768192382509035</c:v>
+                  <c:v>46.201611168271654</c:v>
                 </c:pt>
                 <c:pt idx="94">
-                  <c:v>56.80302831006291</c:v>
+                  <c:v>46.201611168271654</c:v>
                 </c:pt>
                 <c:pt idx="95">
-                  <c:v>56.82327111166996</c:v>
+                  <c:v>46.201611168271654</c:v>
+                </c:pt>
+                <c:pt idx="96">
+                  <c:v>46.201611168271654</c:v>
                 </c:pt>
               </c:numCache>
             </c:numRef>
@@ -2936,10 +2960,10 @@
           </c:marker>
           <c:cat>
             <c:numRef>
-              <c:f>Sheet1!$A$2:$A$97</c:f>
+              <c:f>Sheet1!$A$2:$A$98</c:f>
               <c:numCache>
                 <c:formatCode>yyyy\-mm\-dd</c:formatCode>
-                <c:ptCount val="96"/>
+                <c:ptCount val="97"/>
                 <c:pt idx="0">
                   <c:v>41091.0</c:v>
                 </c:pt>
@@ -3227,51 +3251,54 @@
                 </c:pt>
                 <c:pt idx="95">
                   <c:v>43983.0</c:v>
+                </c:pt>
+                <c:pt idx="96">
+                  <c:v>44013.0</c:v>
                 </c:pt>
               </c:numCache>
             </c:numRef>
           </c:cat>
           <c:val>
             <c:numRef>
-              <c:f>Sheet1!$D$2:$D$97</c:f>
+              <c:f>Sheet1!$D$2:$D$98</c:f>
               <c:numCache>
                 <c:formatCode>General</c:formatCode>
-                <c:ptCount val="96"/>
-                <c:pt idx="84">
-                  <c:v>76.93663513389771</c:v>
-                </c:pt>
+                <c:ptCount val="97"/>
                 <c:pt idx="85">
-                  <c:v>75.16281592435551</c:v>
+                  <c:v>58.622998091713505</c:v>
                 </c:pt>
                 <c:pt idx="86">
-                  <c:v>67.32893931283448</c:v>
+                  <c:v>59.33115195416292</c:v>
                 </c:pt>
                 <c:pt idx="87">
-                  <c:v>71.80691189681514</c:v>
+                  <c:v>59.99345248688886</c:v>
                 </c:pt>
                 <c:pt idx="88">
-                  <c:v>74.12672278618498</c:v>
+                  <c:v>60.617128834364856</c:v>
                 </c:pt>
                 <c:pt idx="89">
-                  <c:v>75.4383159311305</c:v>
+                  <c:v>61.20770476872201</c:v>
                 </c:pt>
                 <c:pt idx="90">
-                  <c:v>76.2344729971791</c:v>
+                  <c:v>61.7695125993781</c:v>
                 </c:pt>
                 <c:pt idx="91">
-                  <c:v>76.75347712109188</c:v>
+                  <c:v>62.30602378136174</c:v>
                 </c:pt>
                 <c:pt idx="92">
-                  <c:v>77.11863495444032</c:v>
+                  <c:v>62.820070278826</c:v>
                 </c:pt>
                 <c:pt idx="93">
-                  <c:v>77.39661504456353</c:v>
+                  <c:v>63.313997789148274</c:v>
                 </c:pt>
                 <c:pt idx="94">
-                  <c:v>77.62449568219857</c:v>
+                  <c:v>63.789774820726414</c:v>
                 </c:pt>
                 <c:pt idx="95">
-                  <c:v>77.82326610574898</c:v>
+                  <c:v>64.24907223254364</c:v>
+                </c:pt>
+                <c:pt idx="96">
+                  <c:v>64.69332245472441</c:v>
                 </c:pt>
               </c:numCache>
             </c:numRef>
@@ -3297,10 +3324,10 @@
           </c:marker>
           <c:cat>
             <c:numRef>
-              <c:f>Sheet1!$A$2:$A$97</c:f>
+              <c:f>Sheet1!$A$2:$A$98</c:f>
               <c:numCache>
                 <c:formatCode>yyyy\-mm\-dd</c:formatCode>
-                <c:ptCount val="96"/>
+                <c:ptCount val="97"/>
                 <c:pt idx="0">
                   <c:v>41091.0</c:v>
                 </c:pt>
@@ -3588,51 +3615,54 @@
                 </c:pt>
                 <c:pt idx="95">
                   <c:v>43983.0</c:v>
+                </c:pt>
+                <c:pt idx="96">
+                  <c:v>44013.0</c:v>
                 </c:pt>
               </c:numCache>
             </c:numRef>
           </c:cat>
           <c:val>
             <c:numRef>
-              <c:f>Sheet1!$E$2:$E$97</c:f>
+              <c:f>Sheet1!$E$2:$E$98</c:f>
               <c:numCache>
                 <c:formatCode>General</c:formatCode>
-                <c:ptCount val="96"/>
-                <c:pt idx="84">
-                  <c:v>48.15556427184126</c:v>
-                </c:pt>
+                <c:ptCount val="97"/>
                 <c:pt idx="85">
-                  <c:v>46.61523844671178</c:v>
+                  <c:v>32.733122039907215</c:v>
                 </c:pt>
                 <c:pt idx="86">
-                  <c:v>40.68447688919301</c:v>
+                  <c:v>31.67705234494308</c:v>
                 </c:pt>
                 <c:pt idx="87">
-                  <c:v>40.259917429086805</c:v>
+                  <c:v>30.6600578599743</c:v>
                 </c:pt>
                 <c:pt idx="88">
-                  <c:v>40.24449736838547</c:v>
+                  <c:v>29.674540141182064</c:v>
                 </c:pt>
                 <c:pt idx="89">
-                  <c:v>40.27323445815346</c:v>
+                  <c:v>28.714571537077745</c:v>
                 </c:pt>
                 <c:pt idx="90">
-                  <c:v>40.276405497393206</c:v>
+                  <c:v>27.775376562259993</c:v>
                 </c:pt>
                 <c:pt idx="91">
-                  <c:v>40.249146601963325</c:v>
+                  <c:v>26.85299570967028</c:v>
                 </c:pt>
                 <c:pt idx="92">
-                  <c:v>40.19935212107514</c:v>
+                  <c:v>25.94405744328991</c:v>
                 </c:pt>
                 <c:pt idx="93">
-                  <c:v>40.13504832675686</c:v>
+                  <c:v>25.04561700607566</c:v>
                 </c:pt>
                 <c:pt idx="94">
-                  <c:v>40.06203127019025</c:v>
+                  <c:v>24.155037711611286</c:v>
                 </c:pt>
                 <c:pt idx="95">
-                  <c:v>39.984045292328425</c:v>
+                  <c:v>23.269899665544123</c:v>
+                </c:pt>
+                <c:pt idx="96">
+                  <c:v>22.38792610280722</c:v>
                 </c:pt>
               </c:numCache>
             </c:numRef>
@@ -3757,10 +3787,10 @@
           </c:marker>
           <c:cat>
             <c:numRef>
-              <c:f>Sheet1!$A$2:$A$95</c:f>
+              <c:f>Sheet1!$A$2:$A$96</c:f>
               <c:numCache>
                 <c:formatCode>yyyy\-mm\-dd</c:formatCode>
-                <c:ptCount val="94"/>
+                <c:ptCount val="95"/>
                 <c:pt idx="0">
                   <c:v>41153.0</c:v>
                 </c:pt>
@@ -4042,16 +4072,19 @@
                 </c:pt>
                 <c:pt idx="93">
                   <c:v>43983.0</c:v>
+                </c:pt>
+                <c:pt idx="94">
+                  <c:v>44013.0</c:v>
                 </c:pt>
               </c:numCache>
             </c:numRef>
           </c:cat>
           <c:val>
             <c:numRef>
-              <c:f>Sheet1!$B$2:$B$95</c:f>
+              <c:f>Sheet1!$B$2:$B$96</c:f>
               <c:numCache>
                 <c:formatCode>General</c:formatCode>
-                <c:ptCount val="94"/>
+                <c:ptCount val="95"/>
                 <c:pt idx="0">
                   <c:v>3.0</c:v>
                 </c:pt>
@@ -4296,6 +4329,9 @@
                   <c:v>10.0</c:v>
                 </c:pt>
                 <c:pt idx="81">
+                  <c:v>9.0</c:v>
+                </c:pt>
+                <c:pt idx="82">
                   <c:v>9.0</c:v>
                 </c:pt>
               </c:numCache>
@@ -4322,10 +4358,10 @@
           </c:marker>
           <c:cat>
             <c:numRef>
-              <c:f>Sheet1!$A$2:$A$95</c:f>
+              <c:f>Sheet1!$A$2:$A$96</c:f>
               <c:numCache>
                 <c:formatCode>yyyy\-mm\-dd</c:formatCode>
-                <c:ptCount val="94"/>
+                <c:ptCount val="95"/>
                 <c:pt idx="0">
                   <c:v>41153.0</c:v>
                 </c:pt>
@@ -4607,51 +4643,54 @@
                 </c:pt>
                 <c:pt idx="93">
                   <c:v>43983.0</c:v>
+                </c:pt>
+                <c:pt idx="94">
+                  <c:v>44013.0</c:v>
                 </c:pt>
               </c:numCache>
             </c:numRef>
           </c:cat>
           <c:val>
             <c:numRef>
-              <c:f>Sheet1!$C$2:$C$95</c:f>
+              <c:f>Sheet1!$C$2:$C$96</c:f>
               <c:numCache>
                 <c:formatCode>General</c:formatCode>
-                <c:ptCount val="94"/>
-                <c:pt idx="82">
-                  <c:v>9.417074141637801</c:v>
-                </c:pt>
+                <c:ptCount val="95"/>
                 <c:pt idx="83">
-                  <c:v>9.417074141637801</c:v>
+                  <c:v>9.239963070668633</c:v>
                 </c:pt>
                 <c:pt idx="84">
-                  <c:v>9.417074141637801</c:v>
+                  <c:v>9.239963070668633</c:v>
                 </c:pt>
                 <c:pt idx="85">
-                  <c:v>9.417074141637801</c:v>
+                  <c:v>9.239963070668633</c:v>
                 </c:pt>
                 <c:pt idx="86">
-                  <c:v>9.417074141637801</c:v>
+                  <c:v>9.239963070668633</c:v>
                 </c:pt>
                 <c:pt idx="87">
-                  <c:v>9.417074141637801</c:v>
+                  <c:v>9.239963070668633</c:v>
                 </c:pt>
                 <c:pt idx="88">
-                  <c:v>9.417074141637801</c:v>
+                  <c:v>9.239963070668633</c:v>
                 </c:pt>
                 <c:pt idx="89">
-                  <c:v>9.417074141637801</c:v>
+                  <c:v>9.239963070668633</c:v>
                 </c:pt>
                 <c:pt idx="90">
-                  <c:v>9.417074141637801</c:v>
+                  <c:v>9.239963070668633</c:v>
                 </c:pt>
                 <c:pt idx="91">
-                  <c:v>9.417074141637801</c:v>
+                  <c:v>9.239963070668633</c:v>
                 </c:pt>
                 <c:pt idx="92">
-                  <c:v>9.417074141637801</c:v>
+                  <c:v>9.239963070668633</c:v>
                 </c:pt>
                 <c:pt idx="93">
-                  <c:v>9.417074141637801</c:v>
+                  <c:v>9.239963070668633</c:v>
+                </c:pt>
+                <c:pt idx="94">
+                  <c:v>9.239963070668633</c:v>
                 </c:pt>
               </c:numCache>
             </c:numRef>
@@ -4677,10 +4716,10 @@
           </c:marker>
           <c:cat>
             <c:numRef>
-              <c:f>Sheet1!$A$2:$A$95</c:f>
+              <c:f>Sheet1!$A$2:$A$96</c:f>
               <c:numCache>
                 <c:formatCode>yyyy\-mm\-dd</c:formatCode>
-                <c:ptCount val="94"/>
+                <c:ptCount val="95"/>
                 <c:pt idx="0">
                   <c:v>41153.0</c:v>
                 </c:pt>
@@ -4962,51 +5001,54 @@
                 </c:pt>
                 <c:pt idx="93">
                   <c:v>43983.0</c:v>
+                </c:pt>
+                <c:pt idx="94">
+                  <c:v>44013.0</c:v>
                 </c:pt>
               </c:numCache>
             </c:numRef>
           </c:cat>
           <c:val>
             <c:numRef>
-              <c:f>Sheet1!$D$2:$D$95</c:f>
+              <c:f>Sheet1!$D$2:$D$96</c:f>
               <c:numCache>
                 <c:formatCode>General</c:formatCode>
-                <c:ptCount val="94"/>
-                <c:pt idx="82">
-                  <c:v>12.308417133393533</c:v>
-                </c:pt>
+                <c:ptCount val="95"/>
                 <c:pt idx="83">
-                  <c:v>12.664320075786701</c:v>
+                  <c:v>12.094017191355865</c:v>
                 </c:pt>
                 <c:pt idx="84">
-                  <c:v>12.988706116359992</c:v>
+                  <c:v>12.446118841458008</c:v>
                 </c:pt>
                 <c:pt idx="85">
-                  <c:v>13.289100094950735</c:v>
+                  <c:v>12.766939180771143</c:v>
                 </c:pt>
                 <c:pt idx="86">
-                  <c:v>13.570432884643084</c:v>
+                  <c:v>13.063961567018902</c:v>
                 </c:pt>
                 <c:pt idx="87">
-                  <c:v>13.836143948286011</c:v>
+                  <c:v>13.342085250631543</c:v>
                 </c:pt>
                 <c:pt idx="88">
-                  <c:v>14.08874577309828</c:v>
+                  <c:v>13.604725410872765</c:v>
                 </c:pt>
                 <c:pt idx="89">
-                  <c:v>14.330140130565775</c:v>
+                  <c:v>13.854375569570864</c:v>
                 </c:pt>
                 <c:pt idx="90">
-                  <c:v>14.56180778432018</c:v>
+                  <c:v>14.09292241704268</c:v>
                 </c:pt>
                 <c:pt idx="91">
-                  <c:v>14.784928536281775</c:v>
+                  <c:v>14.321834520440197</c:v>
                 </c:pt>
                 <c:pt idx="92">
-                  <c:v>15.000460539966804</c:v>
+                  <c:v>14.542281667238722</c:v>
                 </c:pt>
                 <c:pt idx="93">
-                  <c:v>15.209194600178307</c:v>
+                  <c:v>14.755213676509129</c:v>
+                </c:pt>
+                <c:pt idx="94">
+                  <c:v>14.961414333382471</c:v>
                 </c:pt>
               </c:numCache>
             </c:numRef>
@@ -5032,10 +5074,10 @@
           </c:marker>
           <c:cat>
             <c:numRef>
-              <c:f>Sheet1!$A$2:$A$95</c:f>
+              <c:f>Sheet1!$A$2:$A$96</c:f>
               <c:numCache>
                 <c:formatCode>yyyy\-mm\-dd</c:formatCode>
-                <c:ptCount val="94"/>
+                <c:ptCount val="95"/>
                 <c:pt idx="0">
                   <c:v>41153.0</c:v>
                 </c:pt>
@@ -5317,51 +5359,54 @@
                 </c:pt>
                 <c:pt idx="93">
                   <c:v>43983.0</c:v>
+                </c:pt>
+                <c:pt idx="94">
+                  <c:v>44013.0</c:v>
                 </c:pt>
               </c:numCache>
             </c:numRef>
           </c:cat>
           <c:val>
             <c:numRef>
-              <c:f>Sheet1!$E$2:$E$95</c:f>
+              <c:f>Sheet1!$E$2:$E$96</c:f>
               <c:numCache>
                 <c:formatCode>General</c:formatCode>
-                <c:ptCount val="94"/>
-                <c:pt idx="82">
-                  <c:v>6.614270527447781</c:v>
-                </c:pt>
+                <c:ptCount val="95"/>
                 <c:pt idx="83">
-                  <c:v>6.312228652841026</c:v>
+                  <c:v>6.4723678321712965</c:v>
                 </c:pt>
                 <c:pt idx="84">
-                  <c:v>6.041839859527827</c:v>
+                  <c:v>6.173069179259673</c:v>
                 </c:pt>
                 <c:pt idx="85">
-                  <c:v>5.795581158220401</c:v>
+                  <c:v>5.905191217298677</c:v>
                 </c:pt>
                 <c:pt idx="86">
-                  <c:v>5.568523575733535</c:v>
+                  <c:v>5.661252546297589</c:v>
                 </c:pt>
                 <c:pt idx="87">
-                  <c:v>5.357229600474936</c:v>
+                  <c:v>5.436355927445449</c:v>
                 </c:pt>
                 <c:pt idx="88">
-                  <c:v>5.159188749959794</c:v>
+                  <c:v>5.2270882492468616</c:v>
                 </c:pt>
                 <c:pt idx="89">
-                  <c:v>4.972501313152133</c:v>
+                  <c:v>5.030958116182812</c:v>
                 </c:pt>
                 <c:pt idx="90">
-                  <c:v>4.795688644952461</c:v>
+                  <c:v>4.8460810253173925</c:v>
                 </c:pt>
                 <c:pt idx="91">
-                  <c:v>4.6275731225582675</c:v>
+                  <c:v>4.670990660630952</c:v>
                 </c:pt>
                 <c:pt idx="92">
-                  <c:v>4.467198834807006</c:v>
+                  <c:v>4.504519552371873</c:v>
                 </c:pt>
                 <c:pt idx="93">
-                  <c:v>4.3137772852937335</c:v>
+                  <c:v>4.345720268796774</c:v>
+                </c:pt>
+                <c:pt idx="94">
+                  <c:v>4.193811484904184</c:v>
                 </c:pt>
               </c:numCache>
             </c:numRef>
@@ -5486,10 +5531,10 @@
           </c:marker>
           <c:cat>
             <c:numRef>
-              <c:f>Sheet1!$A$2:$A$97</c:f>
+              <c:f>Sheet1!$A$2:$A$98</c:f>
               <c:numCache>
                 <c:formatCode>yyyy\-mm\-dd</c:formatCode>
-                <c:ptCount val="96"/>
+                <c:ptCount val="97"/>
                 <c:pt idx="0">
                   <c:v>41091.0</c:v>
                 </c:pt>
@@ -5777,16 +5822,19 @@
                 </c:pt>
                 <c:pt idx="95">
                   <c:v>43983.0</c:v>
+                </c:pt>
+                <c:pt idx="96">
+                  <c:v>44013.0</c:v>
                 </c:pt>
               </c:numCache>
             </c:numRef>
           </c:cat>
           <c:val>
             <c:numRef>
-              <c:f>Sheet1!$B$2:$B$97</c:f>
+              <c:f>Sheet1!$B$2:$B$98</c:f>
               <c:numCache>
                 <c:formatCode>General</c:formatCode>
-                <c:ptCount val="96"/>
+                <c:ptCount val="97"/>
                 <c:pt idx="0">
                   <c:v>37.0</c:v>
                 </c:pt>
@@ -6038,6 +6086,9 @@
                 </c:pt>
                 <c:pt idx="83">
                   <c:v>52.0</c:v>
+                </c:pt>
+                <c:pt idx="84">
+                  <c:v>136.0</c:v>
                 </c:pt>
               </c:numCache>
             </c:numRef>
@@ -6063,10 +6114,10 @@
           </c:marker>
           <c:cat>
             <c:numRef>
-              <c:f>Sheet1!$A$2:$A$97</c:f>
+              <c:f>Sheet1!$A$2:$A$98</c:f>
               <c:numCache>
                 <c:formatCode>yyyy\-mm\-dd</c:formatCode>
-                <c:ptCount val="96"/>
+                <c:ptCount val="97"/>
                 <c:pt idx="0">
                   <c:v>41091.0</c:v>
                 </c:pt>
@@ -6354,51 +6405,54 @@
                 </c:pt>
                 <c:pt idx="95">
                   <c:v>43983.0</c:v>
+                </c:pt>
+                <c:pt idx="96">
+                  <c:v>44013.0</c:v>
                 </c:pt>
               </c:numCache>
             </c:numRef>
           </c:cat>
           <c:val>
             <c:numRef>
-              <c:f>Sheet1!$C$2:$C$97</c:f>
+              <c:f>Sheet1!$C$2:$C$98</c:f>
               <c:numCache>
                 <c:formatCode>General</c:formatCode>
-                <c:ptCount val="96"/>
-                <c:pt idx="84">
-                  <c:v>117.96300854446385</c:v>
-                </c:pt>
+                <c:ptCount val="97"/>
                 <c:pt idx="85">
-                  <c:v>117.96300854446385</c:v>
+                  <c:v>127.13939578923734</c:v>
                 </c:pt>
                 <c:pt idx="86">
-                  <c:v>117.96300854446385</c:v>
+                  <c:v>127.13939578923734</c:v>
                 </c:pt>
                 <c:pt idx="87">
-                  <c:v>117.96300854446385</c:v>
+                  <c:v>127.13939578923734</c:v>
                 </c:pt>
                 <c:pt idx="88">
-                  <c:v>117.96300854446385</c:v>
+                  <c:v>127.13939578923734</c:v>
                 </c:pt>
                 <c:pt idx="89">
-                  <c:v>117.96300854446385</c:v>
+                  <c:v>127.13939578923734</c:v>
                 </c:pt>
                 <c:pt idx="90">
-                  <c:v>117.96300854446385</c:v>
+                  <c:v>127.13939578923734</c:v>
                 </c:pt>
                 <c:pt idx="91">
-                  <c:v>117.96300854446385</c:v>
+                  <c:v>127.13939578923734</c:v>
                 </c:pt>
                 <c:pt idx="92">
-                  <c:v>117.96300854446385</c:v>
+                  <c:v>127.13939578923734</c:v>
                 </c:pt>
                 <c:pt idx="93">
-                  <c:v>117.96300854446385</c:v>
+                  <c:v>127.13939578923734</c:v>
                 </c:pt>
                 <c:pt idx="94">
-                  <c:v>117.96300854446385</c:v>
+                  <c:v>127.13939578923734</c:v>
                 </c:pt>
                 <c:pt idx="95">
-                  <c:v>117.96300854446385</c:v>
+                  <c:v>127.13939578923734</c:v>
+                </c:pt>
+                <c:pt idx="96">
+                  <c:v>127.13939578923734</c:v>
                 </c:pt>
               </c:numCache>
             </c:numRef>
@@ -6424,10 +6478,10 @@
           </c:marker>
           <c:cat>
             <c:numRef>
-              <c:f>Sheet1!$A$2:$A$97</c:f>
+              <c:f>Sheet1!$A$2:$A$98</c:f>
               <c:numCache>
                 <c:formatCode>yyyy\-mm\-dd</c:formatCode>
-                <c:ptCount val="96"/>
+                <c:ptCount val="97"/>
                 <c:pt idx="0">
                   <c:v>41091.0</c:v>
                 </c:pt>
@@ -6715,51 +6769,54 @@
                 </c:pt>
                 <c:pt idx="95">
                   <c:v>43983.0</c:v>
+                </c:pt>
+                <c:pt idx="96">
+                  <c:v>44013.0</c:v>
                 </c:pt>
               </c:numCache>
             </c:numRef>
           </c:cat>
           <c:val>
             <c:numRef>
-              <c:f>Sheet1!$D$2:$D$97</c:f>
+              <c:f>Sheet1!$D$2:$D$98</c:f>
               <c:numCache>
                 <c:formatCode>General</c:formatCode>
-                <c:ptCount val="96"/>
-                <c:pt idx="84">
-                  <c:v>219.52982448565166</c:v>
-                </c:pt>
+                <c:ptCount val="97"/>
                 <c:pt idx="85">
-                  <c:v>225.66438272328253</c:v>
+                  <c:v>222.7169771662732</c:v>
                 </c:pt>
                 <c:pt idx="86">
-                  <c:v>231.75638848306602</c:v>
+                  <c:v>226.54653799403448</c:v>
                 </c:pt>
                 <c:pt idx="87">
-                  <c:v>237.81360695868617</c:v>
+                  <c:v>230.30956594959878</c:v>
                 </c:pt>
                 <c:pt idx="88">
-                  <c:v>243.84264999455897</c:v>
+                  <c:v>234.01144223828948</c:v>
                 </c:pt>
                 <c:pt idx="89">
-                  <c:v>249.8492017485182</c:v>
+                  <c:v>237.65687421961977</c:v>
                 </c:pt>
                 <c:pt idx="90">
-                  <c:v>255.83819093401968</c:v>
+                  <c:v>241.2500075755849</c:v>
                 </c:pt>
                 <c:pt idx="91">
-                  <c:v>261.81392428617926</c:v>
+                  <c:v>244.79451558089443</c:v>
                 </c:pt>
                 <c:pt idx="92">
-                  <c:v>267.7801913828091</c:v>
+                  <c:v>248.2936709390995</c:v>
                 </c:pt>
                 <c:pt idx="93">
-                  <c:v>273.7403479696334</c:v>
+                  <c:v>251.75040417182112</c:v>
                 </c:pt>
                 <c:pt idx="94">
-                  <c:v>279.69738292498783</c:v>
+                  <c:v>255.167351513702</c:v>
                 </c:pt>
                 <c:pt idx="95">
-                  <c:v>285.65397261221494</c:v>
+                  <c:v>258.54689452898475</c:v>
+                </c:pt>
+                <c:pt idx="96">
+                  <c:v>261.89119313316814</c:v>
                 </c:pt>
               </c:numCache>
             </c:numRef>
@@ -6785,10 +6842,10 @@
           </c:marker>
           <c:cat>
             <c:numRef>
-              <c:f>Sheet1!$A$2:$A$97</c:f>
+              <c:f>Sheet1!$A$2:$A$98</c:f>
               <c:numCache>
                 <c:formatCode>yyyy\-mm\-dd</c:formatCode>
-                <c:ptCount val="96"/>
+                <c:ptCount val="97"/>
                 <c:pt idx="0">
                   <c:v>41091.0</c:v>
                 </c:pt>
@@ -7076,51 +7133,54 @@
                 </c:pt>
                 <c:pt idx="95">
                   <c:v>43983.0</c:v>
+                </c:pt>
+                <c:pt idx="96">
+                  <c:v>44013.0</c:v>
                 </c:pt>
               </c:numCache>
             </c:numRef>
           </c:cat>
           <c:val>
             <c:numRef>
-              <c:f>Sheet1!$E$2:$E$97</c:f>
+              <c:f>Sheet1!$E$2:$E$98</c:f>
               <c:numCache>
                 <c:formatCode>General</c:formatCode>
-                <c:ptCount val="96"/>
-                <c:pt idx="84">
-                  <c:v>44.29703680361011</c:v>
-                </c:pt>
+                <c:ptCount val="97"/>
                 <c:pt idx="85">
-                  <c:v>43.04448824377634</c:v>
+                  <c:v>47.750240948118325</c:v>
                 </c:pt>
                 <c:pt idx="86">
-                  <c:v>41.865974153183664</c:v>
+                  <c:v>46.310587388643306</c:v>
                 </c:pt>
                 <c:pt idx="87">
-                  <c:v>40.75384133235296</c:v>
+                  <c:v>44.93704425518648</c:v>
                 </c:pt>
                 <c:pt idx="88">
-                  <c:v>39.70159018718031</c:v>
+                  <c:v>43.62422969155995</c:v>
                 </c:pt>
                 <c:pt idx="89">
-                  <c:v>38.703649066651465</c:v>
+                  <c:v>42.3674356839988</c:v>
                 </c:pt>
                 <c:pt idx="90">
-                  <c:v>37.755202021041455</c:v>
+                  <c:v>41.16251589283634</c:v>
                 </c:pt>
                 <c:pt idx="91">
-                  <c:v>36.85205533629015</c:v>
+                  <c:v>40.005796382239076</c:v>
                 </c:pt>
                 <c:pt idx="92">
-                  <c:v>35.99053271337116</c:v>
+                  <c:v>38.894003784046106</c:v>
                 </c:pt>
                 <c:pt idx="93">
-                  <c:v>35.16739194347778</c:v>
+                  <c:v>37.82420690850689</c:v>
                 </c:pt>
                 <c:pt idx="94">
-                  <c:v>34.37975794373525</c:v>
+                  <c:v>36.79376884929533</c:v>
                 </c:pt>
                 <c:pt idx="95">
-                  <c:v>33.6250684052171</c:v>
+                  <c:v>35.80030736689603</c:v>
+                </c:pt>
+                <c:pt idx="96">
+                  <c:v>34.841661866914535</c:v>
                 </c:pt>
               </c:numCache>
             </c:numRef>
@@ -7245,10 +7305,10 @@
           </c:marker>
           <c:cat>
             <c:numRef>
-              <c:f>Sheet1!$A$2:$A$61</c:f>
+              <c:f>Sheet1!$A$2:$A$62</c:f>
               <c:numCache>
                 <c:formatCode>yyyy\-mm\-dd</c:formatCode>
-                <c:ptCount val="60"/>
+                <c:ptCount val="61"/>
                 <c:pt idx="0">
                   <c:v>42186.0</c:v>
                 </c:pt>
@@ -7428,16 +7488,19 @@
                 </c:pt>
                 <c:pt idx="59">
                   <c:v>43983.0</c:v>
+                </c:pt>
+                <c:pt idx="60">
+                  <c:v>44013.0</c:v>
                 </c:pt>
               </c:numCache>
             </c:numRef>
           </c:cat>
           <c:val>
             <c:numRef>
-              <c:f>Sheet1!$B$2:$B$61</c:f>
+              <c:f>Sheet1!$B$2:$B$62</c:f>
               <c:numCache>
                 <c:formatCode>General</c:formatCode>
-                <c:ptCount val="60"/>
+                <c:ptCount val="61"/>
                 <c:pt idx="0">
                   <c:v>8.0</c:v>
                 </c:pt>
@@ -7581,6 +7644,9 @@
                 </c:pt>
                 <c:pt idx="47">
                   <c:v>63.0</c:v>
+                </c:pt>
+                <c:pt idx="48">
+                  <c:v>59.0</c:v>
                 </c:pt>
               </c:numCache>
             </c:numRef>
@@ -7606,10 +7672,10 @@
           </c:marker>
           <c:cat>
             <c:numRef>
-              <c:f>Sheet1!$A$2:$A$61</c:f>
+              <c:f>Sheet1!$A$2:$A$62</c:f>
               <c:numCache>
                 <c:formatCode>yyyy\-mm\-dd</c:formatCode>
-                <c:ptCount val="60"/>
+                <c:ptCount val="61"/>
                 <c:pt idx="0">
                   <c:v>42186.0</c:v>
                 </c:pt>
@@ -7789,51 +7855,54 @@
                 </c:pt>
                 <c:pt idx="59">
                   <c:v>43983.0</c:v>
+                </c:pt>
+                <c:pt idx="60">
+                  <c:v>44013.0</c:v>
                 </c:pt>
               </c:numCache>
             </c:numRef>
           </c:cat>
           <c:val>
             <c:numRef>
-              <c:f>Sheet1!$C$2:$C$61</c:f>
+              <c:f>Sheet1!$C$2:$C$62</c:f>
               <c:numCache>
                 <c:formatCode>General</c:formatCode>
-                <c:ptCount val="60"/>
-                <c:pt idx="48">
-                  <c:v>126.85205658502687</c:v>
-                </c:pt>
+                <c:ptCount val="61"/>
                 <c:pt idx="49">
-                  <c:v>126.85205658502687</c:v>
+                  <c:v>92.91527804324949</c:v>
                 </c:pt>
                 <c:pt idx="50">
-                  <c:v>126.85205658502687</c:v>
+                  <c:v>92.91527804324949</c:v>
                 </c:pt>
                 <c:pt idx="51">
-                  <c:v>126.85205658502687</c:v>
+                  <c:v>92.91527804324949</c:v>
                 </c:pt>
                 <c:pt idx="52">
-                  <c:v>126.85205658502687</c:v>
+                  <c:v>92.91527804324949</c:v>
                 </c:pt>
                 <c:pt idx="53">
-                  <c:v>126.85205658502687</c:v>
+                  <c:v>92.91527804324949</c:v>
                 </c:pt>
                 <c:pt idx="54">
-                  <c:v>126.85205658502687</c:v>
+                  <c:v>92.91527804324949</c:v>
                 </c:pt>
                 <c:pt idx="55">
-                  <c:v>126.85205658502687</c:v>
+                  <c:v>92.91527804324949</c:v>
                 </c:pt>
                 <c:pt idx="56">
-                  <c:v>126.85205658502687</c:v>
+                  <c:v>92.91527804324949</c:v>
                 </c:pt>
                 <c:pt idx="57">
-                  <c:v>126.85205658502687</c:v>
+                  <c:v>92.91527804324949</c:v>
                 </c:pt>
                 <c:pt idx="58">
-                  <c:v>126.85205658502687</c:v>
+                  <c:v>92.91527804324949</c:v>
                 </c:pt>
                 <c:pt idx="59">
-                  <c:v>126.85205658502687</c:v>
+                  <c:v>92.91527804324949</c:v>
+                </c:pt>
+                <c:pt idx="60">
+                  <c:v>92.91527804324949</c:v>
                 </c:pt>
               </c:numCache>
             </c:numRef>
@@ -7859,10 +7928,10 @@
           </c:marker>
           <c:cat>
             <c:numRef>
-              <c:f>Sheet1!$A$2:$A$61</c:f>
+              <c:f>Sheet1!$A$2:$A$62</c:f>
               <c:numCache>
                 <c:formatCode>yyyy\-mm\-dd</c:formatCode>
-                <c:ptCount val="60"/>
+                <c:ptCount val="61"/>
                 <c:pt idx="0">
                   <c:v>42186.0</c:v>
                 </c:pt>
@@ -8042,51 +8111,54 @@
                 </c:pt>
                 <c:pt idx="59">
                   <c:v>43983.0</c:v>
+                </c:pt>
+                <c:pt idx="60">
+                  <c:v>44013.0</c:v>
                 </c:pt>
               </c:numCache>
             </c:numRef>
           </c:cat>
           <c:val>
             <c:numRef>
-              <c:f>Sheet1!$D$2:$D$61</c:f>
+              <c:f>Sheet1!$D$2:$D$62</c:f>
               <c:numCache>
                 <c:formatCode>General</c:formatCode>
-                <c:ptCount val="60"/>
-                <c:pt idx="48">
-                  <c:v>298.81059461834246</c:v>
-                </c:pt>
+                <c:ptCount val="61"/>
                 <c:pt idx="49">
-                  <c:v>322.2961474298335</c:v>
+                  <c:v>185.09228679149444</c:v>
                 </c:pt>
                 <c:pt idx="50">
-                  <c:v>345.4813433914634</c:v>
+                  <c:v>190.48778480563368</c:v>
                 </c:pt>
                 <c:pt idx="51">
-                  <c:v>368.450881688157</c:v>
+                  <c:v>195.75109454185025</c:v>
                 </c:pt>
                 <c:pt idx="52">
-                  <c:v>391.26659563874733</c:v>
+                  <c:v>200.8965063890307</c:v>
                 </c:pt>
                 <c:pt idx="53">
-                  <c:v>413.97502377105116</c:v>
+                  <c:v>205.9359162388938</c:v>
                 </c:pt>
                 <c:pt idx="54">
-                  <c:v>436.61206114987374</c:v>
+                  <c:v>210.87935181514518</c:v>
                 </c:pt>
                 <c:pt idx="55">
-                  <c:v>459.2059544107094</c:v>
+                  <c:v>215.73535901843314</c:v>
                 </c:pt>
                 <c:pt idx="56">
-                  <c:v>481.7793057983524</c:v>
+                  <c:v>220.51129126389102</c:v>
                 </c:pt>
                 <c:pt idx="57">
-                  <c:v>504.35045772626347</c:v>
+                  <c:v>225.21353001483862</c:v>
                 </c:pt>
                 <c:pt idx="58">
-                  <c:v>526.9344756266747</c:v>
+                  <c:v>229.8476555097794</c:v>
                 </c:pt>
                 <c:pt idx="59">
-                  <c:v>549.5438620540288</c:v>
+                  <c:v>234.4185807759726</c:v>
+                </c:pt>
+                <c:pt idx="60">
+                  <c:v>238.9306581398974</c:v>
                 </c:pt>
               </c:numCache>
             </c:numRef>
@@ -8112,10 +8184,10 @@
           </c:marker>
           <c:cat>
             <c:numRef>
-              <c:f>Sheet1!$A$2:$A$61</c:f>
+              <c:f>Sheet1!$A$2:$A$62</c:f>
               <c:numCache>
                 <c:formatCode>yyyy\-mm\-dd</c:formatCode>
-                <c:ptCount val="60"/>
+                <c:ptCount val="61"/>
                 <c:pt idx="0">
                   <c:v>42186.0</c:v>
                 </c:pt>
@@ -8295,51 +8367,54 @@
                 </c:pt>
                 <c:pt idx="59">
                   <c:v>43983.0</c:v>
+                </c:pt>
+                <c:pt idx="60">
+                  <c:v>44013.0</c:v>
                 </c:pt>
               </c:numCache>
             </c:numRef>
           </c:cat>
           <c:val>
             <c:numRef>
-              <c:f>Sheet1!$E$2:$E$61</c:f>
+              <c:f>Sheet1!$E$2:$E$62</c:f>
               <c:numCache>
                 <c:formatCode>General</c:formatCode>
-                <c:ptCount val="60"/>
-                <c:pt idx="48">
-                  <c:v>12.88751388437293</c:v>
-                </c:pt>
+                <c:ptCount val="61"/>
                 <c:pt idx="49">
-                  <c:v>10.708360620549566</c:v>
+                  <c:v>18.95873130480826</c:v>
                 </c:pt>
                 <c:pt idx="50">
-                  <c:v>8.922697622631642</c:v>
+                  <c:v>17.356668985331297</c:v>
                 </c:pt>
                 <c:pt idx="51">
-                  <c:v>7.445944532971234</c:v>
+                  <c:v>15.885596001440256</c:v>
                 </c:pt>
                 <c:pt idx="52">
-                  <c:v>6.2163888285744955</c:v>
+                  <c:v>14.53120324711509</c:v>
                 </c:pt>
                 <c:pt idx="53">
-                  <c:v>5.187614824981114</c:v>
+                  <c:v>13.281575354917525</c:v>
                 </c:pt>
                 <c:pt idx="54">
-                  <c:v>4.323852432637526</c:v>
+                  <c:v>12.126664313853858</c:v>
                 </c:pt>
                 <c:pt idx="55">
-                  <c:v>3.5969822135518648</c:v>
+                  <c:v>11.057903066013186</c:v>
                 </c:pt>
                 <c:pt idx="56">
-                  <c:v>2.9845314396382308</c:v>
+                  <c:v>10.067916104448368</c:v>
                 </c:pt>
                 <c:pt idx="57">
-                  <c:v>2.4682896376234464</c:v>
+                  <c:v>9.150298867848722</c:v>
                 </c:pt>
                 <c:pt idx="58">
-                  <c:v>2.033325851344847</c:v>
+                  <c:v>8.29944693382962</c:v>
                 </c:pt>
                 <c:pt idx="59">
-                  <c:v>1.6672746597964379</c:v>
+                  <c:v>7.510421916322981</c:v>
+                </c:pt>
+                <c:pt idx="60">
+                  <c:v>6.77884485527599</c:v>
                 </c:pt>
               </c:numCache>
             </c:numRef>
@@ -8464,10 +8539,10 @@
           </c:marker>
           <c:cat>
             <c:numRef>
-              <c:f>Sheet1!$A$2:$A$66</c:f>
+              <c:f>Sheet1!$A$2:$A$67</c:f>
               <c:numCache>
                 <c:formatCode>yyyy\-mm\-dd</c:formatCode>
-                <c:ptCount val="65"/>
+                <c:ptCount val="66"/>
                 <c:pt idx="0">
                   <c:v>42036.0</c:v>
                 </c:pt>
@@ -8662,16 +8737,19 @@
                 </c:pt>
                 <c:pt idx="64">
                   <c:v>43983.0</c:v>
+                </c:pt>
+                <c:pt idx="65">
+                  <c:v>44013.0</c:v>
                 </c:pt>
               </c:numCache>
             </c:numRef>
           </c:cat>
           <c:val>
             <c:numRef>
-              <c:f>Sheet1!$B$2:$B$66</c:f>
+              <c:f>Sheet1!$B$2:$B$67</c:f>
               <c:numCache>
                 <c:formatCode>General</c:formatCode>
-                <c:ptCount val="65"/>
+                <c:ptCount val="66"/>
                 <c:pt idx="0">
                   <c:v>36.0</c:v>
                 </c:pt>
@@ -8830,6 +8908,9 @@
                 </c:pt>
                 <c:pt idx="52">
                   <c:v>68.0</c:v>
+                </c:pt>
+                <c:pt idx="53">
+                  <c:v>140.0</c:v>
                 </c:pt>
               </c:numCache>
             </c:numRef>
@@ -8855,10 +8936,10 @@
           </c:marker>
           <c:cat>
             <c:numRef>
-              <c:f>Sheet1!$A$2:$A$66</c:f>
+              <c:f>Sheet1!$A$2:$A$67</c:f>
               <c:numCache>
                 <c:formatCode>yyyy\-mm\-dd</c:formatCode>
-                <c:ptCount val="65"/>
+                <c:ptCount val="66"/>
                 <c:pt idx="0">
                   <c:v>42036.0</c:v>
                 </c:pt>
@@ -9053,51 +9134,54 @@
                 </c:pt>
                 <c:pt idx="64">
                   <c:v>43983.0</c:v>
+                </c:pt>
+                <c:pt idx="65">
+                  <c:v>44013.0</c:v>
                 </c:pt>
               </c:numCache>
             </c:numRef>
           </c:cat>
           <c:val>
             <c:numRef>
-              <c:f>Sheet1!$C$2:$C$66</c:f>
+              <c:f>Sheet1!$C$2:$C$67</c:f>
               <c:numCache>
                 <c:formatCode>General</c:formatCode>
-                <c:ptCount val="65"/>
-                <c:pt idx="53">
-                  <c:v>87.3539465700665</c:v>
-                </c:pt>
+                <c:ptCount val="66"/>
                 <c:pt idx="54">
-                  <c:v>87.46013042434865</c:v>
+                  <c:v>113.85542198736825</c:v>
                 </c:pt>
                 <c:pt idx="55">
-                  <c:v>87.50164436848908</c:v>
+                  <c:v>98.75695204598188</c:v>
                 </c:pt>
                 <c:pt idx="56">
-                  <c:v>87.51786865631193</c:v>
+                  <c:v>92.59918881813994</c:v>
                 </c:pt>
                 <c:pt idx="57">
-                  <c:v>87.52420842300414</c:v>
+                  <c:v>89.99908884194912</c:v>
                 </c:pt>
                 <c:pt idx="58">
-                  <c:v>87.52668559351154</c:v>
+                  <c:v>88.8836090906367</c:v>
                 </c:pt>
                 <c:pt idx="59">
-                  <c:v>87.52765348964414</c:v>
+                  <c:v>88.40165683878129</c:v>
                 </c:pt>
                 <c:pt idx="60">
-                  <c:v>87.52803166897635</c:v>
+                  <c:v>88.19277814872117</c:v>
                 </c:pt>
                 <c:pt idx="61">
-                  <c:v>87.52817943185227</c:v>
+                  <c:v>88.1021271850267</c:v>
                 </c:pt>
                 <c:pt idx="62">
-                  <c:v>87.52823716593852</c:v>
+                  <c:v>88.0627625037864</c:v>
                 </c:pt>
                 <c:pt idx="63">
-                  <c:v>87.52825972385736</c:v>
+                  <c:v>88.04566422577388</c:v>
                 </c:pt>
                 <c:pt idx="64">
-                  <c:v>87.5282685377078</c:v>
+                  <c:v>88.03823666198865</c:v>
+                </c:pt>
+                <c:pt idx="65">
+                  <c:v>88.03500994089849</c:v>
                 </c:pt>
               </c:numCache>
             </c:numRef>
@@ -9123,10 +9207,10 @@
           </c:marker>
           <c:cat>
             <c:numRef>
-              <c:f>Sheet1!$A$2:$A$66</c:f>
+              <c:f>Sheet1!$A$2:$A$67</c:f>
               <c:numCache>
                 <c:formatCode>yyyy\-mm\-dd</c:formatCode>
-                <c:ptCount val="65"/>
+                <c:ptCount val="66"/>
                 <c:pt idx="0">
                   <c:v>42036.0</c:v>
                 </c:pt>
@@ -9321,51 +9405,54 @@
                 </c:pt>
                 <c:pt idx="64">
                   <c:v>43983.0</c:v>
+                </c:pt>
+                <c:pt idx="65">
+                  <c:v>44013.0</c:v>
                 </c:pt>
               </c:numCache>
             </c:numRef>
           </c:cat>
           <c:val>
             <c:numRef>
-              <c:f>Sheet1!$D$2:$D$66</c:f>
+              <c:f>Sheet1!$D$2:$D$67</c:f>
               <c:numCache>
                 <c:formatCode>General</c:formatCode>
-                <c:ptCount val="65"/>
-                <c:pt idx="53">
-                  <c:v>184.44847318905735</c:v>
-                </c:pt>
+                <c:ptCount val="66"/>
                 <c:pt idx="54">
-                  <c:v>196.55607983299922</c:v>
+                  <c:v>213.33311694821856</c:v>
                 </c:pt>
                 <c:pt idx="55">
-                  <c:v>198.42646943152576</c:v>
+                  <c:v>202.28622032926634</c:v>
                 </c:pt>
                 <c:pt idx="56">
-                  <c:v>198.7302323246228</c:v>
+                  <c:v>194.60191198105272</c:v>
                 </c:pt>
                 <c:pt idx="57">
-                  <c:v>198.78391109892925</c:v>
+                  <c:v>190.801371693584</c:v>
                 </c:pt>
                 <c:pt idx="58">
-                  <c:v>198.79496349347616</c:v>
+                  <c:v>189.06813866291995</c:v>
                 </c:pt>
                 <c:pt idx="59">
-                  <c:v>198.79776733908005</c:v>
+                  <c:v>188.30002600171036</c:v>
                 </c:pt>
                 <c:pt idx="60">
-                  <c:v>198.79863164056746</c:v>
+                  <c:v>187.9635008162209</c:v>
                 </c:pt>
                 <c:pt idx="61">
-                  <c:v>198.79893404228713</c:v>
+                  <c:v>187.81676946822512</c:v>
                 </c:pt>
                 <c:pt idx="62">
-                  <c:v>198.7990468080978</c:v>
+                  <c:v>187.7529232918855</c:v>
                 </c:pt>
                 <c:pt idx="63">
-                  <c:v>198.79909004537367</c:v>
+                  <c:v>187.72516701121614</c:v>
                 </c:pt>
                 <c:pt idx="64">
-                  <c:v>198.79910681348665</c:v>
+                  <c:v>187.71310497600766</c:v>
+                </c:pt>
+                <c:pt idx="65">
+                  <c:v>187.70786405727583</c:v>
                 </c:pt>
               </c:numCache>
             </c:numRef>
@@ -9391,10 +9478,10 @@
           </c:marker>
           <c:cat>
             <c:numRef>
-              <c:f>Sheet1!$A$2:$A$66</c:f>
+              <c:f>Sheet1!$A$2:$A$67</c:f>
               <c:numCache>
                 <c:formatCode>yyyy\-mm\-dd</c:formatCode>
-                <c:ptCount val="65"/>
+                <c:ptCount val="66"/>
                 <c:pt idx="0">
                   <c:v>42036.0</c:v>
                 </c:pt>
@@ -9589,51 +9676,54 @@
                 </c:pt>
                 <c:pt idx="64">
                   <c:v>43983.0</c:v>
+                </c:pt>
+                <c:pt idx="65">
+                  <c:v>44013.0</c:v>
                 </c:pt>
               </c:numCache>
             </c:numRef>
           </c:cat>
           <c:val>
             <c:numRef>
-              <c:f>Sheet1!$E$2:$E$66</c:f>
+              <c:f>Sheet1!$E$2:$E$67</c:f>
               <c:numCache>
                 <c:formatCode>General</c:formatCode>
-                <c:ptCount val="65"/>
-                <c:pt idx="53">
-                  <c:v>16.288875999167427</c:v>
-                </c:pt>
+                <c:ptCount val="66"/>
                 <c:pt idx="54">
-                  <c:v>14.264862092104519</c:v>
+                  <c:v>32.04167678281148</c:v>
                 </c:pt>
                 <c:pt idx="55">
-                  <c:v>13.991239885592707</c:v>
+                  <c:v>20.753392236327542</c:v>
                 </c:pt>
                 <c:pt idx="56">
-                  <c:v>13.952988860903966</c:v>
+                  <c:v>17.45500157372313</c:v>
                 </c:pt>
                 <c:pt idx="57">
-                  <c:v>13.948313478814903</c:v>
+                  <c:v>16.251500327855233</c:v>
                 </c:pt>
                 <c:pt idx="58">
-                  <c:v>13.948050064529589</c:v>
+                  <c:v>15.767599681257671</c:v>
                 </c:pt>
                 <c:pt idx="59">
-                  <c:v>13.948185725576776</c:v>
+                  <c:v>15.564412185544812</c:v>
                 </c:pt>
                 <c:pt idx="60">
-                  <c:v>13.94827515315884</c:v>
+                  <c:v>15.477443494333995</c:v>
                 </c:pt>
                 <c:pt idx="61">
-                  <c:v>13.948315654720247</c:v>
+                  <c:v>15.43990494947176</c:v>
                 </c:pt>
                 <c:pt idx="62">
-                  <c:v>13.94833232838769</c:v>
+                  <c:v>15.423642595781343</c:v>
                 </c:pt>
                 <c:pt idx="63">
-                  <c:v>13.948338972727395</c:v>
+                  <c:v>15.416586214950744</c:v>
                 </c:pt>
                 <c:pt idx="64">
-                  <c:v>13.948341588593093</c:v>
+                  <c:v>15.413522264277118</c:v>
+                </c:pt>
+                <c:pt idx="65">
+                  <c:v>15.412191465467938</c:v>
                 </c:pt>
               </c:numCache>
             </c:numRef>
@@ -9758,10 +9848,10 @@
           </c:marker>
           <c:cat>
             <c:numRef>
-              <c:f>Sheet1!$A$2:$A$97</c:f>
+              <c:f>Sheet1!$A$2:$A$98</c:f>
               <c:numCache>
                 <c:formatCode>yyyy\-mm\-dd</c:formatCode>
-                <c:ptCount val="96"/>
+                <c:ptCount val="97"/>
                 <c:pt idx="0">
                   <c:v>41091.0</c:v>
                 </c:pt>
@@ -10049,16 +10139,19 @@
                 </c:pt>
                 <c:pt idx="95">
                   <c:v>43983.0</c:v>
+                </c:pt>
+                <c:pt idx="96">
+                  <c:v>44013.0</c:v>
                 </c:pt>
               </c:numCache>
             </c:numRef>
           </c:cat>
           <c:val>
             <c:numRef>
-              <c:f>Sheet1!$B$2:$B$97</c:f>
+              <c:f>Sheet1!$B$2:$B$98</c:f>
               <c:numCache>
                 <c:formatCode>General</c:formatCode>
-                <c:ptCount val="96"/>
+                <c:ptCount val="97"/>
                 <c:pt idx="0">
                   <c:v>57.0</c:v>
                 </c:pt>
@@ -10310,6 +10403,9 @@
                 </c:pt>
                 <c:pt idx="83">
                   <c:v>220.0</c:v>
+                </c:pt>
+                <c:pt idx="84">
+                  <c:v>20.0</c:v>
                 </c:pt>
               </c:numCache>
             </c:numRef>
@@ -10335,10 +10431,10 @@
           </c:marker>
           <c:cat>
             <c:numRef>
-              <c:f>Sheet1!$A$2:$A$97</c:f>
+              <c:f>Sheet1!$A$2:$A$98</c:f>
               <c:numCache>
                 <c:formatCode>yyyy\-mm\-dd</c:formatCode>
-                <c:ptCount val="96"/>
+                <c:ptCount val="97"/>
                 <c:pt idx="0">
                   <c:v>41091.0</c:v>
                 </c:pt>
@@ -10626,51 +10722,54 @@
                 </c:pt>
                 <c:pt idx="95">
                   <c:v>43983.0</c:v>
+                </c:pt>
+                <c:pt idx="96">
+                  <c:v>44013.0</c:v>
                 </c:pt>
               </c:numCache>
             </c:numRef>
           </c:cat>
           <c:val>
             <c:numRef>
-              <c:f>Sheet1!$C$2:$C$97</c:f>
+              <c:f>Sheet1!$C$2:$C$98</c:f>
               <c:numCache>
                 <c:formatCode>General</c:formatCode>
-                <c:ptCount val="96"/>
-                <c:pt idx="84">
-                  <c:v>153.1956483096971</c:v>
-                </c:pt>
+                <c:ptCount val="97"/>
                 <c:pt idx="85">
-                  <c:v>129.013793443667</c:v>
+                  <c:v>64.89549278021167</c:v>
                 </c:pt>
                 <c:pt idx="86">
-                  <c:v>120.09016871238475</c:v>
+                  <c:v>95.5517120830011</c:v>
                 </c:pt>
                 <c:pt idx="87">
-                  <c:v>116.60461866174005</c:v>
+                  <c:v>107.64230229625858</c:v>
                 </c:pt>
                 <c:pt idx="88">
-                  <c:v>115.21062279853524</c:v>
+                  <c:v>111.50713088038395</c:v>
                 </c:pt>
                 <c:pt idx="89">
-                  <c:v>114.64768413018977</c:v>
+                  <c:v>112.66354880247896</c:v>
                 </c:pt>
                 <c:pt idx="90">
-                  <c:v>114.41945118181688</c:v>
+                  <c:v>113.00282020938951</c:v>
                 </c:pt>
                 <c:pt idx="91">
-                  <c:v>114.32676927809993</c:v>
+                  <c:v>113.10178335275964</c:v>
                 </c:pt>
                 <c:pt idx="92">
-                  <c:v>114.289107915099</c:v>
+                  <c:v>113.13060168799095</c:v>
                 </c:pt>
                 <c:pt idx="93">
-                  <c:v>114.27380011430897</c:v>
+                  <c:v>113.13898955433223</c:v>
                 </c:pt>
                 <c:pt idx="94">
-                  <c:v>114.26757744670401</c:v>
+                  <c:v>113.14143057906284</c:v>
                 </c:pt>
                 <c:pt idx="95">
-                  <c:v>114.26504780201297</c:v>
+                  <c:v>113.14214093306782</c:v>
+                </c:pt>
+                <c:pt idx="96">
+                  <c:v>113.14234764818697</c:v>
                 </c:pt>
               </c:numCache>
             </c:numRef>
@@ -10696,10 +10795,10 @@
           </c:marker>
           <c:cat>
             <c:numRef>
-              <c:f>Sheet1!$A$2:$A$97</c:f>
+              <c:f>Sheet1!$A$2:$A$98</c:f>
               <c:numCache>
                 <c:formatCode>yyyy\-mm\-dd</c:formatCode>
-                <c:ptCount val="96"/>
+                <c:ptCount val="97"/>
                 <c:pt idx="0">
                   <c:v>41091.0</c:v>
                 </c:pt>
@@ -10987,51 +11086,54 @@
                 </c:pt>
                 <c:pt idx="95">
                   <c:v>43983.0</c:v>
+                </c:pt>
+                <c:pt idx="96">
+                  <c:v>44013.0</c:v>
                 </c:pt>
               </c:numCache>
             </c:numRef>
           </c:cat>
           <c:val>
             <c:numRef>
-              <c:f>Sheet1!$D$2:$D$97</c:f>
+              <c:f>Sheet1!$D$2:$D$98</c:f>
               <c:numCache>
                 <c:formatCode>General</c:formatCode>
-                <c:ptCount val="96"/>
-                <c:pt idx="84">
-                  <c:v>221.26571641877865</c:v>
-                </c:pt>
+                <c:ptCount val="97"/>
                 <c:pt idx="85">
-                  <c:v>194.73078492326346</c:v>
+                  <c:v>100.76896931298508</c:v>
                 </c:pt>
                 <c:pt idx="86">
-                  <c:v>183.20365046162422</c:v>
+                  <c:v>157.2440121880736</c:v>
                 </c:pt>
                 <c:pt idx="87">
-                  <c:v>178.44960923215186</c:v>
+                  <c:v>179.52315010296135</c:v>
                 </c:pt>
                 <c:pt idx="88">
-                  <c:v>176.50853534431656</c:v>
+                  <c:v>186.63144776844706</c:v>
                 </c:pt>
                 <c:pt idx="89">
-                  <c:v>175.71820814085714</c:v>
+                  <c:v>188.75674798475777</c:v>
                 </c:pt>
                 <c:pt idx="90">
-                  <c:v>175.39672398239645</c:v>
+                  <c:v>189.3801214032671</c:v>
                 </c:pt>
                 <c:pt idx="91">
-                  <c:v>175.2659993453448</c:v>
+                  <c:v>189.56194212329117</c:v>
                 </c:pt>
                 <c:pt idx="92">
-                  <c:v>175.21285042306485</c:v>
+                  <c:v>189.61488769721194</c:v>
                 </c:pt>
                 <c:pt idx="93">
-                  <c:v>175.19124279562743</c:v>
+                  <c:v>189.63029794469506</c:v>
                 </c:pt>
                 <c:pt idx="94">
-                  <c:v>175.18245844138295</c:v>
+                  <c:v>189.6347826046323</c:v>
                 </c:pt>
                 <c:pt idx="95">
-                  <c:v>175.17888728721613</c:v>
+                  <c:v>189.6360876690401</c:v>
+                </c:pt>
+                <c:pt idx="96">
+                  <c:v>189.63646744659036</c:v>
                 </c:pt>
               </c:numCache>
             </c:numRef>
@@ -11057,10 +11159,10 @@
           </c:marker>
           <c:cat>
             <c:numRef>
-              <c:f>Sheet1!$A$2:$A$97</c:f>
+              <c:f>Sheet1!$A$2:$A$98</c:f>
               <c:numCache>
                 <c:formatCode>yyyy\-mm\-dd</c:formatCode>
-                <c:ptCount val="96"/>
+                <c:ptCount val="97"/>
                 <c:pt idx="0">
                   <c:v>41091.0</c:v>
                 </c:pt>
@@ -11348,51 +11450,54 @@
                 </c:pt>
                 <c:pt idx="95">
                   <c:v>43983.0</c:v>
+                </c:pt>
+                <c:pt idx="96">
+                  <c:v>44013.0</c:v>
                 </c:pt>
               </c:numCache>
             </c:numRef>
           </c:cat>
           <c:val>
             <c:numRef>
-              <c:f>Sheet1!$E$2:$E$97</c:f>
+              <c:f>Sheet1!$E$2:$E$98</c:f>
               <c:numCache>
                 <c:formatCode>General</c:formatCode>
-                <c:ptCount val="96"/>
-                <c:pt idx="84">
-                  <c:v>93.61858550116061</c:v>
-                </c:pt>
+                <c:ptCount val="97"/>
                 <c:pt idx="85">
-                  <c:v>74.18029314505927</c:v>
+                  <c:v>37.07772871369983</c:v>
                 </c:pt>
                 <c:pt idx="86">
-                  <c:v>67.92710800757513</c:v>
+                  <c:v>50.79787754694396</c:v>
                 </c:pt>
                 <c:pt idx="87">
-                  <c:v>65.60850659973875</c:v>
+                  <c:v>56.14278045679205</c:v>
                 </c:pt>
                 <c:pt idx="88">
-                  <c:v>64.70036288550286</c:v>
+                  <c:v>57.84539678701569</c:v>
                 </c:pt>
                 <c:pt idx="89">
-                  <c:v>64.33671387545472</c:v>
+                  <c:v>58.35435122433912</c:v>
                 </c:pt>
                 <c:pt idx="90">
-                  <c:v>64.18978459530591</c:v>
+                  <c:v>58.5036272466462</c:v>
                 </c:pt>
                 <c:pt idx="91">
-                  <c:v>64.13020207482512</c:v>
+                  <c:v>58.547166514830295</c:v>
                 </c:pt>
                 <c:pt idx="92">
-                  <c:v>64.10600440242594</c:v>
+                  <c:v>58.55984496933284</c:v>
                 </c:pt>
                 <c:pt idx="93">
-                  <c:v>64.09617130800328</c:v>
+                  <c:v>58.563535135791504</c:v>
                 </c:pt>
                 <c:pt idx="94">
-                  <c:v>64.09217449990712</c:v>
+                  <c:v>58.56460904055873</c:v>
                 </c:pt>
                 <c:pt idx="95">
-                  <c:v>64.09054977564008</c:v>
+                  <c:v>58.564921553619634</c:v>
+                </c:pt>
+                <c:pt idx="96">
+                  <c:v>58.56501249583053</c:v>
                 </c:pt>
               </c:numCache>
             </c:numRef>
@@ -11517,10 +11622,10 @@
           </c:marker>
           <c:cat>
             <c:numRef>
-              <c:f>Sheet1!$A$2:$A$97</c:f>
+              <c:f>Sheet1!$A$2:$A$98</c:f>
               <c:numCache>
                 <c:formatCode>yyyy\-mm\-dd</c:formatCode>
-                <c:ptCount val="96"/>
+                <c:ptCount val="97"/>
                 <c:pt idx="0">
                   <c:v>41091.0</c:v>
                 </c:pt>
@@ -11808,16 +11913,19 @@
                 </c:pt>
                 <c:pt idx="95">
                   <c:v>43983.0</c:v>
+                </c:pt>
+                <c:pt idx="96">
+                  <c:v>44013.0</c:v>
                 </c:pt>
               </c:numCache>
             </c:numRef>
           </c:cat>
           <c:val>
             <c:numRef>
-              <c:f>Sheet1!$B$2:$B$97</c:f>
+              <c:f>Sheet1!$B$2:$B$98</c:f>
               <c:numCache>
                 <c:formatCode>General</c:formatCode>
-                <c:ptCount val="96"/>
+                <c:ptCount val="97"/>
                 <c:pt idx="0">
                   <c:v>71.0</c:v>
                 </c:pt>
@@ -12069,6 +12177,9 @@
                 </c:pt>
                 <c:pt idx="83">
                   <c:v>123.0</c:v>
+                </c:pt>
+                <c:pt idx="84">
+                  <c:v>137.0</c:v>
                 </c:pt>
               </c:numCache>
             </c:numRef>
@@ -12094,10 +12205,10 @@
           </c:marker>
           <c:cat>
             <c:numRef>
-              <c:f>Sheet1!$A$2:$A$97</c:f>
+              <c:f>Sheet1!$A$2:$A$98</c:f>
               <c:numCache>
                 <c:formatCode>yyyy\-mm\-dd</c:formatCode>
-                <c:ptCount val="96"/>
+                <c:ptCount val="97"/>
                 <c:pt idx="0">
                   <c:v>41091.0</c:v>
                 </c:pt>
@@ -12385,51 +12496,54 @@
                 </c:pt>
                 <c:pt idx="95">
                   <c:v>43983.0</c:v>
+                </c:pt>
+                <c:pt idx="96">
+                  <c:v>44013.0</c:v>
                 </c:pt>
               </c:numCache>
             </c:numRef>
           </c:cat>
           <c:val>
             <c:numRef>
-              <c:f>Sheet1!$C$2:$C$97</c:f>
+              <c:f>Sheet1!$C$2:$C$98</c:f>
               <c:numCache>
                 <c:formatCode>General</c:formatCode>
-                <c:ptCount val="96"/>
-                <c:pt idx="84">
-                  <c:v>135.1241272556137</c:v>
-                </c:pt>
+                <c:ptCount val="97"/>
                 <c:pt idx="85">
-                  <c:v>135.1241272556137</c:v>
+                  <c:v>135.74955148037523</c:v>
                 </c:pt>
                 <c:pt idx="86">
-                  <c:v>135.1241272556137</c:v>
+                  <c:v>135.74955148037523</c:v>
                 </c:pt>
                 <c:pt idx="87">
-                  <c:v>135.1241272556137</c:v>
+                  <c:v>135.74955148037523</c:v>
                 </c:pt>
                 <c:pt idx="88">
-                  <c:v>135.1241272556137</c:v>
+                  <c:v>135.74955148037523</c:v>
                 </c:pt>
                 <c:pt idx="89">
-                  <c:v>135.1241272556137</c:v>
+                  <c:v>135.74955148037523</c:v>
                 </c:pt>
                 <c:pt idx="90">
-                  <c:v>135.1241272556137</c:v>
+                  <c:v>135.74955148037523</c:v>
                 </c:pt>
                 <c:pt idx="91">
-                  <c:v>135.1241272556137</c:v>
+                  <c:v>135.74955148037523</c:v>
                 </c:pt>
                 <c:pt idx="92">
-                  <c:v>135.1241272556137</c:v>
+                  <c:v>135.74955148037523</c:v>
                 </c:pt>
                 <c:pt idx="93">
-                  <c:v>135.1241272556137</c:v>
+                  <c:v>135.74955148037523</c:v>
                 </c:pt>
                 <c:pt idx="94">
-                  <c:v>135.1241272556137</c:v>
+                  <c:v>135.74955148037523</c:v>
                 </c:pt>
                 <c:pt idx="95">
-                  <c:v>135.1241272556137</c:v>
+                  <c:v>135.74955148037523</c:v>
+                </c:pt>
+                <c:pt idx="96">
+                  <c:v>135.74955148037523</c:v>
                 </c:pt>
               </c:numCache>
             </c:numRef>
@@ -12455,10 +12569,10 @@
           </c:marker>
           <c:cat>
             <c:numRef>
-              <c:f>Sheet1!$A$2:$A$97</c:f>
+              <c:f>Sheet1!$A$2:$A$98</c:f>
               <c:numCache>
                 <c:formatCode>yyyy\-mm\-dd</c:formatCode>
-                <c:ptCount val="96"/>
+                <c:ptCount val="97"/>
                 <c:pt idx="0">
                   <c:v>41091.0</c:v>
                 </c:pt>
@@ -12746,51 +12860,54 @@
                 </c:pt>
                 <c:pt idx="95">
                   <c:v>43983.0</c:v>
+                </c:pt>
+                <c:pt idx="96">
+                  <c:v>44013.0</c:v>
                 </c:pt>
               </c:numCache>
             </c:numRef>
           </c:cat>
           <c:val>
             <c:numRef>
-              <c:f>Sheet1!$D$2:$D$97</c:f>
+              <c:f>Sheet1!$D$2:$D$98</c:f>
               <c:numCache>
                 <c:formatCode>General</c:formatCode>
-                <c:ptCount val="96"/>
-                <c:pt idx="84">
-                  <c:v>188.3163518065999</c:v>
-                </c:pt>
+                <c:ptCount val="97"/>
                 <c:pt idx="85">
-                  <c:v>189.51759530067844</c:v>
+                  <c:v>187.08385759335027</c:v>
                 </c:pt>
                 <c:pt idx="86">
-                  <c:v>190.7050235937669</c:v>
+                  <c:v>188.15432716950417</c:v>
                 </c:pt>
                 <c:pt idx="87">
-                  <c:v>191.87934977930965</c:v>
+                  <c:v>189.2088945034667</c:v>
                 </c:pt>
                 <c:pt idx="88">
-                  <c:v>193.0412297668242</c:v>
+                  <c:v>190.24837074382606</c:v>
                 </c:pt>
                 <c:pt idx="89">
-                  <c:v>194.19126848134388</c:v>
+                  <c:v>191.27350032844134</c:v>
                 </c:pt>
                 <c:pt idx="90">
-                  <c:v>195.33002522559508</c:v>
+                  <c:v>192.28496842197134</c:v>
                 </c:pt>
                 <c:pt idx="91">
-                  <c:v>196.45801833902948</c:v>
+                  <c:v>193.2834073200633</c:v>
                 </c:pt>
                 <c:pt idx="92">
-                  <c:v>197.57572926316803</c:v>
+                  <c:v>194.2694019904371</c:v>
                 </c:pt>
                 <c:pt idx="93">
-                  <c:v>198.6836061031244</c:v>
+                  <c:v>195.24349488891875</c:v>
                 </c:pt>
                 <c:pt idx="94">
-                  <c:v>199.7820667595465</c:v>
+                  <c:v>196.20619016311318</c:v>
                 </c:pt>
                 <c:pt idx="95">
-                  <c:v>200.8715016926165</c:v>
+                  <c:v>197.1579573362755</c:v>
+                </c:pt>
+                <c:pt idx="96">
+                  <c:v>198.099234547846</c:v>
                 </c:pt>
               </c:numCache>
             </c:numRef>
@@ -12816,10 +12933,10 @@
           </c:marker>
           <c:cat>
             <c:numRef>
-              <c:f>Sheet1!$A$2:$A$97</c:f>
+              <c:f>Sheet1!$A$2:$A$98</c:f>
               <c:numCache>
                 <c:formatCode>yyyy\-mm\-dd</c:formatCode>
-                <c:ptCount val="96"/>
+                <c:ptCount val="97"/>
                 <c:pt idx="0">
                   <c:v>41091.0</c:v>
                 </c:pt>
@@ -13107,51 +13224,54 @@
                 </c:pt>
                 <c:pt idx="95">
                   <c:v>43983.0</c:v>
+                </c:pt>
+                <c:pt idx="96">
+                  <c:v>44013.0</c:v>
                 </c:pt>
               </c:numCache>
             </c:numRef>
           </c:cat>
           <c:val>
             <c:numRef>
-              <c:f>Sheet1!$E$2:$E$97</c:f>
+              <c:f>Sheet1!$E$2:$E$98</c:f>
               <c:numCache>
                 <c:formatCode>General</c:formatCode>
-                <c:ptCount val="96"/>
-                <c:pt idx="84">
-                  <c:v>88.64352428678983</c:v>
-                </c:pt>
+                <c:ptCount val="97"/>
                 <c:pt idx="85">
-                  <c:v>88.03161549911607</c:v>
+                  <c:v>88.08456553186781</c:v>
                 </c:pt>
                 <c:pt idx="86">
-                  <c:v>87.43377349580642</c:v>
+                  <c:v>87.34955570469789</c:v>
                 </c:pt>
                 <c:pt idx="87">
-                  <c:v>86.84928521375188</c:v>
+                  <c:v>86.63044977619707</c:v>
                 </c:pt>
                 <c:pt idx="88">
-                  <c:v>86.27749477377156</c:v>
+                  <c:v>85.9264365991386</c:v>
                 </c:pt>
                 <c:pt idx="89">
-                  <c:v>85.71779728116951</c:v>
+                  <c:v>85.23677173702751</c:v>
                 </c:pt>
                 <c:pt idx="90">
-                  <c:v>85.16963346355753</c:v>
+                  <c:v>84.5607700265717</c:v>
                 </c:pt>
                 <c:pt idx="91">
-                  <c:v>84.63248501182233</c:v>
+                  <c:v>83.89779917349348</c:v>
                 </c:pt>
                 <c:pt idx="92">
-                  <c:v>84.10587051478312</c:v>
+                  <c:v>83.24727421144492</c:v>
                 </c:pt>
                 <c:pt idx="93">
-                  <c:v>83.58934189766636</c:v>
+                  <c:v>82.6086526859749</c:v>
                 </c:pt>
                 <c:pt idx="94">
-                  <c:v>83.08248129016474</c:v>
+                  <c:v>81.98143045085594</c:v>
                 </c:pt>
                 <c:pt idx="95">
-                  <c:v>82.58489826243841</c:v>
+                  <c:v>81.36513798421312</c:v>
+                </c:pt>
+                <c:pt idx="96">
+                  <c:v>80.75933714798911</c:v>
                 </c:pt>
               </c:numCache>
             </c:numRef>
@@ -13276,10 +13396,10 @@
           </c:marker>
           <c:cat>
             <c:numRef>
-              <c:f>Sheet1!$A$2:$A$20</c:f>
+              <c:f>Sheet1!$A$2:$A$21</c:f>
               <c:numCache>
                 <c:formatCode>yyyy\-mm\-dd</c:formatCode>
-                <c:ptCount val="19"/>
+                <c:ptCount val="20"/>
                 <c:pt idx="0">
                   <c:v>43435.0</c:v>
                 </c:pt>
@@ -13336,16 +13456,19 @@
                 </c:pt>
                 <c:pt idx="18">
                   <c:v>43983.0</c:v>
+                </c:pt>
+                <c:pt idx="19">
+                  <c:v>44013.0</c:v>
                 </c:pt>
               </c:numCache>
             </c:numRef>
           </c:cat>
           <c:val>
             <c:numRef>
-              <c:f>Sheet1!$B$2:$B$20</c:f>
+              <c:f>Sheet1!$B$2:$B$21</c:f>
               <c:numCache>
                 <c:formatCode>General</c:formatCode>
-                <c:ptCount val="19"/>
+                <c:ptCount val="20"/>
                 <c:pt idx="0">
                   <c:v>1.0</c:v>
                 </c:pt>
@@ -13366,6 +13489,9 @@
                 </c:pt>
                 <c:pt idx="6">
                   <c:v>93.0</c:v>
+                </c:pt>
+                <c:pt idx="7">
+                  <c:v>1.0</c:v>
                 </c:pt>
               </c:numCache>
             </c:numRef>
@@ -13391,10 +13517,10 @@
           </c:marker>
           <c:cat>
             <c:numRef>
-              <c:f>Sheet1!$A$2:$A$20</c:f>
+              <c:f>Sheet1!$A$2:$A$21</c:f>
               <c:numCache>
                 <c:formatCode>yyyy\-mm\-dd</c:formatCode>
-                <c:ptCount val="19"/>
+                <c:ptCount val="20"/>
                 <c:pt idx="0">
                   <c:v>43435.0</c:v>
                 </c:pt>
@@ -13451,51 +13577,54 @@
                 </c:pt>
                 <c:pt idx="18">
                   <c:v>43983.0</c:v>
+                </c:pt>
+                <c:pt idx="19">
+                  <c:v>44013.0</c:v>
                 </c:pt>
               </c:numCache>
             </c:numRef>
           </c:cat>
           <c:val>
             <c:numRef>
-              <c:f>Sheet1!$C$2:$C$20</c:f>
+              <c:f>Sheet1!$C$2:$C$21</c:f>
               <c:numCache>
                 <c:formatCode>General</c:formatCode>
-                <c:ptCount val="19"/>
-                <c:pt idx="7">
-                  <c:v>40.297096030952176</c:v>
-                </c:pt>
+                <c:ptCount val="20"/>
                 <c:pt idx="8">
-                  <c:v>40.297096030952176</c:v>
+                  <c:v>48.93104668981363</c:v>
                 </c:pt>
                 <c:pt idx="9">
-                  <c:v>40.297096030952176</c:v>
+                  <c:v>48.93104668981363</c:v>
                 </c:pt>
                 <c:pt idx="10">
-                  <c:v>40.297096030952176</c:v>
+                  <c:v>48.93104668981363</c:v>
                 </c:pt>
                 <c:pt idx="11">
-                  <c:v>40.297096030952176</c:v>
+                  <c:v>48.93104668981363</c:v>
                 </c:pt>
                 <c:pt idx="12">
-                  <c:v>40.297096030952176</c:v>
+                  <c:v>48.93104668981363</c:v>
                 </c:pt>
                 <c:pt idx="13">
-                  <c:v>40.297096030952176</c:v>
+                  <c:v>48.93104668981363</c:v>
                 </c:pt>
                 <c:pt idx="14">
-                  <c:v>40.297096030952176</c:v>
+                  <c:v>48.93104668981363</c:v>
                 </c:pt>
                 <c:pt idx="15">
-                  <c:v>40.297096030952176</c:v>
+                  <c:v>48.93104668981363</c:v>
                 </c:pt>
                 <c:pt idx="16">
-                  <c:v>40.297096030952176</c:v>
+                  <c:v>48.93104668981363</c:v>
                 </c:pt>
                 <c:pt idx="17">
-                  <c:v>40.297096030952176</c:v>
+                  <c:v>48.93104668981363</c:v>
                 </c:pt>
                 <c:pt idx="18">
-                  <c:v>40.297096030952176</c:v>
+                  <c:v>48.93104668981363</c:v>
+                </c:pt>
+                <c:pt idx="19">
+                  <c:v>48.93104668981363</c:v>
                 </c:pt>
               </c:numCache>
             </c:numRef>
@@ -13521,10 +13650,10 @@
           </c:marker>
           <c:cat>
             <c:numRef>
-              <c:f>Sheet1!$A$2:$A$20</c:f>
+              <c:f>Sheet1!$A$2:$A$21</c:f>
               <c:numCache>
                 <c:formatCode>yyyy\-mm\-dd</c:formatCode>
-                <c:ptCount val="19"/>
+                <c:ptCount val="20"/>
                 <c:pt idx="0">
                   <c:v>43435.0</c:v>
                 </c:pt>
@@ -13581,16 +13710,55 @@
                 </c:pt>
                 <c:pt idx="18">
                   <c:v>43983.0</c:v>
+                </c:pt>
+                <c:pt idx="19">
+                  <c:v>44013.0</c:v>
                 </c:pt>
               </c:numCache>
             </c:numRef>
           </c:cat>
           <c:val>
             <c:numRef>
-              <c:f>Sheet1!$D$2:$D$20</c:f>
+              <c:f>Sheet1!$D$2:$D$21</c:f>
               <c:numCache>
                 <c:formatCode>General</c:formatCode>
-                <c:ptCount val="19"/>
+                <c:ptCount val="20"/>
+                <c:pt idx="8">
+                  <c:v>122.20896028706983</c:v>
+                </c:pt>
+                <c:pt idx="9">
+                  <c:v>122.20896028706983</c:v>
+                </c:pt>
+                <c:pt idx="10">
+                  <c:v>122.20896028706983</c:v>
+                </c:pt>
+                <c:pt idx="11">
+                  <c:v>122.20896028706983</c:v>
+                </c:pt>
+                <c:pt idx="12">
+                  <c:v>122.20896028706983</c:v>
+                </c:pt>
+                <c:pt idx="13">
+                  <c:v>122.20896028706983</c:v>
+                </c:pt>
+                <c:pt idx="14">
+                  <c:v>122.20896028706983</c:v>
+                </c:pt>
+                <c:pt idx="15">
+                  <c:v>122.20896028706983</c:v>
+                </c:pt>
+                <c:pt idx="16">
+                  <c:v>122.20896028706983</c:v>
+                </c:pt>
+                <c:pt idx="17">
+                  <c:v>122.20896028706983</c:v>
+                </c:pt>
+                <c:pt idx="18">
+                  <c:v>122.20896028706983</c:v>
+                </c:pt>
+                <c:pt idx="19">
+                  <c:v>122.20896028706983</c:v>
+                </c:pt>
               </c:numCache>
             </c:numRef>
           </c:val>
@@ -13615,10 +13783,10 @@
           </c:marker>
           <c:cat>
             <c:numRef>
-              <c:f>Sheet1!$A$2:$A$20</c:f>
+              <c:f>Sheet1!$A$2:$A$21</c:f>
               <c:numCache>
                 <c:formatCode>yyyy\-mm\-dd</c:formatCode>
-                <c:ptCount val="19"/>
+                <c:ptCount val="20"/>
                 <c:pt idx="0">
                   <c:v>43435.0</c:v>
                 </c:pt>
@@ -13675,51 +13843,54 @@
                 </c:pt>
                 <c:pt idx="18">
                   <c:v>43983.0</c:v>
+                </c:pt>
+                <c:pt idx="19">
+                  <c:v>44013.0</c:v>
                 </c:pt>
               </c:numCache>
             </c:numRef>
           </c:cat>
           <c:val>
             <c:numRef>
-              <c:f>Sheet1!$E$2:$E$20</c:f>
+              <c:f>Sheet1!$E$2:$E$21</c:f>
               <c:numCache>
                 <c:formatCode>General</c:formatCode>
-                <c:ptCount val="19"/>
-                <c:pt idx="7">
-                  <c:v>1.576236096997972</c:v>
-                </c:pt>
+                <c:ptCount val="20"/>
                 <c:pt idx="8">
-                  <c:v>1.576236096997972</c:v>
+                  <c:v>2.4200680675494786</c:v>
                 </c:pt>
                 <c:pt idx="9">
-                  <c:v>1.576236096997972</c:v>
+                  <c:v>2.4200680675494786</c:v>
                 </c:pt>
                 <c:pt idx="10">
-                  <c:v>1.576236096997972</c:v>
+                  <c:v>2.4200680675494786</c:v>
                 </c:pt>
                 <c:pt idx="11">
-                  <c:v>1.576236096997972</c:v>
+                  <c:v>2.4200680675494786</c:v>
                 </c:pt>
                 <c:pt idx="12">
-                  <c:v>1.576236096997972</c:v>
+                  <c:v>2.4200680675494786</c:v>
                 </c:pt>
                 <c:pt idx="13">
-                  <c:v>1.576236096997972</c:v>
+                  <c:v>2.4200680675494786</c:v>
                 </c:pt>
                 <c:pt idx="14">
-                  <c:v>1.576236096997972</c:v>
+                  <c:v>2.4200680675494786</c:v>
                 </c:pt>
                 <c:pt idx="15">
-                  <c:v>1.576236096997972</c:v>
+                  <c:v>2.4200680675494786</c:v>
                 </c:pt>
                 <c:pt idx="16">
-                  <c:v>1.576236096997972</c:v>
+                  <c:v>2.4200680675494786</c:v>
                 </c:pt>
                 <c:pt idx="17">
-                  <c:v>1.576236096997972</c:v>
+                  <c:v>2.4200680675494786</c:v>
                 </c:pt>
                 <c:pt idx="18">
-                  <c:v>1.576236096997972</c:v>
+                  <c:v>2.4200680675494786</c:v>
+                </c:pt>
+                <c:pt idx="19">
+                  <c:v>2.4200680675494786</c:v>
                 </c:pt>
               </c:numCache>
             </c:numRef>
@@ -15603,10 +15774,10 @@
           </c:marker>
           <c:cat>
             <c:numRef>
-              <c:f>Sheet1!$A$2:$A$43</c:f>
+              <c:f>Sheet1!$A$2:$A$44</c:f>
               <c:numCache>
                 <c:formatCode>yyyy\-mm\-dd</c:formatCode>
-                <c:ptCount val="42"/>
+                <c:ptCount val="43"/>
                 <c:pt idx="0">
                   <c:v>42736.0</c:v>
                 </c:pt>
@@ -15732,16 +15903,19 @@
                 </c:pt>
                 <c:pt idx="41">
                   <c:v>43983.0</c:v>
+                </c:pt>
+                <c:pt idx="42">
+                  <c:v>44013.0</c:v>
                 </c:pt>
               </c:numCache>
             </c:numRef>
           </c:cat>
           <c:val>
             <c:numRef>
-              <c:f>Sheet1!$B$2:$B$43</c:f>
+              <c:f>Sheet1!$B$2:$B$44</c:f>
               <c:numCache>
                 <c:formatCode>General</c:formatCode>
-                <c:ptCount val="42"/>
+                <c:ptCount val="43"/>
                 <c:pt idx="0">
                   <c:v>2.0</c:v>
                 </c:pt>
@@ -15831,6 +16005,9 @@
                 </c:pt>
                 <c:pt idx="29">
                   <c:v>334.0</c:v>
+                </c:pt>
+                <c:pt idx="30">
+                  <c:v>336.0</c:v>
                 </c:pt>
               </c:numCache>
             </c:numRef>
@@ -15856,10 +16033,10 @@
           </c:marker>
           <c:cat>
             <c:numRef>
-              <c:f>Sheet1!$A$2:$A$43</c:f>
+              <c:f>Sheet1!$A$2:$A$44</c:f>
               <c:numCache>
                 <c:formatCode>yyyy\-mm\-dd</c:formatCode>
-                <c:ptCount val="42"/>
+                <c:ptCount val="43"/>
                 <c:pt idx="0">
                   <c:v>42736.0</c:v>
                 </c:pt>
@@ -15985,51 +16162,54 @@
                 </c:pt>
                 <c:pt idx="41">
                   <c:v>43983.0</c:v>
+                </c:pt>
+                <c:pt idx="42">
+                  <c:v>44013.0</c:v>
                 </c:pt>
               </c:numCache>
             </c:numRef>
           </c:cat>
           <c:val>
             <c:numRef>
-              <c:f>Sheet1!$C$2:$C$43</c:f>
+              <c:f>Sheet1!$C$2:$C$44</c:f>
               <c:numCache>
                 <c:formatCode>General</c:formatCode>
-                <c:ptCount val="42"/>
-                <c:pt idx="30">
-                  <c:v>381.7588645636299</c:v>
-                </c:pt>
+                <c:ptCount val="43"/>
                 <c:pt idx="31">
-                  <c:v>394.84129357991674</c:v>
+                  <c:v>359.3017634549898</c:v>
                 </c:pt>
                 <c:pt idx="32">
-                  <c:v>407.93647462264596</c:v>
+                  <c:v>381.9118303911123</c:v>
                 </c:pt>
                 <c:pt idx="33">
-                  <c:v>421.04401959854164</c:v>
+                  <c:v>405.250015640748</c:v>
                 </c:pt>
                 <c:pt idx="34">
-                  <c:v>434.1635637389277</c:v>
+                  <c:v>429.31851142604927</c:v>
                 </c:pt>
                 <c:pt idx="35">
-                  <c:v>447.2947635435828</c:v>
+                  <c:v>454.11945570584334</c:v>
                 </c:pt>
                 <c:pt idx="36">
-                  <c:v>460.4372949604522</c:v>
+                  <c:v>479.65493495278173</c:v>
                 </c:pt>
                 <c:pt idx="37">
-                  <c:v>473.5908517682282</c:v>
+                  <c:v>505.9269867184495</c:v>
                 </c:pt>
                 <c:pt idx="38">
-                  <c:v>486.75514413420944</c:v>
+                  <c:v>532.9376020077133</c:v>
                 </c:pt>
                 <c:pt idx="39">
-                  <c:v>499.92989732424735</c:v>
+                  <c:v>560.6887274809607</c:v>
                 </c:pt>
                 <c:pt idx="40">
-                  <c:v>513.1148505451846</c:v>
+                  <c:v>589.182267500646</c:v>
                 </c:pt>
                 <c:pt idx="41">
-                  <c:v>526.3097559031471</c:v>
+                  <c:v>618.4200860366338</c:v>
+                </c:pt>
+                <c:pt idx="42">
+                  <c:v>648.404008443164</c:v>
                 </c:pt>
               </c:numCache>
             </c:numRef>
@@ -16055,10 +16235,10 @@
           </c:marker>
           <c:cat>
             <c:numRef>
-              <c:f>Sheet1!$A$2:$A$43</c:f>
+              <c:f>Sheet1!$A$2:$A$44</c:f>
               <c:numCache>
                 <c:formatCode>yyyy\-mm\-dd</c:formatCode>
-                <c:ptCount val="42"/>
+                <c:ptCount val="43"/>
                 <c:pt idx="0">
                   <c:v>42736.0</c:v>
                 </c:pt>
@@ -16184,51 +16364,54 @@
                 </c:pt>
                 <c:pt idx="41">
                   <c:v>43983.0</c:v>
+                </c:pt>
+                <c:pt idx="42">
+                  <c:v>44013.0</c:v>
                 </c:pt>
               </c:numCache>
             </c:numRef>
           </c:cat>
           <c:val>
             <c:numRef>
-              <c:f>Sheet1!$D$2:$D$43</c:f>
+              <c:f>Sheet1!$D$2:$D$44</c:f>
               <c:numCache>
                 <c:formatCode>General</c:formatCode>
-                <c:ptCount val="42"/>
-                <c:pt idx="30">
-                  <c:v>411.514452326918</c:v>
-                </c:pt>
+                <c:ptCount val="43"/>
                 <c:pt idx="31">
-                  <c:v>425.18548077539646</c:v>
+                  <c:v>417.68585361764445</c:v>
                 </c:pt>
                 <c:pt idx="32">
-                  <c:v>438.8592719877833</c:v>
+                  <c:v>469.15572972421114</c:v>
                 </c:pt>
                 <c:pt idx="33">
-                  <c:v>452.5359505804518</c:v>
+                  <c:v>517.0427465552426</c:v>
                 </c:pt>
                 <c:pt idx="34">
-                  <c:v>466.21562172413604</c:v>
+                  <c:v>563.7389851491263</c:v>
                 </c:pt>
                 <c:pt idx="35">
-                  <c:v>479.8983739396917</c:v>
+                  <c:v>610.1363764678903</c:v>
                 </c:pt>
                 <c:pt idx="36">
-                  <c:v>493.58428144282595</c:v>
+                  <c:v>656.6758223765108</c:v>
                 </c:pt>
                 <c:pt idx="37">
-                  <c:v>507.2734061201885</c:v>
+                  <c:v>703.6098439779962</c:v>
                 </c:pt>
                 <c:pt idx="38">
-                  <c:v>520.9657992023693</c:v>
+                  <c:v>751.0970698715914</c:v>
                 </c:pt>
                 <c:pt idx="39">
-                  <c:v>534.6615026863066</c:v>
+                  <c:v>799.2437171308627</c:v>
                 </c:pt>
                 <c:pt idx="40">
-                  <c:v>548.3605505494355</c:v>
+                  <c:v>848.1243236156931</c:v>
                 </c:pt>
                 <c:pt idx="41">
-                  <c:v>562.0629697899094</c:v>
+                  <c:v>897.7931116114107</c:v>
+                </c:pt>
+                <c:pt idx="42">
+                  <c:v>948.2906638880557</c:v>
                 </c:pt>
               </c:numCache>
             </c:numRef>
@@ -16254,10 +16437,10 @@
           </c:marker>
           <c:cat>
             <c:numRef>
-              <c:f>Sheet1!$A$2:$A$43</c:f>
+              <c:f>Sheet1!$A$2:$A$44</c:f>
               <c:numCache>
                 <c:formatCode>yyyy\-mm\-dd</c:formatCode>
-                <c:ptCount val="42"/>
+                <c:ptCount val="43"/>
                 <c:pt idx="0">
                   <c:v>42736.0</c:v>
                 </c:pt>
@@ -16383,51 +16566,54 @@
                 </c:pt>
                 <c:pt idx="41">
                   <c:v>43983.0</c:v>
+                </c:pt>
+                <c:pt idx="42">
+                  <c:v>44013.0</c:v>
                 </c:pt>
               </c:numCache>
             </c:numRef>
           </c:cat>
           <c:val>
             <c:numRef>
-              <c:f>Sheet1!$E$2:$E$43</c:f>
+              <c:f>Sheet1!$E$2:$E$44</c:f>
               <c:numCache>
                 <c:formatCode>General</c:formatCode>
-                <c:ptCount val="42"/>
-                <c:pt idx="30">
-                  <c:v>352.0327409250986</c:v>
-                </c:pt>
+                <c:ptCount val="43"/>
                 <c:pt idx="31">
-                  <c:v>364.52814131813443</c:v>
+                  <c:v>302.90553717235787</c:v>
                 </c:pt>
                 <c:pt idx="32">
-                  <c:v>377.04618879732095</c:v>
+                  <c:v>301.50848620317316</c:v>
                 </c:pt>
                 <c:pt idx="33">
-                  <c:v>389.58599095612027</c:v>
+                  <c:v>305.1791439018876</c:v>
                 </c:pt>
                 <c:pt idx="34">
-                  <c:v>402.14672050787965</c:v>
+                  <c:v>311.5288001052684</c:v>
                 </c:pt>
                 <c:pt idx="35">
-                  <c:v>414.7276085156853</c:v>
+                  <c:v>319.668850383837</c:v>
                 </c:pt>
                 <c:pt idx="36">
-                  <c:v>427.32793852216014</c:v>
+                  <c:v>329.1616750858495</c:v>
                 </c:pt>
                 <c:pt idx="37">
-                  <c:v>439.947041435122</c:v>
+                  <c:v>339.757991186656</c:v>
                 </c:pt>
                 <c:pt idx="38">
-                  <c:v>452.5842910517675</c:v>
+                  <c:v>351.3023643467149</c:v>
                 </c:pt>
                 <c:pt idx="39">
-                  <c:v>465.2391001251861</c:v>
+                  <c:v>363.6917283567945</c:v>
                 </c:pt>
                 <c:pt idx="40">
-                  <c:v>477.91091689384643</c:v>
+                  <c:v>376.85465333555527</c:v>
                 </c:pt>
                 <c:pt idx="41">
-                  <c:v>490.5992220081927</c:v>
+                  <c:v>390.73998266883655</c:v>
+                </c:pt>
+                <c:pt idx="42">
+                  <c:v>405.31015758298014</c:v>
                 </c:pt>
               </c:numCache>
             </c:numRef>
@@ -16552,10 +16738,10 @@
           </c:marker>
           <c:cat>
             <c:numRef>
-              <c:f>Sheet1!$A$2:$A$97</c:f>
+              <c:f>Sheet1!$A$2:$A$98</c:f>
               <c:numCache>
                 <c:formatCode>yyyy\-mm\-dd</c:formatCode>
-                <c:ptCount val="96"/>
+                <c:ptCount val="97"/>
                 <c:pt idx="0">
                   <c:v>41091.0</c:v>
                 </c:pt>
@@ -16843,16 +17029,19 @@
                 </c:pt>
                 <c:pt idx="95">
                   <c:v>43983.0</c:v>
+                </c:pt>
+                <c:pt idx="96">
+                  <c:v>44013.0</c:v>
                 </c:pt>
               </c:numCache>
             </c:numRef>
           </c:cat>
           <c:val>
             <c:numRef>
-              <c:f>Sheet1!$B$2:$B$97</c:f>
+              <c:f>Sheet1!$B$2:$B$98</c:f>
               <c:numCache>
                 <c:formatCode>General</c:formatCode>
-                <c:ptCount val="96"/>
+                <c:ptCount val="97"/>
                 <c:pt idx="0">
                   <c:v>6.0</c:v>
                 </c:pt>
@@ -17104,6 +17293,9 @@
                 </c:pt>
                 <c:pt idx="83">
                   <c:v>114.0</c:v>
+                </c:pt>
+                <c:pt idx="84">
+                  <c:v>124.0</c:v>
                 </c:pt>
               </c:numCache>
             </c:numRef>
@@ -17129,10 +17321,10 @@
           </c:marker>
           <c:cat>
             <c:numRef>
-              <c:f>Sheet1!$A$2:$A$97</c:f>
+              <c:f>Sheet1!$A$2:$A$98</c:f>
               <c:numCache>
                 <c:formatCode>yyyy\-mm\-dd</c:formatCode>
-                <c:ptCount val="96"/>
+                <c:ptCount val="97"/>
                 <c:pt idx="0">
                   <c:v>41091.0</c:v>
                 </c:pt>
@@ -17420,51 +17612,54 @@
                 </c:pt>
                 <c:pt idx="95">
                   <c:v>43983.0</c:v>
+                </c:pt>
+                <c:pt idx="96">
+                  <c:v>44013.0</c:v>
                 </c:pt>
               </c:numCache>
             </c:numRef>
           </c:cat>
           <c:val>
             <c:numRef>
-              <c:f>Sheet1!$C$2:$C$97</c:f>
+              <c:f>Sheet1!$C$2:$C$98</c:f>
               <c:numCache>
                 <c:formatCode>General</c:formatCode>
-                <c:ptCount val="96"/>
-                <c:pt idx="84">
-                  <c:v>113.89947192213245</c:v>
-                </c:pt>
+                <c:ptCount val="97"/>
                 <c:pt idx="85">
-                  <c:v>114.09058753659477</c:v>
+                  <c:v>121.95400547390298</c:v>
                 </c:pt>
                 <c:pt idx="86">
-                  <c:v>114.03151380586824</c:v>
+                  <c:v>122.74845903207657</c:v>
                 </c:pt>
                 <c:pt idx="87">
-                  <c:v>114.04976804544627</c:v>
+                  <c:v>122.52562373819923</c:v>
                 </c:pt>
                 <c:pt idx="88">
-                  <c:v>114.04412682701367</c:v>
+                  <c:v>122.58802473110092</c:v>
                 </c:pt>
                 <c:pt idx="89">
-                  <c:v>114.04587011757782</c:v>
+                  <c:v>122.57054248237446</c:v>
                 </c:pt>
                 <c:pt idx="90">
-                  <c:v>114.04533138846443</c:v>
+                  <c:v>122.57543967902335</c:v>
                 </c:pt>
                 <c:pt idx="91">
-                  <c:v>114.04549787148119</c:v>
+                  <c:v>122.57406780778096</c:v>
                 </c:pt>
                 <c:pt idx="92">
-                  <c:v>114.04544642332783</c:v>
+                  <c:v>122.57445211169015</c:v>
                 </c:pt>
                 <c:pt idx="93">
-                  <c:v>114.04546232231773</c:v>
+                  <c:v>122.57434445588012</c:v>
                 </c:pt>
                 <c:pt idx="94">
-                  <c:v>114.04545740906266</c:v>
+                  <c:v>122.57437461369021</c:v>
                 </c:pt>
                 <c:pt idx="95">
-                  <c:v>114.04545892740279</c:v>
+                  <c:v>122.57436616552829</c:v>
+                </c:pt>
+                <c:pt idx="96">
+                  <c:v>122.57436853212702</c:v>
                 </c:pt>
               </c:numCache>
             </c:numRef>
@@ -17490,10 +17685,10 @@
           </c:marker>
           <c:cat>
             <c:numRef>
-              <c:f>Sheet1!$A$2:$A$97</c:f>
+              <c:f>Sheet1!$A$2:$A$98</c:f>
               <c:numCache>
                 <c:formatCode>yyyy\-mm\-dd</c:formatCode>
-                <c:ptCount val="96"/>
+                <c:ptCount val="97"/>
                 <c:pt idx="0">
                   <c:v>41091.0</c:v>
                 </c:pt>
@@ -17781,51 +17976,54 @@
                 </c:pt>
                 <c:pt idx="95">
                   <c:v>43983.0</c:v>
+                </c:pt>
+                <c:pt idx="96">
+                  <c:v>44013.0</c:v>
                 </c:pt>
               </c:numCache>
             </c:numRef>
           </c:cat>
           <c:val>
             <c:numRef>
-              <c:f>Sheet1!$D$2:$D$97</c:f>
+              <c:f>Sheet1!$D$2:$D$98</c:f>
               <c:numCache>
                 <c:formatCode>General</c:formatCode>
-                <c:ptCount val="96"/>
-                <c:pt idx="84">
-                  <c:v>136.91774121559385</c:v>
-                </c:pt>
+                <c:ptCount val="97"/>
                 <c:pt idx="85">
-                  <c:v>142.42214449738157</c:v>
+                  <c:v>147.222500922539</c:v>
                 </c:pt>
                 <c:pt idx="86">
-                  <c:v>148.15382037744644</c:v>
+                  <c:v>154.57339959580074</c:v>
                 </c:pt>
                 <c:pt idx="87">
-                  <c:v>152.87947578208122</c:v>
+                  <c:v>161.04451238934047</c:v>
                 </c:pt>
                 <c:pt idx="88">
-                  <c:v>157.24267274087634</c:v>
+                  <c:v>166.72194711150436</c:v>
                 </c:pt>
                 <c:pt idx="89">
-                  <c:v>161.24818596513492</c:v>
+                  <c:v>171.88649653963142</c:v>
                 </c:pt>
                 <c:pt idx="90">
-                  <c:v>165.00022021676187</c:v>
+                  <c:v>176.67931197990015</c:v>
                 </c:pt>
                 <c:pt idx="91">
-                  <c:v>168.5403207407452</c:v>
+                  <c:v>181.17901650622255</c:v>
                 </c:pt>
                 <c:pt idx="92">
-                  <c:v>171.90657732323444</c:v>
+                  <c:v>185.4445368989963</c:v>
                 </c:pt>
                 <c:pt idx="93">
-                  <c:v>175.12492297707576</c:v>
+                  <c:v>189.5155042953323</c:v>
                 </c:pt>
                 <c:pt idx="94">
-                  <c:v>178.2159876814153</c:v>
+                  <c:v>193.42219887279083</c:v>
                 </c:pt>
                 <c:pt idx="95">
-                  <c:v>181.19582543950443</c:v>
+                  <c:v>197.18755717568035</c:v>
+                </c:pt>
+                <c:pt idx="96">
+                  <c:v>200.82971423977813</c:v>
                 </c:pt>
               </c:numCache>
             </c:numRef>
@@ -17851,10 +18049,10 @@
           </c:marker>
           <c:cat>
             <c:numRef>
-              <c:f>Sheet1!$A$2:$A$97</c:f>
+              <c:f>Sheet1!$A$2:$A$98</c:f>
               <c:numCache>
                 <c:formatCode>yyyy\-mm\-dd</c:formatCode>
-                <c:ptCount val="96"/>
+                <c:ptCount val="97"/>
                 <c:pt idx="0">
                   <c:v>41091.0</c:v>
                 </c:pt>
@@ -18142,51 +18340,54 @@
                 </c:pt>
                 <c:pt idx="95">
                   <c:v>43983.0</c:v>
+                </c:pt>
+                <c:pt idx="96">
+                  <c:v>44013.0</c:v>
                 </c:pt>
               </c:numCache>
             </c:numRef>
           </c:cat>
           <c:val>
             <c:numRef>
-              <c:f>Sheet1!$E$2:$E$97</c:f>
+              <c:f>Sheet1!$E$2:$E$98</c:f>
               <c:numCache>
                 <c:formatCode>General</c:formatCode>
-                <c:ptCount val="96"/>
-                <c:pt idx="84">
-                  <c:v>91.6032270890464</c:v>
-                </c:pt>
+                <c:ptCount val="97"/>
                 <c:pt idx="85">
-                  <c:v>87.32154526102991</c:v>
+                  <c:v>97.81343867756283</c:v>
                 </c:pt>
                 <c:pt idx="86">
-                  <c:v>82.56201989657887</c:v>
+                  <c:v>93.46764464190181</c:v>
                 </c:pt>
                 <c:pt idx="87">
-                  <c:v>78.88334280913337</c:v>
+                  <c:v>88.29099162117477</c:v>
                 </c:pt>
                 <c:pt idx="88">
-                  <c:v>75.54475074051581</c:v>
+                  <c:v>84.38438531160051</c:v>
                 </c:pt>
                 <c:pt idx="89">
-                  <c:v>72.5717185410539</c:v>
+                  <c:v>80.85660679382258</c:v>
                 </c:pt>
                 <c:pt idx="90">
-                  <c:v>69.85075632102854</c:v>
+                  <c:v>77.73783715885688</c:v>
                 </c:pt>
                 <c:pt idx="91">
-                  <c:v>67.34318986011199</c:v>
+                  <c:v>74.90143856155707</c:v>
                 </c:pt>
                 <c:pt idx="92">
-                  <c:v>65.01005268683112</c:v>
+                  <c:v>72.30194492173176</c:v>
                 </c:pt>
                 <c:pt idx="93">
-                  <c:v>62.82568966474586</c:v>
+                  <c:v>69.89595088835216</c:v>
                 </c:pt>
                 <c:pt idx="94">
-                  <c:v>60.76939308065516</c:v>
+                  <c:v>67.65423352069945</c:v>
                 </c:pt>
                 <c:pt idx="95">
-                  <c:v>58.82514087971055</c:v>
+                  <c:v>65.5535590725563</c:v>
+                </c:pt>
+                <c:pt idx="96">
+                  <c:v>63.57587499663619</c:v>
                 </c:pt>
               </c:numCache>
             </c:numRef>
@@ -18311,10 +18512,10 @@
           </c:marker>
           <c:cat>
             <c:numRef>
-              <c:f>Sheet1!$A$2:$A$97</c:f>
+              <c:f>Sheet1!$A$2:$A$98</c:f>
               <c:numCache>
                 <c:formatCode>yyyy\-mm\-dd</c:formatCode>
-                <c:ptCount val="96"/>
+                <c:ptCount val="97"/>
                 <c:pt idx="0">
                   <c:v>41091.0</c:v>
                 </c:pt>
@@ -18602,16 +18803,19 @@
                 </c:pt>
                 <c:pt idx="95">
                   <c:v>43983.0</c:v>
+                </c:pt>
+                <c:pt idx="96">
+                  <c:v>44013.0</c:v>
                 </c:pt>
               </c:numCache>
             </c:numRef>
           </c:cat>
           <c:val>
             <c:numRef>
-              <c:f>Sheet1!$B$2:$B$97</c:f>
+              <c:f>Sheet1!$B$2:$B$98</c:f>
               <c:numCache>
                 <c:formatCode>General</c:formatCode>
-                <c:ptCount val="96"/>
+                <c:ptCount val="97"/>
                 <c:pt idx="0">
                   <c:v>33.0</c:v>
                 </c:pt>
@@ -18863,6 +19067,9 @@
                 </c:pt>
                 <c:pt idx="83">
                   <c:v>37.0</c:v>
+                </c:pt>
+                <c:pt idx="84">
+                  <c:v>50.0</c:v>
                 </c:pt>
               </c:numCache>
             </c:numRef>
@@ -18888,10 +19095,10 @@
           </c:marker>
           <c:cat>
             <c:numRef>
-              <c:f>Sheet1!$A$2:$A$97</c:f>
+              <c:f>Sheet1!$A$2:$A$98</c:f>
               <c:numCache>
                 <c:formatCode>yyyy\-mm\-dd</c:formatCode>
-                <c:ptCount val="96"/>
+                <c:ptCount val="97"/>
                 <c:pt idx="0">
                   <c:v>41091.0</c:v>
                 </c:pt>
@@ -19179,51 +19386,54 @@
                 </c:pt>
                 <c:pt idx="95">
                   <c:v>43983.0</c:v>
+                </c:pt>
+                <c:pt idx="96">
+                  <c:v>44013.0</c:v>
                 </c:pt>
               </c:numCache>
             </c:numRef>
           </c:cat>
           <c:val>
             <c:numRef>
-              <c:f>Sheet1!$C$2:$C$97</c:f>
+              <c:f>Sheet1!$C$2:$C$98</c:f>
               <c:numCache>
                 <c:formatCode>General</c:formatCode>
-                <c:ptCount val="96"/>
-                <c:pt idx="84">
-                  <c:v>53.352276554913836</c:v>
-                </c:pt>
+                <c:ptCount val="97"/>
                 <c:pt idx="85">
-                  <c:v>54.03612927010475</c:v>
+                  <c:v>56.81936904051143</c:v>
                 </c:pt>
                 <c:pt idx="86">
-                  <c:v>54.577811976948354</c:v>
+                  <c:v>56.49802882913979</c:v>
                 </c:pt>
                 <c:pt idx="87">
-                  <c:v>55.00625851182322</c:v>
+                  <c:v>56.23896948042673</c:v>
                 </c:pt>
                 <c:pt idx="88">
-                  <c:v>55.34475672257497</c:v>
+                  <c:v>56.029954047070554</c:v>
                 </c:pt>
                 <c:pt idx="89">
-                  <c:v>55.61195381565368</c:v>
+                  <c:v>55.86120664729207</c:v>
                 </c:pt>
                 <c:pt idx="90">
-                  <c:v>55.822722588529935</c:v>
+                  <c:v>55.72489828324432</c:v>
                 </c:pt>
                 <c:pt idx="91">
-                  <c:v>55.98888971990455</c:v>
+                  <c:v>55.614746476935125</c:v>
                 </c:pt>
                 <c:pt idx="92">
-                  <c:v>56.11983780620697</c:v>
+                  <c:v>55.52570146768976</c:v>
                 </c:pt>
                 <c:pt idx="93">
-                  <c:v>56.22299704964901</c:v>
+                  <c:v>55.45369887711754</c:v>
                 </c:pt>
                 <c:pt idx="94">
-                  <c:v>56.304243286488266</c:v>
+                  <c:v>55.395463843497815</c:v>
                 </c:pt>
                 <c:pt idx="95">
-                  <c:v>56.368218080668676</c:v>
+                  <c:v>55.34835530359822</c:v>
+                </c:pt>
+                <c:pt idx="96">
+                  <c:v>55.310241787089225</c:v>
                 </c:pt>
               </c:numCache>
             </c:numRef>
@@ -19249,10 +19459,10 @@
           </c:marker>
           <c:cat>
             <c:numRef>
-              <c:f>Sheet1!$A$2:$A$97</c:f>
+              <c:f>Sheet1!$A$2:$A$98</c:f>
               <c:numCache>
                 <c:formatCode>yyyy\-mm\-dd</c:formatCode>
-                <c:ptCount val="96"/>
+                <c:ptCount val="97"/>
                 <c:pt idx="0">
                   <c:v>41091.0</c:v>
                 </c:pt>
@@ -19540,51 +19750,54 @@
                 </c:pt>
                 <c:pt idx="95">
                   <c:v>43983.0</c:v>
+                </c:pt>
+                <c:pt idx="96">
+                  <c:v>44013.0</c:v>
                 </c:pt>
               </c:numCache>
             </c:numRef>
           </c:cat>
           <c:val>
             <c:numRef>
-              <c:f>Sheet1!$D$2:$D$97</c:f>
+              <c:f>Sheet1!$D$2:$D$98</c:f>
               <c:numCache>
                 <c:formatCode>General</c:formatCode>
-                <c:ptCount val="96"/>
-                <c:pt idx="84">
-                  <c:v>98.0653174958004</c:v>
-                </c:pt>
+                <c:ptCount val="97"/>
                 <c:pt idx="85">
-                  <c:v>104.42071774386503</c:v>
+                  <c:v>108.35933610435515</c:v>
                 </c:pt>
                 <c:pt idx="86">
-                  <c:v>108.4274885526887</c:v>
+                  <c:v>114.39226379104385</c:v>
                 </c:pt>
                 <c:pt idx="87">
-                  <c:v>111.01883263394558</c:v>
+                  <c:v>118.13568269899791</c:v>
                 </c:pt>
                 <c:pt idx="88">
-                  <c:v>112.72621245123943</c:v>
+                  <c:v>120.4671451878703</c:v>
                 </c:pt>
                 <c:pt idx="89">
-                  <c:v>113.86939837447021</c:v>
+                  <c:v>121.91376877072382</c:v>
                 </c:pt>
                 <c:pt idx="90">
-                  <c:v>114.64655547201066</c:v>
+                  <c:v>122.80283032931499</c:v>
                 </c:pt>
                 <c:pt idx="91">
-                  <c:v>115.18282480259317</c:v>
+                  <c:v>123.34060795698714</c:v>
                 </c:pt>
                 <c:pt idx="92">
-                  <c:v>115.55836283990827</c:v>
+                  <c:v>123.65798599653249</c:v>
                 </c:pt>
                 <c:pt idx="93">
-                  <c:v>115.82515198706625</c:v>
+                  <c:v>123.83817801884273</c:v>
                 </c:pt>
                 <c:pt idx="94">
-                  <c:v>116.01731058992235</c:v>
+                  <c:v>123.93402823355964</c:v>
                 </c:pt>
                 <c:pt idx="95">
-                  <c:v>116.15751012803945</c:v>
+                  <c:v>123.97896736615739</c:v>
+                </c:pt>
+                <c:pt idx="96">
+                  <c:v>123.99400740785198</c:v>
                 </c:pt>
               </c:numCache>
             </c:numRef>
@@ -19610,10 +19823,10 @@
           </c:marker>
           <c:cat>
             <c:numRef>
-              <c:f>Sheet1!$A$2:$A$97</c:f>
+              <c:f>Sheet1!$A$2:$A$98</c:f>
               <c:numCache>
                 <c:formatCode>yyyy\-mm\-dd</c:formatCode>
-                <c:ptCount val="96"/>
+                <c:ptCount val="97"/>
                 <c:pt idx="0">
                   <c:v>41091.0</c:v>
                 </c:pt>
@@ -19901,51 +20114,54 @@
                 </c:pt>
                 <c:pt idx="95">
                   <c:v>43983.0</c:v>
+                </c:pt>
+                <c:pt idx="96">
+                  <c:v>44013.0</c:v>
                 </c:pt>
               </c:numCache>
             </c:numRef>
           </c:cat>
           <c:val>
             <c:numRef>
-              <c:f>Sheet1!$E$2:$E$97</c:f>
+              <c:f>Sheet1!$E$2:$E$98</c:f>
               <c:numCache>
                 <c:formatCode>General</c:formatCode>
-                <c:ptCount val="96"/>
-                <c:pt idx="84">
-                  <c:v>16.23517127549786</c:v>
-                </c:pt>
+                <c:ptCount val="97"/>
                 <c:pt idx="85">
-                  <c:v>14.674363100304575</c:v>
+                  <c:v>18.070902802902353</c:v>
                 </c:pt>
                 <c:pt idx="86">
-                  <c:v>13.878211936984775</c:v>
+                  <c:v>16.47146910562831</c:v>
                 </c:pt>
                 <c:pt idx="87">
-                  <c:v>13.464660500209305</c:v>
+                  <c:v>15.519716120244484</c:v>
                 </c:pt>
                 <c:pt idx="88">
-                  <c:v>13.254808610456331</c:v>
+                  <c:v>14.92464661004363</c:v>
                 </c:pt>
                 <c:pt idx="89">
-                  <c:v>13.156005809310612</c:v>
+                  <c:v>14.54061685207198</c:v>
                 </c:pt>
                 <c:pt idx="90">
-                  <c:v>13.117599160700003</c:v>
+                  <c:v>14.287183048355065</c:v>
                 </c:pt>
                 <c:pt idx="91">
-                  <c:v>13.111165908653232</c:v>
+                  <c:v>14.117026859262891</c:v>
                 </c:pt>
                 <c:pt idx="92">
-                  <c:v>13.120650472930773</c:v>
+                  <c:v>14.001120933627963</c:v>
                 </c:pt>
                 <c:pt idx="93">
-                  <c:v>13.13706630251255</c:v>
+                  <c:v>13.921135324750036</c:v>
                 </c:pt>
                 <c:pt idx="94">
-                  <c:v>13.15551295019423</c:v>
+                  <c:v>13.865253059596439</c:v>
                 </c:pt>
                 <c:pt idx="95">
-                  <c:v>13.173449745460472</c:v>
+                  <c:v>13.825736707455905</c:v>
+                </c:pt>
+                <c:pt idx="96">
+                  <c:v>13.797456788081945</c:v>
                 </c:pt>
               </c:numCache>
             </c:numRef>
@@ -20070,10 +20286,10 @@
           </c:marker>
           <c:cat>
             <c:numRef>
-              <c:f>Sheet1!$A$2:$A$97</c:f>
+              <c:f>Sheet1!$A$2:$A$98</c:f>
               <c:numCache>
                 <c:formatCode>yyyy\-mm\-dd</c:formatCode>
-                <c:ptCount val="96"/>
+                <c:ptCount val="97"/>
                 <c:pt idx="0">
                   <c:v>41091.0</c:v>
                 </c:pt>
@@ -20361,16 +20577,19 @@
                 </c:pt>
                 <c:pt idx="95">
                   <c:v>43983.0</c:v>
+                </c:pt>
+                <c:pt idx="96">
+                  <c:v>44013.0</c:v>
                 </c:pt>
               </c:numCache>
             </c:numRef>
           </c:cat>
           <c:val>
             <c:numRef>
-              <c:f>Sheet1!$B$2:$B$97</c:f>
+              <c:f>Sheet1!$B$2:$B$98</c:f>
               <c:numCache>
                 <c:formatCode>General</c:formatCode>
-                <c:ptCount val="96"/>
+                <c:ptCount val="97"/>
                 <c:pt idx="0">
                   <c:v>325.0</c:v>
                 </c:pt>
@@ -20622,6 +20841,9 @@
                 </c:pt>
                 <c:pt idx="83">
                   <c:v>1038.0</c:v>
+                </c:pt>
+                <c:pt idx="84">
+                  <c:v>1073.0</c:v>
                 </c:pt>
               </c:numCache>
             </c:numRef>
@@ -20647,10 +20869,10 @@
           </c:marker>
           <c:cat>
             <c:numRef>
-              <c:f>Sheet1!$A$2:$A$97</c:f>
+              <c:f>Sheet1!$A$2:$A$98</c:f>
               <c:numCache>
                 <c:formatCode>yyyy\-mm\-dd</c:formatCode>
-                <c:ptCount val="96"/>
+                <c:ptCount val="97"/>
                 <c:pt idx="0">
                   <c:v>41091.0</c:v>
                 </c:pt>
@@ -20938,51 +21160,54 @@
                 </c:pt>
                 <c:pt idx="95">
                   <c:v>43983.0</c:v>
+                </c:pt>
+                <c:pt idx="96">
+                  <c:v>44013.0</c:v>
                 </c:pt>
               </c:numCache>
             </c:numRef>
           </c:cat>
           <c:val>
             <c:numRef>
-              <c:f>Sheet1!$C$2:$C$97</c:f>
+              <c:f>Sheet1!$C$2:$C$98</c:f>
               <c:numCache>
                 <c:formatCode>General</c:formatCode>
-                <c:ptCount val="96"/>
-                <c:pt idx="84">
-                  <c:v>959.0247358326961</c:v>
-                </c:pt>
+                <c:ptCount val="97"/>
                 <c:pt idx="85">
-                  <c:v>959.0247358326961</c:v>
+                  <c:v>993.5476696781992</c:v>
                 </c:pt>
                 <c:pt idx="86">
-                  <c:v>959.0247358326961</c:v>
+                  <c:v>993.5476696781992</c:v>
                 </c:pt>
                 <c:pt idx="87">
-                  <c:v>959.0247358326961</c:v>
+                  <c:v>993.5476696781992</c:v>
                 </c:pt>
                 <c:pt idx="88">
-                  <c:v>959.0247358326961</c:v>
+                  <c:v>993.5476696781992</c:v>
                 </c:pt>
                 <c:pt idx="89">
-                  <c:v>959.0247358326961</c:v>
+                  <c:v>993.5476696781992</c:v>
                 </c:pt>
                 <c:pt idx="90">
-                  <c:v>959.0247358326961</c:v>
+                  <c:v>993.5476696781992</c:v>
                 </c:pt>
                 <c:pt idx="91">
-                  <c:v>959.0247358326961</c:v>
+                  <c:v>993.5476696781992</c:v>
                 </c:pt>
                 <c:pt idx="92">
-                  <c:v>959.0247358326961</c:v>
+                  <c:v>993.5476696781992</c:v>
                 </c:pt>
                 <c:pt idx="93">
-                  <c:v>959.0247358326961</c:v>
+                  <c:v>993.5476696781992</c:v>
                 </c:pt>
                 <c:pt idx="94">
-                  <c:v>959.0247358326961</c:v>
+                  <c:v>993.5476696781992</c:v>
                 </c:pt>
                 <c:pt idx="95">
-                  <c:v>959.0247358326961</c:v>
+                  <c:v>993.5476696781992</c:v>
+                </c:pt>
+                <c:pt idx="96">
+                  <c:v>993.5476696781992</c:v>
                 </c:pt>
               </c:numCache>
             </c:numRef>
@@ -21008,10 +21233,10 @@
           </c:marker>
           <c:cat>
             <c:numRef>
-              <c:f>Sheet1!$A$2:$A$97</c:f>
+              <c:f>Sheet1!$A$2:$A$98</c:f>
               <c:numCache>
                 <c:formatCode>yyyy\-mm\-dd</c:formatCode>
-                <c:ptCount val="96"/>
+                <c:ptCount val="97"/>
                 <c:pt idx="0">
                   <c:v>41091.0</c:v>
                 </c:pt>
@@ -21299,51 +21524,54 @@
                 </c:pt>
                 <c:pt idx="95">
                   <c:v>43983.0</c:v>
+                </c:pt>
+                <c:pt idx="96">
+                  <c:v>44013.0</c:v>
                 </c:pt>
               </c:numCache>
             </c:numRef>
           </c:cat>
           <c:val>
             <c:numRef>
-              <c:f>Sheet1!$D$2:$D$97</c:f>
+              <c:f>Sheet1!$D$2:$D$98</c:f>
               <c:numCache>
                 <c:formatCode>General</c:formatCode>
-                <c:ptCount val="96"/>
-                <c:pt idx="84">
-                  <c:v>1133.171375393513</c:v>
-                </c:pt>
+                <c:ptCount val="97"/>
                 <c:pt idx="85">
-                  <c:v>1141.3039184559748</c:v>
+                  <c:v>1172.271254249825</c:v>
                 </c:pt>
                 <c:pt idx="86">
-                  <c:v>1149.1576725056714</c:v>
+                  <c:v>1180.6845131955959</c:v>
                 </c:pt>
                 <c:pt idx="87">
-                  <c:v>1156.7630903731413</c:v>
+                  <c:v>1188.8070806110184</c:v>
                 </c:pt>
                 <c:pt idx="88">
-                  <c:v>1164.1454675470861</c:v>
+                  <c:v>1196.6709380240138</c:v>
                 </c:pt>
                 <c:pt idx="89">
-                  <c:v>1171.326087563114</c:v>
+                  <c:v>1204.3026145456752</c:v>
                 </c:pt>
                 <c:pt idx="90">
-                  <c:v>1178.3230597480333</c:v>
+                  <c:v>1211.724405368462</c:v>
                 </c:pt>
                 <c:pt idx="91">
-                  <c:v>1185.1519446578807</c:v>
+                  <c:v>1218.9552610569747</c:v>
                 </c:pt>
                 <c:pt idx="92">
-                  <c:v>1191.8262294826948</c:v>
+                  <c:v>1226.0114502186534</c:v>
                 </c:pt>
                 <c:pt idx="93">
-                  <c:v>1198.357695191273</c:v>
+                  <c:v>1232.90706237517</c:v>
                 </c:pt>
                 <c:pt idx="94">
-                  <c:v>1204.7567041026532</c:v>
+                  <c:v>1239.6543957486956</c:v>
                 </c:pt>
                 <c:pt idx="95">
-                  <c:v>1211.0324279985114</c:v>
+                  <c:v>1246.2642606028778</c:v>
+                </c:pt>
+                <c:pt idx="96">
+                  <c:v>1252.7462195807839</c:v>
                 </c:pt>
               </c:numCache>
             </c:numRef>
@@ -21369,10 +21597,10 @@
           </c:marker>
           <c:cat>
             <c:numRef>
-              <c:f>Sheet1!$A$2:$A$97</c:f>
+              <c:f>Sheet1!$A$2:$A$98</c:f>
               <c:numCache>
                 <c:formatCode>yyyy\-mm\-dd</c:formatCode>
-                <c:ptCount val="96"/>
+                <c:ptCount val="97"/>
                 <c:pt idx="0">
                   <c:v>41091.0</c:v>
                 </c:pt>
@@ -21660,51 +21888,54 @@
                 </c:pt>
                 <c:pt idx="95">
                   <c:v>43983.0</c:v>
+                </c:pt>
+                <c:pt idx="96">
+                  <c:v>44013.0</c:v>
                 </c:pt>
               </c:numCache>
             </c:numRef>
           </c:cat>
           <c:val>
             <c:numRef>
-              <c:f>Sheet1!$E$2:$E$97</c:f>
+              <c:f>Sheet1!$E$2:$E$98</c:f>
               <c:numCache>
                 <c:formatCode>General</c:formatCode>
-                <c:ptCount val="96"/>
-                <c:pt idx="84">
-                  <c:v>794.2697766702963</c:v>
-                </c:pt>
+                <c:ptCount val="97"/>
                 <c:pt idx="85">
-                  <c:v>787.9923444869993</c:v>
+                  <c:v>824.4795824891388</c:v>
                 </c:pt>
                 <c:pt idx="86">
-                  <c:v>781.9937518567959</c:v>
+                  <c:v>817.9808380728143</c:v>
                 </c:pt>
                 <c:pt idx="87">
-                  <c:v>776.2435459500216</c:v>
+                  <c:v>811.7728433575834</c:v>
                 </c:pt>
                 <c:pt idx="88">
-                  <c:v>770.7164312788483</c:v>
+                  <c:v>805.8236168163394</c:v>
                 </c:pt>
                 <c:pt idx="89">
-                  <c:v>765.3911243085405</c:v>
+                  <c:v>800.1066293388052</c:v>
                 </c:pt>
                 <c:pt idx="90">
-                  <c:v>760.2495157131635</c:v>
+                  <c:v>794.5995857333377</c:v>
                 </c:pt>
                 <c:pt idx="91">
-                  <c:v>755.2760449375538</c:v>
+                  <c:v>789.2835354361513</c:v>
                 </c:pt>
                 <c:pt idx="92">
-                  <c:v>750.4572247925471</c:v>
+                  <c:v>784.1422098406227</c:v>
                 </c:pt>
                 <c:pt idx="93">
-                  <c:v>745.7812743102196</c:v>
+                  <c:v>779.1615194258958</c:v>
                 </c:pt>
                 <c:pt idx="94">
-                  <c:v>741.2378311724067</c:v>
+                  <c:v>774.329165970616</c:v>
                 </c:pt>
                 <c:pt idx="95">
-                  <c:v>736.8177235983073</c:v>
+                  <c:v>769.6343392119519</c:v>
+                </c:pt>
+                <c:pt idx="96">
+                  <c:v>765.0674765076527</c:v>
                 </c:pt>
               </c:numCache>
             </c:numRef>
@@ -21829,10 +22060,10 @@
           </c:marker>
           <c:cat>
             <c:numRef>
-              <c:f>Sheet1!$A$2:$A$97</c:f>
+              <c:f>Sheet1!$A$2:$A$98</c:f>
               <c:numCache>
                 <c:formatCode>yyyy\-mm\-dd</c:formatCode>
-                <c:ptCount val="96"/>
+                <c:ptCount val="97"/>
                 <c:pt idx="0">
                   <c:v>41091.0</c:v>
                 </c:pt>
@@ -22120,16 +22351,19 @@
                 </c:pt>
                 <c:pt idx="95">
                   <c:v>43983.0</c:v>
+                </c:pt>
+                <c:pt idx="96">
+                  <c:v>44013.0</c:v>
                 </c:pt>
               </c:numCache>
             </c:numRef>
           </c:cat>
           <c:val>
             <c:numRef>
-              <c:f>Sheet1!$B$2:$B$97</c:f>
+              <c:f>Sheet1!$B$2:$B$98</c:f>
               <c:numCache>
                 <c:formatCode>General</c:formatCode>
-                <c:ptCount val="96"/>
+                <c:ptCount val="97"/>
                 <c:pt idx="0">
                   <c:v>72.0</c:v>
                 </c:pt>
@@ -22381,6 +22615,9 @@
                 </c:pt>
                 <c:pt idx="83">
                   <c:v>33.0</c:v>
+                </c:pt>
+                <c:pt idx="84">
+                  <c:v>85.0</c:v>
                 </c:pt>
               </c:numCache>
             </c:numRef>
@@ -22406,10 +22643,10 @@
           </c:marker>
           <c:cat>
             <c:numRef>
-              <c:f>Sheet1!$A$2:$A$97</c:f>
+              <c:f>Sheet1!$A$2:$A$98</c:f>
               <c:numCache>
                 <c:formatCode>yyyy\-mm\-dd</c:formatCode>
-                <c:ptCount val="96"/>
+                <c:ptCount val="97"/>
                 <c:pt idx="0">
                   <c:v>41091.0</c:v>
                 </c:pt>
@@ -22697,51 +22934,54 @@
                 </c:pt>
                 <c:pt idx="95">
                   <c:v>43983.0</c:v>
+                </c:pt>
+                <c:pt idx="96">
+                  <c:v>44013.0</c:v>
                 </c:pt>
               </c:numCache>
             </c:numRef>
           </c:cat>
           <c:val>
             <c:numRef>
-              <c:f>Sheet1!$C$2:$C$97</c:f>
+              <c:f>Sheet1!$C$2:$C$98</c:f>
               <c:numCache>
                 <c:formatCode>General</c:formatCode>
-                <c:ptCount val="96"/>
-                <c:pt idx="84">
-                  <c:v>68.88683896766352</c:v>
-                </c:pt>
+                <c:ptCount val="97"/>
                 <c:pt idx="85">
-                  <c:v>91.44868761948852</c:v>
+                  <c:v>90.53915275557218</c:v>
                 </c:pt>
                 <c:pt idx="86">
-                  <c:v>91.44868761948852</c:v>
+                  <c:v>89.29744500557545</c:v>
                 </c:pt>
                 <c:pt idx="87">
-                  <c:v>91.44868761948852</c:v>
+                  <c:v>83.79689930834344</c:v>
                 </c:pt>
                 <c:pt idx="88">
-                  <c:v>91.44868761948852</c:v>
+                  <c:v>72.9678232202316</c:v>
                 </c:pt>
                 <c:pt idx="89">
-                  <c:v>91.44868761948852</c:v>
+                  <c:v>92.12715979014122</c:v>
                 </c:pt>
                 <c:pt idx="90">
-                  <c:v>91.44868761948852</c:v>
+                  <c:v>90.08556242441628</c:v>
                 </c:pt>
                 <c:pt idx="91">
-                  <c:v>91.44868761948852</c:v>
+                  <c:v>90.08556242441628</c:v>
                 </c:pt>
                 <c:pt idx="92">
-                  <c:v>91.44868761948852</c:v>
+                  <c:v>90.08556242441628</c:v>
                 </c:pt>
                 <c:pt idx="93">
-                  <c:v>91.44868761948852</c:v>
+                  <c:v>90.08556242441628</c:v>
                 </c:pt>
                 <c:pt idx="94">
-                  <c:v>91.44868761948852</c:v>
+                  <c:v>90.08556242441628</c:v>
                 </c:pt>
                 <c:pt idx="95">
-                  <c:v>91.44868761948852</c:v>
+                  <c:v>90.08556242441628</c:v>
+                </c:pt>
+                <c:pt idx="96">
+                  <c:v>90.08556242441628</c:v>
                 </c:pt>
               </c:numCache>
             </c:numRef>
@@ -22767,10 +23007,10 @@
           </c:marker>
           <c:cat>
             <c:numRef>
-              <c:f>Sheet1!$A$2:$A$97</c:f>
+              <c:f>Sheet1!$A$2:$A$98</c:f>
               <c:numCache>
                 <c:formatCode>yyyy\-mm\-dd</c:formatCode>
-                <c:ptCount val="96"/>
+                <c:ptCount val="97"/>
                 <c:pt idx="0">
                   <c:v>41091.0</c:v>
                 </c:pt>
@@ -23058,51 +23298,54 @@
                 </c:pt>
                 <c:pt idx="95">
                   <c:v>43983.0</c:v>
+                </c:pt>
+                <c:pt idx="96">
+                  <c:v>44013.0</c:v>
                 </c:pt>
               </c:numCache>
             </c:numRef>
           </c:cat>
           <c:val>
             <c:numRef>
-              <c:f>Sheet1!$D$2:$D$97</c:f>
+              <c:f>Sheet1!$D$2:$D$98</c:f>
               <c:numCache>
                 <c:formatCode>General</c:formatCode>
-                <c:ptCount val="96"/>
-                <c:pt idx="84">
-                  <c:v>105.53784325601359</c:v>
-                </c:pt>
+                <c:ptCount val="97"/>
                 <c:pt idx="85">
-                  <c:v>142.56728393269609</c:v>
+                  <c:v>139.05500261759332</c:v>
                 </c:pt>
                 <c:pt idx="86">
-                  <c:v>142.56728393269609</c:v>
+                  <c:v>143.02083898918377</c:v>
                 </c:pt>
                 <c:pt idx="87">
-                  <c:v>142.56728393269609</c:v>
+                  <c:v>133.93751984214336</c:v>
                 </c:pt>
                 <c:pt idx="88">
-                  <c:v>142.56728393269609</c:v>
+                  <c:v>118.96104942360846</c:v>
                 </c:pt>
                 <c:pt idx="89">
-                  <c:v>142.56728393269609</c:v>
+                  <c:v>154.4897514926453</c:v>
                 </c:pt>
                 <c:pt idx="90">
-                  <c:v>142.56728393269609</c:v>
+                  <c:v>155.64346901429667</c:v>
                 </c:pt>
                 <c:pt idx="91">
-                  <c:v>142.56728393269609</c:v>
+                  <c:v>155.64346901429667</c:v>
                 </c:pt>
                 <c:pt idx="92">
-                  <c:v>142.56728393269609</c:v>
+                  <c:v>155.64346901429667</c:v>
                 </c:pt>
                 <c:pt idx="93">
-                  <c:v>142.56728393269609</c:v>
+                  <c:v>155.64346901429667</c:v>
                 </c:pt>
                 <c:pt idx="94">
-                  <c:v>142.56728393269609</c:v>
+                  <c:v>155.64346901429667</c:v>
                 </c:pt>
                 <c:pt idx="95">
-                  <c:v>142.56728393269609</c:v>
+                  <c:v>155.64346901429667</c:v>
+                </c:pt>
+                <c:pt idx="96">
+                  <c:v>155.64346901429667</c:v>
                 </c:pt>
               </c:numCache>
             </c:numRef>
@@ -23128,10 +23371,10 @@
           </c:marker>
           <c:cat>
             <c:numRef>
-              <c:f>Sheet1!$A$2:$A$97</c:f>
+              <c:f>Sheet1!$A$2:$A$98</c:f>
               <c:numCache>
                 <c:formatCode>yyyy\-mm\-dd</c:formatCode>
-                <c:ptCount val="96"/>
+                <c:ptCount val="97"/>
                 <c:pt idx="0">
                   <c:v>41091.0</c:v>
                 </c:pt>
@@ -23419,51 +23662,54 @@
                 </c:pt>
                 <c:pt idx="95">
                   <c:v>43983.0</c:v>
+                </c:pt>
+                <c:pt idx="96">
+                  <c:v>44013.0</c:v>
                 </c:pt>
               </c:numCache>
             </c:numRef>
           </c:cat>
           <c:val>
             <c:numRef>
-              <c:f>Sheet1!$E$2:$E$97</c:f>
+              <c:f>Sheet1!$E$2:$E$98</c:f>
               <c:numCache>
                 <c:formatCode>General</c:formatCode>
-                <c:ptCount val="96"/>
-                <c:pt idx="84">
-                  <c:v>38.70782557817688</c:v>
-                </c:pt>
+                <c:ptCount val="97"/>
                 <c:pt idx="85">
-                  <c:v>50.607086957102865</c:v>
+                  <c:v>53.29447798652597</c:v>
                 </c:pt>
                 <c:pt idx="86">
-                  <c:v>50.607086957102865</c:v>
+                  <c:v>50.89442217772798</c:v>
                 </c:pt>
                 <c:pt idx="87">
-                  <c:v>50.607086957102865</c:v>
+                  <c:v>48.01820268310934</c:v>
                 </c:pt>
                 <c:pt idx="88">
-                  <c:v>50.607086957102865</c:v>
+                  <c:v>41.49878111908111</c:v>
                 </c:pt>
                 <c:pt idx="89">
-                  <c:v>50.607086957102865</c:v>
+                  <c:v>50.57449424729267</c:v>
                 </c:pt>
                 <c:pt idx="90">
-                  <c:v>50.607086957102865</c:v>
+                  <c:v>48.40589802744834</c:v>
                 </c:pt>
                 <c:pt idx="91">
-                  <c:v>50.607086957102865</c:v>
+                  <c:v>48.40589802744834</c:v>
                 </c:pt>
                 <c:pt idx="92">
-                  <c:v>50.607086957102865</c:v>
+                  <c:v>48.40589802744834</c:v>
                 </c:pt>
                 <c:pt idx="93">
-                  <c:v>50.607086957102865</c:v>
+                  <c:v>48.40589802744834</c:v>
                 </c:pt>
                 <c:pt idx="94">
-                  <c:v>50.607086957102865</c:v>
+                  <c:v>48.40589802744834</c:v>
                 </c:pt>
                 <c:pt idx="95">
-                  <c:v>50.607086957102865</c:v>
+                  <c:v>48.40589802744834</c:v>
+                </c:pt>
+                <c:pt idx="96">
+                  <c:v>48.40589802744834</c:v>
                 </c:pt>
               </c:numCache>
             </c:numRef>
@@ -23588,10 +23834,10 @@
           </c:marker>
           <c:cat>
             <c:numRef>
-              <c:f>Sheet1!$A$2:$A$97</c:f>
+              <c:f>Sheet1!$A$2:$A$98</c:f>
               <c:numCache>
                 <c:formatCode>yyyy\-mm\-dd</c:formatCode>
-                <c:ptCount val="96"/>
+                <c:ptCount val="97"/>
                 <c:pt idx="0">
                   <c:v>41091.0</c:v>
                 </c:pt>
@@ -23879,16 +24125,19 @@
                 </c:pt>
                 <c:pt idx="95">
                   <c:v>43983.0</c:v>
+                </c:pt>
+                <c:pt idx="96">
+                  <c:v>44013.0</c:v>
                 </c:pt>
               </c:numCache>
             </c:numRef>
           </c:cat>
           <c:val>
             <c:numRef>
-              <c:f>Sheet1!$B$2:$B$97</c:f>
+              <c:f>Sheet1!$B$2:$B$98</c:f>
               <c:numCache>
                 <c:formatCode>General</c:formatCode>
-                <c:ptCount val="96"/>
+                <c:ptCount val="97"/>
                 <c:pt idx="0">
                   <c:v>38.0</c:v>
                 </c:pt>
@@ -24140,6 +24389,9 @@
                 </c:pt>
                 <c:pt idx="83">
                   <c:v>4.0</c:v>
+                </c:pt>
+                <c:pt idx="84">
+                  <c:v>2.0</c:v>
                 </c:pt>
               </c:numCache>
             </c:numRef>
@@ -24165,10 +24417,10 @@
           </c:marker>
           <c:cat>
             <c:numRef>
-              <c:f>Sheet1!$A$2:$A$97</c:f>
+              <c:f>Sheet1!$A$2:$A$98</c:f>
               <c:numCache>
                 <c:formatCode>yyyy\-mm\-dd</c:formatCode>
-                <c:ptCount val="96"/>
+                <c:ptCount val="97"/>
                 <c:pt idx="0">
                   <c:v>41091.0</c:v>
                 </c:pt>
@@ -24456,51 +24708,54 @@
                 </c:pt>
                 <c:pt idx="95">
                   <c:v>43983.0</c:v>
+                </c:pt>
+                <c:pt idx="96">
+                  <c:v>44013.0</c:v>
                 </c:pt>
               </c:numCache>
             </c:numRef>
           </c:cat>
           <c:val>
             <c:numRef>
-              <c:f>Sheet1!$C$2:$C$97</c:f>
+              <c:f>Sheet1!$C$2:$C$98</c:f>
               <c:numCache>
                 <c:formatCode>General</c:formatCode>
-                <c:ptCount val="96"/>
-                <c:pt idx="84">
-                  <c:v>8.137101328851568</c:v>
-                </c:pt>
+                <c:ptCount val="97"/>
                 <c:pt idx="85">
-                  <c:v>9.605866567812674</c:v>
+                  <c:v>6.438836492526553</c:v>
                 </c:pt>
                 <c:pt idx="86">
-                  <c:v>10.258353032779052</c:v>
+                  <c:v>7.710224712849593</c:v>
                 </c:pt>
                 <c:pt idx="87">
-                  <c:v>10.53606871238117</c:v>
+                  <c:v>8.179355786930772</c:v>
                 </c:pt>
                 <c:pt idx="88">
-                  <c:v>10.652299871473524</c:v>
+                  <c:v>8.344292313730891</c:v>
                 </c:pt>
                 <c:pt idx="89">
-                  <c:v>10.700615097916499</c:v>
+                  <c:v>8.40139896260373</c:v>
                 </c:pt>
                 <c:pt idx="90">
-                  <c:v>10.7206427938524</c:v>
+                  <c:v>8.421070153253318</c:v>
                 </c:pt>
                 <c:pt idx="91">
-                  <c:v>10.728935137293561</c:v>
+                  <c:v>8.427834357996092</c:v>
                 </c:pt>
                 <c:pt idx="92">
-                  <c:v>10.732366895953273</c:v>
+                  <c:v>8.430158931425632</c:v>
                 </c:pt>
                 <c:pt idx="93">
-                  <c:v>10.733786838191618</c:v>
+                  <c:v>8.430957625958344</c:v>
                 </c:pt>
                 <c:pt idx="94">
-                  <c:v>10.73437431299896</c:v>
+                  <c:v>8.431232028140272</c:v>
                 </c:pt>
                 <c:pt idx="95">
-                  <c:v>10.734617361633395</c:v>
+                  <c:v>8.431326300396261</c:v>
+                </c:pt>
+                <c:pt idx="96">
+                  <c:v>8.43135868783687</c:v>
                 </c:pt>
               </c:numCache>
             </c:numRef>
@@ -24526,10 +24781,10 @@
           </c:marker>
           <c:cat>
             <c:numRef>
-              <c:f>Sheet1!$A$2:$A$97</c:f>
+              <c:f>Sheet1!$A$2:$A$98</c:f>
               <c:numCache>
                 <c:formatCode>yyyy\-mm\-dd</c:formatCode>
-                <c:ptCount val="96"/>
+                <c:ptCount val="97"/>
                 <c:pt idx="0">
                   <c:v>41091.0</c:v>
                 </c:pt>
@@ -24817,51 +25072,54 @@
                 </c:pt>
                 <c:pt idx="95">
                   <c:v>43983.0</c:v>
+                </c:pt>
+                <c:pt idx="96">
+                  <c:v>44013.0</c:v>
                 </c:pt>
               </c:numCache>
             </c:numRef>
           </c:cat>
           <c:val>
             <c:numRef>
-              <c:f>Sheet1!$D$2:$D$97</c:f>
+              <c:f>Sheet1!$D$2:$D$98</c:f>
               <c:numCache>
                 <c:formatCode>General</c:formatCode>
-                <c:ptCount val="96"/>
-                <c:pt idx="84">
-                  <c:v>16.410605122236408</c:v>
-                </c:pt>
+                <c:ptCount val="97"/>
                 <c:pt idx="85">
-                  <c:v>21.06620209416813</c:v>
+                  <c:v>14.727135863019127</c:v>
                 </c:pt>
                 <c:pt idx="86">
-                  <c:v>23.399345973951423</c:v>
+                  <c:v>18.83035435822607</c:v>
                 </c:pt>
                 <c:pt idx="87">
-                  <c:v>24.77687044306053</c:v>
+                  <c:v>20.69458135612518</c:v>
                 </c:pt>
                 <c:pt idx="88">
-                  <c:v>25.752468397963227</c:v>
+                  <c:v>21.796613422709495</c:v>
                 </c:pt>
                 <c:pt idx="89">
-                  <c:v>26.554722367346326</c:v>
+                  <c:v>22.62809497600662</c:v>
                 </c:pt>
                 <c:pt idx="90">
-                  <c:v>27.278925097261563</c:v>
+                  <c:v>23.3574112180609</c:v>
                 </c:pt>
                 <c:pt idx="91">
-                  <c:v>27.965172989310652</c:v>
+                  <c:v>24.043232814556255</c:v>
                 </c:pt>
                 <c:pt idx="92">
-                  <c:v>28.630582359931665</c:v>
+                  <c:v>24.706486553945606</c:v>
                 </c:pt>
                 <c:pt idx="93">
-                  <c:v>29.282659595255357</c:v>
+                  <c:v>25.355005027033737</c:v>
                 </c:pt>
                 <c:pt idx="94">
-                  <c:v>29.9248671146898</c:v>
+                  <c:v>25.992025522180068</c:v>
                 </c:pt>
                 <c:pt idx="95">
-                  <c:v>30.558946114153912</c:v>
+                  <c:v>26.6191338132021</c:v>
+                </c:pt>
+                <c:pt idx="96">
+                  <c:v>27.237290664042416</c:v>
                 </c:pt>
               </c:numCache>
             </c:numRef>
@@ -24887,10 +25145,10 @@
           </c:marker>
           <c:cat>
             <c:numRef>
-              <c:f>Sheet1!$A$2:$A$97</c:f>
+              <c:f>Sheet1!$A$2:$A$98</c:f>
               <c:numCache>
                 <c:formatCode>yyyy\-mm\-dd</c:formatCode>
-                <c:ptCount val="96"/>
+                <c:ptCount val="97"/>
                 <c:pt idx="0">
                   <c:v>41091.0</c:v>
                 </c:pt>
@@ -25178,51 +25436,54 @@
                 </c:pt>
                 <c:pt idx="95">
                   <c:v>43983.0</c:v>
+                </c:pt>
+                <c:pt idx="96">
+                  <c:v>44013.0</c:v>
                 </c:pt>
               </c:numCache>
             </c:numRef>
           </c:cat>
           <c:val>
             <c:numRef>
-              <c:f>Sheet1!$E$2:$E$97</c:f>
+              <c:f>Sheet1!$E$2:$E$98</c:f>
               <c:numCache>
                 <c:formatCode>General</c:formatCode>
-                <c:ptCount val="96"/>
-                <c:pt idx="84">
-                  <c:v>1.6419028038992263</c:v>
-                </c:pt>
+                <c:ptCount val="97"/>
                 <c:pt idx="85">
-                  <c:v>1.674784933858478</c:v>
+                  <c:v>0.24584132930888863</c:v>
                 </c:pt>
                 <c:pt idx="86">
-                  <c:v>1.640053771609818</c:v>
+                  <c:v>0.27061770825999787</c:v>
                 </c:pt>
                 <c:pt idx="87">
-                  <c:v>1.546388681311572</c:v>
+                  <c:v>0.23143177218406882</c:v>
                 </c:pt>
                 <c:pt idx="88">
-                  <c:v>1.4299198900741088</c:v>
+                  <c:v>0.16643769777856973</c:v>
                 </c:pt>
                 <c:pt idx="89">
-                  <c:v>1.3097220106794523</c:v>
+                  <c:v>0.10386826684578153</c:v>
                 </c:pt>
                 <c:pt idx="90">
-                  <c:v>1.1937326830822317</c:v>
+                  <c:v>0.053900405778790114</c:v>
                 </c:pt>
                 <c:pt idx="91">
-                  <c:v>1.084763165807804</c:v>
+                  <c:v>0.01949988247875762</c:v>
                 </c:pt>
                 <c:pt idx="92">
-                  <c:v>0.9835097283731086</c:v>
+                  <c:v>0.0018181061111129816</c:v>
                 </c:pt>
                 <c:pt idx="93">
-                  <c:v>0.8898549889641877</c:v>
+                  <c:v>-0.004256595200063011</c:v>
                 </c:pt>
                 <c:pt idx="94">
-                  <c:v>0.8033985919908498</c:v>
+                  <c:v>-0.024162156643716973</c:v>
                 </c:pt>
                 <c:pt idx="95">
-                  <c:v>0.7236655946844788</c:v>
+                  <c:v>-0.05689819794487989</c:v>
+                </c:pt>
+                <c:pt idx="96">
+                  <c:v>-0.10048712104131245</c:v>
                 </c:pt>
               </c:numCache>
             </c:numRef>
@@ -25347,10 +25608,10 @@
           </c:marker>
           <c:cat>
             <c:numRef>
-              <c:f>Sheet1!$A$2:$A$96</c:f>
+              <c:f>Sheet1!$A$2:$A$97</c:f>
               <c:numCache>
                 <c:formatCode>yyyy\-mm\-dd</c:formatCode>
-                <c:ptCount val="95"/>
+                <c:ptCount val="96"/>
                 <c:pt idx="0">
                   <c:v>41122.0</c:v>
                 </c:pt>
@@ -25635,16 +25896,19 @@
                 </c:pt>
                 <c:pt idx="94">
                   <c:v>43983.0</c:v>
+                </c:pt>
+                <c:pt idx="95">
+                  <c:v>44013.0</c:v>
                 </c:pt>
               </c:numCache>
             </c:numRef>
           </c:cat>
           <c:val>
             <c:numRef>
-              <c:f>Sheet1!$B$2:$B$96</c:f>
+              <c:f>Sheet1!$B$2:$B$97</c:f>
               <c:numCache>
                 <c:formatCode>General</c:formatCode>
-                <c:ptCount val="95"/>
+                <c:ptCount val="96"/>
                 <c:pt idx="0">
                   <c:v>5.0</c:v>
                 </c:pt>
@@ -25893,6 +26157,9 @@
                 </c:pt>
                 <c:pt idx="82">
                   <c:v>5.0</c:v>
+                </c:pt>
+                <c:pt idx="83">
+                  <c:v>2.0</c:v>
                 </c:pt>
               </c:numCache>
             </c:numRef>
@@ -25918,10 +26185,10 @@
           </c:marker>
           <c:cat>
             <c:numRef>
-              <c:f>Sheet1!$A$2:$A$96</c:f>
+              <c:f>Sheet1!$A$2:$A$97</c:f>
               <c:numCache>
                 <c:formatCode>yyyy\-mm\-dd</c:formatCode>
-                <c:ptCount val="95"/>
+                <c:ptCount val="96"/>
                 <c:pt idx="0">
                   <c:v>41122.0</c:v>
                 </c:pt>
@@ -26206,51 +26473,54 @@
                 </c:pt>
                 <c:pt idx="94">
                   <c:v>43983.0</c:v>
+                </c:pt>
+                <c:pt idx="95">
+                  <c:v>44013.0</c:v>
                 </c:pt>
               </c:numCache>
             </c:numRef>
           </c:cat>
           <c:val>
             <c:numRef>
-              <c:f>Sheet1!$C$2:$C$96</c:f>
+              <c:f>Sheet1!$C$2:$C$97</c:f>
               <c:numCache>
                 <c:formatCode>General</c:formatCode>
-                <c:ptCount val="95"/>
-                <c:pt idx="83">
-                  <c:v>6.248625140037777</c:v>
-                </c:pt>
+                <c:ptCount val="96"/>
                 <c:pt idx="84">
-                  <c:v>11.50928836118648</c:v>
+                  <c:v>10.72836953073141</c:v>
                 </c:pt>
                 <c:pt idx="85">
-                  <c:v>9.851686534002333</c:v>
+                  <c:v>16.521965048070832</c:v>
                 </c:pt>
                 <c:pt idx="86">
-                  <c:v>4.8385086937161725</c:v>
+                  <c:v>4.977368814137051</c:v>
                 </c:pt>
                 <c:pt idx="87">
-                  <c:v>4.887387185207553</c:v>
+                  <c:v>2.625258746297531</c:v>
                 </c:pt>
                 <c:pt idx="88">
-                  <c:v>8.586535453287071</c:v>
+                  <c:v>8.422515205932545</c:v>
                 </c:pt>
                 <c:pt idx="89">
-                  <c:v>8.946477174963762</c:v>
+                  <c:v>15.60152047944952</c:v>
                 </c:pt>
                 <c:pt idx="90">
-                  <c:v>5.7435477901908</c:v>
+                  <c:v>6.306423073651624</c:v>
                 </c:pt>
                 <c:pt idx="91">
-                  <c:v>5.289738959467451</c:v>
+                  <c:v>2.8966749563575456</c:v>
                 </c:pt>
                 <c:pt idx="92">
-                  <c:v>7.557196710684096</c:v>
+                  <c:v>6.883391351911657</c:v>
                 </c:pt>
                 <c:pt idx="93">
-                  <c:v>8.32017537770708</c:v>
+                  <c:v>14.23351710219654</c:v>
                 </c:pt>
                 <c:pt idx="94">
-                  <c:v>6.346645491564663</c:v>
+                  <c:v>7.5483302080923</c:v>
+                </c:pt>
+                <c:pt idx="95">
+                  <c:v>3.299798301925155</c:v>
                 </c:pt>
               </c:numCache>
             </c:numRef>
@@ -26276,10 +26546,10 @@
           </c:marker>
           <c:cat>
             <c:numRef>
-              <c:f>Sheet1!$A$2:$A$96</c:f>
+              <c:f>Sheet1!$A$2:$A$97</c:f>
               <c:numCache>
                 <c:formatCode>yyyy\-mm\-dd</c:formatCode>
-                <c:ptCount val="95"/>
+                <c:ptCount val="96"/>
                 <c:pt idx="0">
                   <c:v>41122.0</c:v>
                 </c:pt>
@@ -26564,51 +26834,54 @@
                 </c:pt>
                 <c:pt idx="94">
                   <c:v>43983.0</c:v>
+                </c:pt>
+                <c:pt idx="95">
+                  <c:v>44013.0</c:v>
                 </c:pt>
               </c:numCache>
             </c:numRef>
           </c:cat>
           <c:val>
             <c:numRef>
-              <c:f>Sheet1!$D$2:$D$96</c:f>
+              <c:f>Sheet1!$D$2:$D$97</c:f>
               <c:numCache>
                 <c:formatCode>General</c:formatCode>
-                <c:ptCount val="95"/>
-                <c:pt idx="83">
-                  <c:v>19.361207009974507</c:v>
-                </c:pt>
+                <c:ptCount val="96"/>
                 <c:pt idx="84">
-                  <c:v>33.62055779406468</c:v>
+                  <c:v>34.61402936754565</c:v>
                 </c:pt>
                 <c:pt idx="85">
-                  <c:v>29.442801051532204</c:v>
+                  <c:v>51.02296254236164</c:v>
                 </c:pt>
                 <c:pt idx="86">
-                  <c:v>17.168273118910015</c:v>
+                  <c:v>17.6337300288528</c:v>
                 </c:pt>
                 <c:pt idx="87">
-                  <c:v>18.14802535420483</c:v>
+                  <c:v>10.7424172427168</c:v>
                 </c:pt>
                 <c:pt idx="88">
-                  <c:v>29.44849563562975</c:v>
+                  <c:v>30.8558111373534</c:v>
                 </c:pt>
                 <c:pt idx="89">
-                  <c:v>30.530153757349204</c:v>
+                  <c:v>53.29929909379998</c:v>
                 </c:pt>
                 <c:pt idx="90">
-                  <c:v>21.63602010344867</c:v>
+                  <c:v>24.131310930822053</c:v>
                 </c:pt>
                 <c:pt idx="91">
-                  <c:v>20.898909026089907</c:v>
+                  <c:v>12.906688932421751</c:v>
                 </c:pt>
                 <c:pt idx="92">
-                  <c:v>28.353828797027692</c:v>
+                  <c:v>28.280570051836644</c:v>
                 </c:pt>
                 <c:pt idx="93">
-                  <c:v>30.824788780043438</c:v>
+                  <c:v>53.46871726851205</c:v>
                 </c:pt>
                 <c:pt idx="94">
-                  <c:v>25.01868034214529</c:v>
+                  <c:v>30.914973115072918</c:v>
+                </c:pt>
+                <c:pt idx="95">
+                  <c:v>15.75403163323806</c:v>
                 </c:pt>
               </c:numCache>
             </c:numRef>
@@ -26634,10 +26907,10 @@
           </c:marker>
           <c:cat>
             <c:numRef>
-              <c:f>Sheet1!$A$2:$A$96</c:f>
+              <c:f>Sheet1!$A$2:$A$97</c:f>
               <c:numCache>
                 <c:formatCode>yyyy\-mm\-dd</c:formatCode>
-                <c:ptCount val="95"/>
+                <c:ptCount val="96"/>
                 <c:pt idx="0">
                   <c:v>41122.0</c:v>
                 </c:pt>
@@ -26922,51 +27195,54 @@
                 </c:pt>
                 <c:pt idx="94">
                   <c:v>43983.0</c:v>
+                </c:pt>
+                <c:pt idx="95">
+                  <c:v>44013.0</c:v>
                 </c:pt>
               </c:numCache>
             </c:numRef>
           </c:cat>
           <c:val>
             <c:numRef>
-              <c:f>Sheet1!$E$2:$E$96</c:f>
+              <c:f>Sheet1!$E$2:$E$97</c:f>
               <c:numCache>
                 <c:formatCode>General</c:formatCode>
-                <c:ptCount val="95"/>
-                <c:pt idx="83">
-                  <c:v>0.1381596914993908</c:v>
-                </c:pt>
+                <c:ptCount val="96"/>
                 <c:pt idx="84">
-                  <c:v>0.46307105902472356</c:v>
+                  <c:v>0.25165265069839565</c:v>
                 </c:pt>
                 <c:pt idx="85">
-                  <c:v>0.33845523766670926</c:v>
+                  <c:v>0.5424496974777735</c:v>
                 </c:pt>
                 <c:pt idx="86">
-                  <c:v>0.05940498987824318</c:v>
+                  <c:v>0.05656460351420606</c:v>
                 </c:pt>
                 <c:pt idx="87">
-                  <c:v>0.05334546461406716</c:v>
+                  <c:v>0.012244131922368168</c:v>
                 </c:pt>
                 <c:pt idx="88">
-                  <c:v>0.19245360741356568</c:v>
+                  <c:v>0.12913072974902529</c:v>
                 </c:pt>
                 <c:pt idx="89">
-                  <c:v>0.2096968725852899</c:v>
+                  <c:v>0.40625634958156953</c:v>
                 </c:pt>
                 <c:pt idx="90">
-                  <c:v>0.07065745080936339</c:v>
+                  <c:v>0.07149820687885096</c:v>
                 </c:pt>
                 <c:pt idx="91">
-                  <c:v>0.052305470645609815</c:v>
+                  <c:v>0.011744225711061592</c:v>
                 </c:pt>
                 <c:pt idx="92">
-                  <c:v>0.12092077791993205</c:v>
+                  <c:v>0.0703743331796117</c:v>
                 </c:pt>
                 <c:pt idx="93">
-                  <c:v>0.149406803825983</c:v>
+                  <c:v>0.28837695391506796</c:v>
                 </c:pt>
                 <c:pt idx="94">
-                  <c:v>0.07560127408793547</c:v>
+                  <c:v>0.08313093696555687</c:v>
+                </c:pt>
+                <c:pt idx="95">
+                  <c:v>0.012456636703490313</c:v>
                 </c:pt>
               </c:numCache>
             </c:numRef>

--- a/report/utilization/python_forecast_slides.pptx
+++ b/report/utilization/python_forecast_slides.pptx
@@ -14015,10 +14015,10 @@
           </c:marker>
           <c:cat>
             <c:numRef>
-              <c:f>Sheet1!$A$2:$A$97</c:f>
+              <c:f>Sheet1!$A$2:$A$98</c:f>
               <c:numCache>
                 <c:formatCode>yyyy\-mm\-dd</c:formatCode>
-                <c:ptCount val="96"/>
+                <c:ptCount val="97"/>
                 <c:pt idx="0">
                   <c:v>41091.0</c:v>
                 </c:pt>
@@ -14306,16 +14306,19 @@
                 </c:pt>
                 <c:pt idx="95">
                   <c:v>43983.0</c:v>
+                </c:pt>
+                <c:pt idx="96">
+                  <c:v>44013.0</c:v>
                 </c:pt>
               </c:numCache>
             </c:numRef>
           </c:cat>
           <c:val>
             <c:numRef>
-              <c:f>Sheet1!$B$2:$B$97</c:f>
+              <c:f>Sheet1!$B$2:$B$98</c:f>
               <c:numCache>
                 <c:formatCode>General</c:formatCode>
-                <c:ptCount val="96"/>
+                <c:ptCount val="97"/>
                 <c:pt idx="0">
                   <c:v>999.0</c:v>
                 </c:pt>
@@ -14567,6 +14570,9 @@
                 </c:pt>
                 <c:pt idx="83">
                   <c:v>1463.0</c:v>
+                </c:pt>
+                <c:pt idx="84">
+                  <c:v>1126.0</c:v>
                 </c:pt>
               </c:numCache>
             </c:numRef>
@@ -14592,10 +14598,10 @@
           </c:marker>
           <c:cat>
             <c:numRef>
-              <c:f>Sheet1!$A$2:$A$97</c:f>
+              <c:f>Sheet1!$A$2:$A$98</c:f>
               <c:numCache>
                 <c:formatCode>yyyy\-mm\-dd</c:formatCode>
-                <c:ptCount val="96"/>
+                <c:ptCount val="97"/>
                 <c:pt idx="0">
                   <c:v>41091.0</c:v>
                 </c:pt>
@@ -14883,51 +14889,54 @@
                 </c:pt>
                 <c:pt idx="95">
                   <c:v>43983.0</c:v>
+                </c:pt>
+                <c:pt idx="96">
+                  <c:v>44013.0</c:v>
                 </c:pt>
               </c:numCache>
             </c:numRef>
           </c:cat>
           <c:val>
             <c:numRef>
-              <c:f>Sheet1!$C$2:$C$97</c:f>
+              <c:f>Sheet1!$C$2:$C$98</c:f>
               <c:numCache>
                 <c:formatCode>General</c:formatCode>
-                <c:ptCount val="96"/>
-                <c:pt idx="84">
-                  <c:v>1408.1687409072242</c:v>
-                </c:pt>
+                <c:ptCount val="97"/>
                 <c:pt idx="85">
-                  <c:v>1408.1687409072242</c:v>
+                  <c:v>1352.866440249493</c:v>
                 </c:pt>
                 <c:pt idx="86">
-                  <c:v>1408.1687409072242</c:v>
+                  <c:v>1352.866440249493</c:v>
                 </c:pt>
                 <c:pt idx="87">
-                  <c:v>1408.1687409072242</c:v>
+                  <c:v>1352.866440249493</c:v>
                 </c:pt>
                 <c:pt idx="88">
-                  <c:v>1408.1687409072242</c:v>
+                  <c:v>1352.866440249493</c:v>
                 </c:pt>
                 <c:pt idx="89">
-                  <c:v>1408.1687409072242</c:v>
+                  <c:v>1352.866440249493</c:v>
                 </c:pt>
                 <c:pt idx="90">
-                  <c:v>1408.1687409072242</c:v>
+                  <c:v>1352.866440249493</c:v>
                 </c:pt>
                 <c:pt idx="91">
-                  <c:v>1408.1687409072242</c:v>
+                  <c:v>1352.866440249493</c:v>
                 </c:pt>
                 <c:pt idx="92">
-                  <c:v>1408.1687409072242</c:v>
+                  <c:v>1352.866440249493</c:v>
                 </c:pt>
                 <c:pt idx="93">
-                  <c:v>1408.1687409072242</c:v>
+                  <c:v>1352.866440249493</c:v>
                 </c:pt>
                 <c:pt idx="94">
-                  <c:v>1408.1687409072242</c:v>
+                  <c:v>1352.866440249493</c:v>
                 </c:pt>
                 <c:pt idx="95">
-                  <c:v>1408.1687409072242</c:v>
+                  <c:v>1352.866440249493</c:v>
+                </c:pt>
+                <c:pt idx="96">
+                  <c:v>1352.866440249493</c:v>
                 </c:pt>
               </c:numCache>
             </c:numRef>
@@ -14953,10 +14962,10 @@
           </c:marker>
           <c:cat>
             <c:numRef>
-              <c:f>Sheet1!$A$2:$A$97</c:f>
+              <c:f>Sheet1!$A$2:$A$98</c:f>
               <c:numCache>
                 <c:formatCode>yyyy\-mm\-dd</c:formatCode>
-                <c:ptCount val="96"/>
+                <c:ptCount val="97"/>
                 <c:pt idx="0">
                   <c:v>41091.0</c:v>
                 </c:pt>
@@ -15244,51 +15253,54 @@
                 </c:pt>
                 <c:pt idx="95">
                   <c:v>43983.0</c:v>
+                </c:pt>
+                <c:pt idx="96">
+                  <c:v>44013.0</c:v>
                 </c:pt>
               </c:numCache>
             </c:numRef>
           </c:cat>
           <c:val>
             <c:numRef>
-              <c:f>Sheet1!$D$2:$D$97</c:f>
+              <c:f>Sheet1!$D$2:$D$98</c:f>
               <c:numCache>
                 <c:formatCode>General</c:formatCode>
-                <c:ptCount val="96"/>
-                <c:pt idx="84">
-                  <c:v>1936.887261402967</c:v>
-                </c:pt>
+                <c:ptCount val="97"/>
                 <c:pt idx="85">
-                  <c:v>1940.6709652103877</c:v>
+                  <c:v>1756.2086005200022</c:v>
                 </c:pt>
                 <c:pt idx="86">
-                  <c:v>1944.4533565685233</c:v>
+                  <c:v>1759.630541923196</c:v>
                 </c:pt>
                 <c:pt idx="87">
-                  <c:v>1948.2345375093516</c:v>
+                  <c:v>1763.0456906182787</c:v>
                 </c:pt>
                 <c:pt idx="88">
-                  <c:v>1952.0146082433055</c:v>
+                  <c:v>1766.4542257032062</c:v>
                 </c:pt>
                 <c:pt idx="89">
-                  <c:v>1955.793667213378</c:v>
+                  <c:v>1769.856321451306</c:v>
                 </c:pt>
                 <c:pt idx="90">
-                  <c:v>1959.5718111500403</c:v>
+                  <c:v>1773.252147495155</c:v>
                 </c:pt>
                 <c:pt idx="91">
-                  <c:v>1963.3491351196562</c:v>
+                  <c:v>1776.641869003847</c:v>
                 </c:pt>
                 <c:pt idx="92">
-                  <c:v>1967.1257325777644</c:v>
+                  <c:v>1780.0256468523119</c:v>
                 </c:pt>
                 <c:pt idx="93">
-                  <c:v>1970.9016954135047</c:v>
+                  <c:v>1783.4036377808366</c:v>
                 </c:pt>
                 <c:pt idx="94">
-                  <c:v>1974.677113994856</c:v>
+                  <c:v>1786.7759945480695</c:v>
                 </c:pt>
                 <c:pt idx="95">
-                  <c:v>1978.452077218132</c:v>
+                  <c:v>1790.1428660766849</c:v>
+                </c:pt>
+                <c:pt idx="96">
+                  <c:v>1793.5043975936305</c:v>
                 </c:pt>
               </c:numCache>
             </c:numRef>
@@ -15314,10 +15326,10 @@
           </c:marker>
           <c:cat>
             <c:numRef>
-              <c:f>Sheet1!$A$2:$A$97</c:f>
+              <c:f>Sheet1!$A$2:$A$98</c:f>
               <c:numCache>
                 <c:formatCode>yyyy\-mm\-dd</c:formatCode>
-                <c:ptCount val="96"/>
+                <c:ptCount val="97"/>
                 <c:pt idx="0">
                   <c:v>41091.0</c:v>
                 </c:pt>
@@ -15605,51 +15617,54 @@
                 </c:pt>
                 <c:pt idx="95">
                   <c:v>43983.0</c:v>
+                </c:pt>
+                <c:pt idx="96">
+                  <c:v>44013.0</c:v>
                 </c:pt>
               </c:numCache>
             </c:numRef>
           </c:cat>
           <c:val>
             <c:numRef>
-              <c:f>Sheet1!$E$2:$E$97</c:f>
+              <c:f>Sheet1!$E$2:$E$98</c:f>
               <c:numCache>
                 <c:formatCode>General</c:formatCode>
-                <c:ptCount val="96"/>
-                <c:pt idx="84">
-                  <c:v>1012.6663059683983</c:v>
-                </c:pt>
+                <c:ptCount val="97"/>
                 <c:pt idx="85">
-                  <c:v>1011.6350357263116</c:v>
+                  <c:v>1027.450801383881</c:v>
                 </c:pt>
                 <c:pt idx="86">
-                  <c:v>1010.6102193592302</c:v>
+                  <c:v>1026.2038364782304</c:v>
                 </c:pt>
                 <c:pt idx="87">
-                  <c:v>1009.5917692539676</c:v>
+                  <c:v>1024.9666927298713</c:v>
                 </c:pt>
                 <c:pt idx="88">
-                  <c:v>1008.5795996734126</c:v>
+                  <c:v>1023.7391971892017</c:v>
                 </c:pt>
                 <c:pt idx="89">
-                  <c:v>1007.5736267013735</c:v>
+                  <c:v>1022.5211817486678</c:v>
                 </c:pt>
                 <c:pt idx="90">
-                  <c:v>1006.5737681897219</c:v>
+                  <c:v>1021.3124829575862</c:v>
                 </c:pt>
                 <c:pt idx="91">
-                  <c:v>1005.5799437081313</c:v>
+                  <c:v>1020.1129418451267</c:v>
                 </c:pt>
                 <c:pt idx="92">
-                  <c:v>1004.5920744933399</c:v>
+                  <c:v>1018.9224037516151</c:v>
                 </c:pt>
                 <c:pt idx="93">
-                  <c:v>1003.6100834031921</c:v>
+                  <c:v>1017.7407181684888</c:v>
                 </c:pt>
                 <c:pt idx="94">
-                  <c:v>1002.6338948704743</c:v>
+                  <c:v>1016.5677385854376</c:v>
                 </c:pt>
                 <c:pt idx="95">
-                  <c:v>1001.663434858655</c:v>
+                  <c:v>1015.4033223447512</c:v>
+                </c:pt>
+                <c:pt idx="96">
+                  <c:v>1014.247330501941</c:v>
                 </c:pt>
               </c:numCache>
             </c:numRef>
